--- a/Cookie/Domain/Domain.pptx
+++ b/Cookie/Domain/Domain.pptx
@@ -244,7 +244,7 @@
           <a:p>
             <a:fld id="{7C646FE5-4C54-49A0-A728-7E280FF13932}" type="datetimeFigureOut">
               <a:rPr kumimoji="1" lang="ja-JP" altLang="en-US" smtClean="0"/>
-              <a:t>2023/9/24</a:t>
+              <a:t>2023/9/25</a:t>
             </a:fld>
             <a:endParaRPr kumimoji="1" lang="ja-JP" altLang="en-US"/>
           </a:p>
@@ -444,7 +444,7 @@
           <a:p>
             <a:fld id="{7C646FE5-4C54-49A0-A728-7E280FF13932}" type="datetimeFigureOut">
               <a:rPr kumimoji="1" lang="ja-JP" altLang="en-US" smtClean="0"/>
-              <a:t>2023/9/24</a:t>
+              <a:t>2023/9/25</a:t>
             </a:fld>
             <a:endParaRPr kumimoji="1" lang="ja-JP" altLang="en-US"/>
           </a:p>
@@ -687,7 +687,7 @@
           <a:p>
             <a:fld id="{7C646FE5-4C54-49A0-A728-7E280FF13932}" type="datetimeFigureOut">
               <a:rPr kumimoji="1" lang="ja-JP" altLang="en-US" smtClean="0"/>
-              <a:t>2023/9/24</a:t>
+              <a:t>2023/9/25</a:t>
             </a:fld>
             <a:endParaRPr kumimoji="1" lang="ja-JP" altLang="en-US"/>
           </a:p>
@@ -14469,232 +14469,144 @@
           </a:p>
         </p:txBody>
       </p:sp>
-      <p:grpSp>
-        <p:nvGrpSpPr>
-          <p:cNvPr id="235" name="グループ化 234">
+      <p:sp>
+        <p:nvSpPr>
+          <p:cNvPr id="236" name="正方形/長方形 235">
             <a:extLst>
               <a:ext uri="{FF2B5EF4-FFF2-40B4-BE49-F238E27FC236}">
-                <a16:creationId xmlns:a16="http://schemas.microsoft.com/office/drawing/2014/main" id="{179DC9C0-D09B-0CF6-88EC-D98B35F778C6}"/>
+                <a16:creationId xmlns:a16="http://schemas.microsoft.com/office/drawing/2014/main" id="{71891F42-CB01-D668-5D81-7C4C18CC2A62}"/>
               </a:ext>
             </a:extLst>
           </p:cNvPr>
-          <p:cNvGrpSpPr/>
+          <p:cNvSpPr/>
           <p:nvPr/>
-        </p:nvGrpSpPr>
-        <p:grpSpPr>
+        </p:nvSpPr>
+        <p:spPr>
           <a:xfrm>
             <a:off x="3830201" y="2519133"/>
-            <a:ext cx="1026161" cy="1837250"/>
-            <a:chOff x="2762660" y="2311020"/>
-            <a:chExt cx="1150114" cy="1837250"/>
+            <a:ext cx="1026161" cy="489646"/>
           </a:xfrm>
-        </p:grpSpPr>
-        <p:sp>
-          <p:nvSpPr>
-            <p:cNvPr id="236" name="正方形/長方形 235">
-              <a:extLst>
-                <a:ext uri="{FF2B5EF4-FFF2-40B4-BE49-F238E27FC236}">
-                  <a16:creationId xmlns:a16="http://schemas.microsoft.com/office/drawing/2014/main" id="{71891F42-CB01-D668-5D81-7C4C18CC2A62}"/>
-                </a:ext>
-              </a:extLst>
-            </p:cNvPr>
-            <p:cNvSpPr/>
-            <p:nvPr/>
-          </p:nvSpPr>
-          <p:spPr>
-            <a:xfrm>
-              <a:off x="2762660" y="2311020"/>
-              <a:ext cx="1150114" cy="489646"/>
-            </a:xfrm>
-            <a:prstGeom prst="rect">
-              <a:avLst/>
-            </a:prstGeom>
-            <a:solidFill>
-              <a:srgbClr val="0070C0"/>
-            </a:solidFill>
-            <a:ln w="3175">
-              <a:solidFill>
-                <a:schemeClr val="tx1"/>
-              </a:solidFill>
-            </a:ln>
-            <a:effectLst>
-              <a:outerShdw blurRad="50800" dist="38100" dir="2700000" algn="tl" rotWithShape="0">
-                <a:prstClr val="black">
-                  <a:alpha val="40000"/>
-                </a:prstClr>
-              </a:outerShdw>
-            </a:effectLst>
-          </p:spPr>
-          <p:style>
-            <a:lnRef idx="2">
-              <a:schemeClr val="accent1">
-                <a:shade val="15000"/>
-              </a:schemeClr>
-            </a:lnRef>
-            <a:fillRef idx="1">
-              <a:schemeClr val="accent1"/>
-            </a:fillRef>
-            <a:effectRef idx="0">
-              <a:schemeClr val="accent1"/>
-            </a:effectRef>
-            <a:fontRef idx="minor">
-              <a:schemeClr val="lt1"/>
-            </a:fontRef>
-          </p:style>
-          <p:txBody>
-            <a:bodyPr rtlCol="0" anchor="ctr"/>
-            <a:lstStyle/>
-            <a:p>
-              <a:pPr algn="ctr"/>
-              <a:r>
-                <a:rPr lang="en-US" altLang="ja-JP" sz="800">
-                  <a:solidFill>
-                    <a:srgbClr val="0070C0"/>
-                  </a:solidFill>
-                </a:rPr>
-                <a:t>sub.</a:t>
-              </a:r>
-              <a:r>
-                <a:rPr lang="en-US" altLang="ja-JP" sz="800"/>
-                <a:t>me.example</a:t>
-              </a:r>
-              <a:endParaRPr kumimoji="1" lang="ja-JP" altLang="en-US" sz="800"/>
-            </a:p>
-          </p:txBody>
-        </p:sp>
-        <p:sp>
-          <p:nvSpPr>
-            <p:cNvPr id="237" name="正方形/長方形 236">
-              <a:extLst>
-                <a:ext uri="{FF2B5EF4-FFF2-40B4-BE49-F238E27FC236}">
-                  <a16:creationId xmlns:a16="http://schemas.microsoft.com/office/drawing/2014/main" id="{78F4790E-13E4-FEB7-F418-E1F5D15DCF7E}"/>
-                </a:ext>
-              </a:extLst>
-            </p:cNvPr>
-            <p:cNvSpPr/>
-            <p:nvPr/>
-          </p:nvSpPr>
-          <p:spPr>
-            <a:xfrm>
-              <a:off x="2762660" y="2984822"/>
-              <a:ext cx="1150114" cy="489646"/>
-            </a:xfrm>
-            <a:prstGeom prst="rect">
-              <a:avLst/>
-            </a:prstGeom>
-            <a:solidFill>
-              <a:srgbClr val="0070C0"/>
-            </a:solidFill>
-            <a:ln w="3175">
-              <a:solidFill>
-                <a:schemeClr val="tx1"/>
-              </a:solidFill>
-            </a:ln>
-            <a:effectLst>
-              <a:outerShdw blurRad="50800" dist="38100" dir="2700000" algn="tl" rotWithShape="0">
-                <a:prstClr val="black">
-                  <a:alpha val="40000"/>
-                </a:prstClr>
-              </a:outerShdw>
-            </a:effectLst>
-          </p:spPr>
-          <p:style>
-            <a:lnRef idx="2">
-              <a:schemeClr val="accent1">
-                <a:shade val="15000"/>
-              </a:schemeClr>
-            </a:lnRef>
-            <a:fillRef idx="1">
-              <a:schemeClr val="accent1"/>
-            </a:fillRef>
-            <a:effectRef idx="0">
-              <a:schemeClr val="accent1"/>
-            </a:effectRef>
-            <a:fontRef idx="minor">
-              <a:schemeClr val="lt1"/>
-            </a:fontRef>
-          </p:style>
-          <p:txBody>
-            <a:bodyPr rtlCol="0" anchor="ctr"/>
-            <a:lstStyle/>
-            <a:p>
-              <a:pPr algn="ctr"/>
-              <a:r>
-                <a:rPr lang="en-US" altLang="ja-JP" sz="800"/>
-                <a:t>sub.me.example</a:t>
-              </a:r>
-              <a:endParaRPr kumimoji="1" lang="ja-JP" altLang="en-US" sz="800"/>
-            </a:p>
-          </p:txBody>
-        </p:sp>
-        <p:sp>
-          <p:nvSpPr>
-            <p:cNvPr id="238" name="正方形/長方形 237">
-              <a:extLst>
-                <a:ext uri="{FF2B5EF4-FFF2-40B4-BE49-F238E27FC236}">
-                  <a16:creationId xmlns:a16="http://schemas.microsoft.com/office/drawing/2014/main" id="{8E9C7A3A-C758-7C52-2DF9-B23445031493}"/>
-                </a:ext>
-              </a:extLst>
-            </p:cNvPr>
-            <p:cNvSpPr/>
-            <p:nvPr/>
-          </p:nvSpPr>
-          <p:spPr>
-            <a:xfrm>
-              <a:off x="2762660" y="3658624"/>
-              <a:ext cx="1150114" cy="489646"/>
-            </a:xfrm>
-            <a:prstGeom prst="rect">
-              <a:avLst/>
-            </a:prstGeom>
-            <a:solidFill>
-              <a:schemeClr val="accent6">
-                <a:lumMod val="75000"/>
-              </a:schemeClr>
-            </a:solidFill>
-            <a:ln w="3175">
-              <a:solidFill>
-                <a:schemeClr val="tx1"/>
-              </a:solidFill>
-            </a:ln>
-            <a:effectLst>
-              <a:outerShdw blurRad="50800" dist="38100" dir="2700000" algn="tl" rotWithShape="0">
-                <a:prstClr val="black">
-                  <a:alpha val="40000"/>
-                </a:prstClr>
-              </a:outerShdw>
-            </a:effectLst>
-          </p:spPr>
-          <p:style>
-            <a:lnRef idx="2">
-              <a:schemeClr val="accent1">
-                <a:shade val="15000"/>
-              </a:schemeClr>
-            </a:lnRef>
-            <a:fillRef idx="1">
-              <a:schemeClr val="accent1"/>
-            </a:fillRef>
-            <a:effectRef idx="0">
-              <a:schemeClr val="accent1"/>
-            </a:effectRef>
-            <a:fontRef idx="minor">
-              <a:schemeClr val="lt1"/>
-            </a:fontRef>
-          </p:style>
-          <p:txBody>
-            <a:bodyPr rtlCol="0" anchor="ctr"/>
-            <a:lstStyle/>
-            <a:p>
-              <a:pPr algn="ctr"/>
-              <a:r>
-                <a:rPr lang="en-US" altLang="ja-JP" sz="800"/>
-                <a:t>you.example</a:t>
-              </a:r>
-              <a:endParaRPr kumimoji="1" lang="ja-JP" altLang="en-US" sz="800"/>
-            </a:p>
-          </p:txBody>
-        </p:sp>
-      </p:grpSp>
+          <a:prstGeom prst="rect">
+            <a:avLst/>
+          </a:prstGeom>
+          <a:solidFill>
+            <a:srgbClr val="0070C0"/>
+          </a:solidFill>
+          <a:ln w="3175">
+            <a:solidFill>
+              <a:schemeClr val="tx1"/>
+            </a:solidFill>
+          </a:ln>
+          <a:effectLst>
+            <a:outerShdw blurRad="50800" dist="38100" dir="2700000" algn="tl" rotWithShape="0">
+              <a:prstClr val="black">
+                <a:alpha val="40000"/>
+              </a:prstClr>
+            </a:outerShdw>
+          </a:effectLst>
+        </p:spPr>
+        <p:style>
+          <a:lnRef idx="2">
+            <a:schemeClr val="accent1">
+              <a:shade val="15000"/>
+            </a:schemeClr>
+          </a:lnRef>
+          <a:fillRef idx="1">
+            <a:schemeClr val="accent1"/>
+          </a:fillRef>
+          <a:effectRef idx="0">
+            <a:schemeClr val="accent1"/>
+          </a:effectRef>
+          <a:fontRef idx="minor">
+            <a:schemeClr val="lt1"/>
+          </a:fontRef>
+        </p:style>
+        <p:txBody>
+          <a:bodyPr rtlCol="0" anchor="ctr"/>
+          <a:lstStyle/>
+          <a:p>
+            <a:pPr algn="ctr"/>
+            <a:r>
+              <a:rPr lang="en-US" altLang="ja-JP" sz="800">
+                <a:solidFill>
+                  <a:srgbClr val="0070C0"/>
+                </a:solidFill>
+              </a:rPr>
+              <a:t>sub.</a:t>
+            </a:r>
+            <a:r>
+              <a:rPr lang="en-US" altLang="ja-JP" sz="800"/>
+              <a:t>me.example</a:t>
+            </a:r>
+            <a:endParaRPr kumimoji="1" lang="ja-JP" altLang="en-US" sz="800"/>
+          </a:p>
+        </p:txBody>
+      </p:sp>
+      <p:sp>
+        <p:nvSpPr>
+          <p:cNvPr id="237" name="正方形/長方形 236">
+            <a:extLst>
+              <a:ext uri="{FF2B5EF4-FFF2-40B4-BE49-F238E27FC236}">
+                <a16:creationId xmlns:a16="http://schemas.microsoft.com/office/drawing/2014/main" id="{78F4790E-13E4-FEB7-F418-E1F5D15DCF7E}"/>
+              </a:ext>
+            </a:extLst>
+          </p:cNvPr>
+          <p:cNvSpPr/>
+          <p:nvPr/>
+        </p:nvSpPr>
+        <p:spPr>
+          <a:xfrm>
+            <a:off x="3830201" y="3192935"/>
+            <a:ext cx="1026161" cy="489646"/>
+          </a:xfrm>
+          <a:prstGeom prst="rect">
+            <a:avLst/>
+          </a:prstGeom>
+          <a:solidFill>
+            <a:srgbClr val="0070C0"/>
+          </a:solidFill>
+          <a:ln w="3175">
+            <a:solidFill>
+              <a:schemeClr val="tx1"/>
+            </a:solidFill>
+          </a:ln>
+          <a:effectLst>
+            <a:outerShdw blurRad="50800" dist="38100" dir="2700000" algn="tl" rotWithShape="0">
+              <a:prstClr val="black">
+                <a:alpha val="40000"/>
+              </a:prstClr>
+            </a:outerShdw>
+          </a:effectLst>
+        </p:spPr>
+        <p:style>
+          <a:lnRef idx="2">
+            <a:schemeClr val="accent1">
+              <a:shade val="15000"/>
+            </a:schemeClr>
+          </a:lnRef>
+          <a:fillRef idx="1">
+            <a:schemeClr val="accent1"/>
+          </a:fillRef>
+          <a:effectRef idx="0">
+            <a:schemeClr val="accent1"/>
+          </a:effectRef>
+          <a:fontRef idx="minor">
+            <a:schemeClr val="lt1"/>
+          </a:fontRef>
+        </p:style>
+        <p:txBody>
+          <a:bodyPr rtlCol="0" anchor="ctr"/>
+          <a:lstStyle/>
+          <a:p>
+            <a:pPr algn="ctr"/>
+            <a:r>
+              <a:rPr lang="en-US" altLang="ja-JP" sz="800"/>
+              <a:t>sub.me.example</a:t>
+            </a:r>
+            <a:endParaRPr kumimoji="1" lang="ja-JP" altLang="en-US" sz="800"/>
+          </a:p>
+        </p:txBody>
+      </p:sp>
       <p:sp>
         <p:nvSpPr>
           <p:cNvPr id="239" name="スマイル 238">
@@ -14768,68 +14680,16 @@
           <p:cNvCxnSpPr>
             <a:cxnSpLocks/>
             <a:stCxn id="239" idx="4"/>
-            <a:endCxn id="238" idx="1"/>
+            <a:endCxn id="237" idx="1"/>
           </p:cNvCxnSpPr>
           <p:nvPr/>
         </p:nvCxnSpPr>
         <p:spPr>
           <a:xfrm rot="16200000" flipH="1">
-            <a:off x="2525108" y="2806466"/>
-            <a:ext cx="2147397" cy="462789"/>
+            <a:off x="2862009" y="2469565"/>
+            <a:ext cx="1473595" cy="462789"/>
           </a:xfrm>
           <a:prstGeom prst="bentConnector2">
-            <a:avLst/>
-          </a:prstGeom>
-          <a:ln w="12700">
-            <a:solidFill>
-              <a:schemeClr val="tx1"/>
-            </a:solidFill>
-            <a:tailEnd type="triangle"/>
-          </a:ln>
-          <a:effectLst>
-            <a:outerShdw blurRad="50800" dist="38100" dir="2700000" algn="tl" rotWithShape="0">
-              <a:prstClr val="black">
-                <a:alpha val="40000"/>
-              </a:prstClr>
-            </a:outerShdw>
-          </a:effectLst>
-        </p:spPr>
-        <p:style>
-          <a:lnRef idx="1">
-            <a:schemeClr val="accent1"/>
-          </a:lnRef>
-          <a:fillRef idx="0">
-            <a:schemeClr val="accent1"/>
-          </a:fillRef>
-          <a:effectRef idx="0">
-            <a:schemeClr val="accent1"/>
-          </a:effectRef>
-          <a:fontRef idx="minor">
-            <a:schemeClr val="tx1"/>
-          </a:fontRef>
-        </p:style>
-      </p:cxnSp>
-      <p:cxnSp>
-        <p:nvCxnSpPr>
-          <p:cNvPr id="243" name="直線矢印コネクタ 242">
-            <a:extLst>
-              <a:ext uri="{FF2B5EF4-FFF2-40B4-BE49-F238E27FC236}">
-                <a16:creationId xmlns:a16="http://schemas.microsoft.com/office/drawing/2014/main" id="{3602F7B2-41DA-A515-2F34-C4822B5E0422}"/>
-              </a:ext>
-            </a:extLst>
-          </p:cNvPr>
-          <p:cNvCxnSpPr>
-            <a:cxnSpLocks/>
-            <a:endCxn id="237" idx="1"/>
-          </p:cNvCxnSpPr>
-          <p:nvPr/>
-        </p:nvCxnSpPr>
-        <p:spPr>
-          <a:xfrm>
-            <a:off x="3367411" y="3437758"/>
-            <a:ext cx="462790" cy="0"/>
-          </a:xfrm>
-          <a:prstGeom prst="straightConnector1">
             <a:avLst/>
           </a:prstGeom>
           <a:ln w="12700">
@@ -14913,232 +14773,144 @@
           </a:fontRef>
         </p:style>
       </p:cxnSp>
-      <p:grpSp>
-        <p:nvGrpSpPr>
-          <p:cNvPr id="247" name="グループ化 246">
+      <p:sp>
+        <p:nvSpPr>
+          <p:cNvPr id="248" name="正方形/長方形 247">
             <a:extLst>
               <a:ext uri="{FF2B5EF4-FFF2-40B4-BE49-F238E27FC236}">
-                <a16:creationId xmlns:a16="http://schemas.microsoft.com/office/drawing/2014/main" id="{6497FD3E-C927-DB36-869E-DC5D7E4343CD}"/>
+                <a16:creationId xmlns:a16="http://schemas.microsoft.com/office/drawing/2014/main" id="{31AA3D6A-3E26-8E9B-EFFD-20148EAC98E6}"/>
               </a:ext>
             </a:extLst>
           </p:cNvPr>
-          <p:cNvGrpSpPr/>
+          <p:cNvSpPr/>
           <p:nvPr/>
-        </p:nvGrpSpPr>
-        <p:grpSpPr>
+        </p:nvSpPr>
+        <p:spPr>
           <a:xfrm>
             <a:off x="5951289" y="2519133"/>
-            <a:ext cx="1026161" cy="1837250"/>
-            <a:chOff x="2762660" y="2311020"/>
-            <a:chExt cx="1150114" cy="1837250"/>
+            <a:ext cx="1026161" cy="489646"/>
           </a:xfrm>
-        </p:grpSpPr>
-        <p:sp>
-          <p:nvSpPr>
-            <p:cNvPr id="248" name="正方形/長方形 247">
-              <a:extLst>
-                <a:ext uri="{FF2B5EF4-FFF2-40B4-BE49-F238E27FC236}">
-                  <a16:creationId xmlns:a16="http://schemas.microsoft.com/office/drawing/2014/main" id="{31AA3D6A-3E26-8E9B-EFFD-20148EAC98E6}"/>
-                </a:ext>
-              </a:extLst>
-            </p:cNvPr>
-            <p:cNvSpPr/>
-            <p:nvPr/>
-          </p:nvSpPr>
-          <p:spPr>
-            <a:xfrm>
-              <a:off x="2762660" y="2311020"/>
-              <a:ext cx="1150114" cy="489646"/>
-            </a:xfrm>
-            <a:prstGeom prst="rect">
-              <a:avLst/>
-            </a:prstGeom>
-            <a:solidFill>
-              <a:srgbClr val="0070C0"/>
-            </a:solidFill>
-            <a:ln w="3175">
-              <a:solidFill>
-                <a:schemeClr val="tx1"/>
-              </a:solidFill>
-            </a:ln>
-            <a:effectLst>
-              <a:outerShdw blurRad="50800" dist="38100" dir="2700000" algn="tl" rotWithShape="0">
-                <a:prstClr val="black">
-                  <a:alpha val="40000"/>
-                </a:prstClr>
-              </a:outerShdw>
-            </a:effectLst>
-          </p:spPr>
-          <p:style>
-            <a:lnRef idx="2">
-              <a:schemeClr val="accent1">
-                <a:shade val="15000"/>
-              </a:schemeClr>
-            </a:lnRef>
-            <a:fillRef idx="1">
-              <a:schemeClr val="accent1"/>
-            </a:fillRef>
-            <a:effectRef idx="0">
-              <a:schemeClr val="accent1"/>
-            </a:effectRef>
-            <a:fontRef idx="minor">
-              <a:schemeClr val="lt1"/>
-            </a:fontRef>
-          </p:style>
-          <p:txBody>
-            <a:bodyPr rtlCol="0" anchor="ctr"/>
-            <a:lstStyle/>
-            <a:p>
-              <a:pPr algn="ctr"/>
-              <a:r>
-                <a:rPr lang="en-US" altLang="ja-JP" sz="800">
-                  <a:solidFill>
-                    <a:srgbClr val="0070C0"/>
-                  </a:solidFill>
-                </a:rPr>
-                <a:t>sub.</a:t>
-              </a:r>
-              <a:r>
-                <a:rPr lang="en-US" altLang="ja-JP" sz="800"/>
-                <a:t>me.example</a:t>
-              </a:r>
-              <a:endParaRPr kumimoji="1" lang="ja-JP" altLang="en-US" sz="800"/>
-            </a:p>
-          </p:txBody>
-        </p:sp>
-        <p:sp>
-          <p:nvSpPr>
-            <p:cNvPr id="249" name="正方形/長方形 248">
-              <a:extLst>
-                <a:ext uri="{FF2B5EF4-FFF2-40B4-BE49-F238E27FC236}">
-                  <a16:creationId xmlns:a16="http://schemas.microsoft.com/office/drawing/2014/main" id="{2C1BF088-0CBC-10D9-B027-4768DDCFA778}"/>
-                </a:ext>
-              </a:extLst>
-            </p:cNvPr>
-            <p:cNvSpPr/>
-            <p:nvPr/>
-          </p:nvSpPr>
-          <p:spPr>
-            <a:xfrm>
-              <a:off x="2762660" y="2984822"/>
-              <a:ext cx="1150114" cy="489646"/>
-            </a:xfrm>
-            <a:prstGeom prst="rect">
-              <a:avLst/>
-            </a:prstGeom>
-            <a:solidFill>
-              <a:srgbClr val="0070C0"/>
-            </a:solidFill>
-            <a:ln w="3175">
-              <a:solidFill>
-                <a:schemeClr val="tx1"/>
-              </a:solidFill>
-            </a:ln>
-            <a:effectLst>
-              <a:outerShdw blurRad="50800" dist="38100" dir="2700000" algn="tl" rotWithShape="0">
-                <a:prstClr val="black">
-                  <a:alpha val="40000"/>
-                </a:prstClr>
-              </a:outerShdw>
-            </a:effectLst>
-          </p:spPr>
-          <p:style>
-            <a:lnRef idx="2">
-              <a:schemeClr val="accent1">
-                <a:shade val="15000"/>
-              </a:schemeClr>
-            </a:lnRef>
-            <a:fillRef idx="1">
-              <a:schemeClr val="accent1"/>
-            </a:fillRef>
-            <a:effectRef idx="0">
-              <a:schemeClr val="accent1"/>
-            </a:effectRef>
-            <a:fontRef idx="minor">
-              <a:schemeClr val="lt1"/>
-            </a:fontRef>
-          </p:style>
-          <p:txBody>
-            <a:bodyPr rtlCol="0" anchor="ctr"/>
-            <a:lstStyle/>
-            <a:p>
-              <a:pPr algn="ctr"/>
-              <a:r>
-                <a:rPr lang="en-US" altLang="ja-JP" sz="800"/>
-                <a:t>sub.me.example</a:t>
-              </a:r>
-              <a:endParaRPr kumimoji="1" lang="ja-JP" altLang="en-US" sz="800"/>
-            </a:p>
-          </p:txBody>
-        </p:sp>
-        <p:sp>
-          <p:nvSpPr>
-            <p:cNvPr id="250" name="正方形/長方形 249">
-              <a:extLst>
-                <a:ext uri="{FF2B5EF4-FFF2-40B4-BE49-F238E27FC236}">
-                  <a16:creationId xmlns:a16="http://schemas.microsoft.com/office/drawing/2014/main" id="{DE5508DD-26CD-E0F9-A433-115B1772E055}"/>
-                </a:ext>
-              </a:extLst>
-            </p:cNvPr>
-            <p:cNvSpPr/>
-            <p:nvPr/>
-          </p:nvSpPr>
-          <p:spPr>
-            <a:xfrm>
-              <a:off x="2762660" y="3658624"/>
-              <a:ext cx="1150114" cy="489646"/>
-            </a:xfrm>
-            <a:prstGeom prst="rect">
-              <a:avLst/>
-            </a:prstGeom>
-            <a:solidFill>
-              <a:schemeClr val="accent6">
-                <a:lumMod val="75000"/>
-              </a:schemeClr>
-            </a:solidFill>
-            <a:ln w="3175">
-              <a:solidFill>
-                <a:schemeClr val="tx1"/>
-              </a:solidFill>
-            </a:ln>
-            <a:effectLst>
-              <a:outerShdw blurRad="50800" dist="38100" dir="2700000" algn="tl" rotWithShape="0">
-                <a:prstClr val="black">
-                  <a:alpha val="40000"/>
-                </a:prstClr>
-              </a:outerShdw>
-            </a:effectLst>
-          </p:spPr>
-          <p:style>
-            <a:lnRef idx="2">
-              <a:schemeClr val="accent1">
-                <a:shade val="15000"/>
-              </a:schemeClr>
-            </a:lnRef>
-            <a:fillRef idx="1">
-              <a:schemeClr val="accent1"/>
-            </a:fillRef>
-            <a:effectRef idx="0">
-              <a:schemeClr val="accent1"/>
-            </a:effectRef>
-            <a:fontRef idx="minor">
-              <a:schemeClr val="lt1"/>
-            </a:fontRef>
-          </p:style>
-          <p:txBody>
-            <a:bodyPr rtlCol="0" anchor="ctr"/>
-            <a:lstStyle/>
-            <a:p>
-              <a:pPr algn="ctr"/>
-              <a:r>
-                <a:rPr lang="en-US" altLang="ja-JP" sz="800"/>
-                <a:t>you.example</a:t>
-              </a:r>
-              <a:endParaRPr kumimoji="1" lang="ja-JP" altLang="en-US" sz="800"/>
-            </a:p>
-          </p:txBody>
-        </p:sp>
-      </p:grpSp>
+          <a:prstGeom prst="rect">
+            <a:avLst/>
+          </a:prstGeom>
+          <a:solidFill>
+            <a:srgbClr val="0070C0"/>
+          </a:solidFill>
+          <a:ln w="3175">
+            <a:solidFill>
+              <a:schemeClr val="tx1"/>
+            </a:solidFill>
+          </a:ln>
+          <a:effectLst>
+            <a:outerShdw blurRad="50800" dist="38100" dir="2700000" algn="tl" rotWithShape="0">
+              <a:prstClr val="black">
+                <a:alpha val="40000"/>
+              </a:prstClr>
+            </a:outerShdw>
+          </a:effectLst>
+        </p:spPr>
+        <p:style>
+          <a:lnRef idx="2">
+            <a:schemeClr val="accent1">
+              <a:shade val="15000"/>
+            </a:schemeClr>
+          </a:lnRef>
+          <a:fillRef idx="1">
+            <a:schemeClr val="accent1"/>
+          </a:fillRef>
+          <a:effectRef idx="0">
+            <a:schemeClr val="accent1"/>
+          </a:effectRef>
+          <a:fontRef idx="minor">
+            <a:schemeClr val="lt1"/>
+          </a:fontRef>
+        </p:style>
+        <p:txBody>
+          <a:bodyPr rtlCol="0" anchor="ctr"/>
+          <a:lstStyle/>
+          <a:p>
+            <a:pPr algn="ctr"/>
+            <a:r>
+              <a:rPr lang="en-US" altLang="ja-JP" sz="800">
+                <a:solidFill>
+                  <a:srgbClr val="0070C0"/>
+                </a:solidFill>
+              </a:rPr>
+              <a:t>sub.</a:t>
+            </a:r>
+            <a:r>
+              <a:rPr lang="en-US" altLang="ja-JP" sz="800"/>
+              <a:t>me.example</a:t>
+            </a:r>
+            <a:endParaRPr kumimoji="1" lang="ja-JP" altLang="en-US" sz="800"/>
+          </a:p>
+        </p:txBody>
+      </p:sp>
+      <p:sp>
+        <p:nvSpPr>
+          <p:cNvPr id="249" name="正方形/長方形 248">
+            <a:extLst>
+              <a:ext uri="{FF2B5EF4-FFF2-40B4-BE49-F238E27FC236}">
+                <a16:creationId xmlns:a16="http://schemas.microsoft.com/office/drawing/2014/main" id="{2C1BF088-0CBC-10D9-B027-4768DDCFA778}"/>
+              </a:ext>
+            </a:extLst>
+          </p:cNvPr>
+          <p:cNvSpPr/>
+          <p:nvPr/>
+        </p:nvSpPr>
+        <p:spPr>
+          <a:xfrm>
+            <a:off x="5951289" y="3192935"/>
+            <a:ext cx="1026161" cy="489646"/>
+          </a:xfrm>
+          <a:prstGeom prst="rect">
+            <a:avLst/>
+          </a:prstGeom>
+          <a:solidFill>
+            <a:srgbClr val="0070C0"/>
+          </a:solidFill>
+          <a:ln w="3175">
+            <a:solidFill>
+              <a:schemeClr val="tx1"/>
+            </a:solidFill>
+          </a:ln>
+          <a:effectLst>
+            <a:outerShdw blurRad="50800" dist="38100" dir="2700000" algn="tl" rotWithShape="0">
+              <a:prstClr val="black">
+                <a:alpha val="40000"/>
+              </a:prstClr>
+            </a:outerShdw>
+          </a:effectLst>
+        </p:spPr>
+        <p:style>
+          <a:lnRef idx="2">
+            <a:schemeClr val="accent1">
+              <a:shade val="15000"/>
+            </a:schemeClr>
+          </a:lnRef>
+          <a:fillRef idx="1">
+            <a:schemeClr val="accent1"/>
+          </a:fillRef>
+          <a:effectRef idx="0">
+            <a:schemeClr val="accent1"/>
+          </a:effectRef>
+          <a:fontRef idx="minor">
+            <a:schemeClr val="lt1"/>
+          </a:fontRef>
+        </p:style>
+        <p:txBody>
+          <a:bodyPr rtlCol="0" anchor="ctr"/>
+          <a:lstStyle/>
+          <a:p>
+            <a:pPr algn="ctr"/>
+            <a:r>
+              <a:rPr lang="en-US" altLang="ja-JP" sz="800"/>
+              <a:t>sub.me.example</a:t>
+            </a:r>
+            <a:endParaRPr kumimoji="1" lang="ja-JP" altLang="en-US" sz="800"/>
+          </a:p>
+        </p:txBody>
+      </p:sp>
       <p:sp>
         <p:nvSpPr>
           <p:cNvPr id="251" name="スマイル 250">
@@ -15212,68 +14984,16 @@
           <p:cNvCxnSpPr>
             <a:cxnSpLocks/>
             <a:stCxn id="251" idx="4"/>
-            <a:endCxn id="250" idx="1"/>
+            <a:endCxn id="249" idx="1"/>
           </p:cNvCxnSpPr>
           <p:nvPr/>
         </p:nvCxnSpPr>
         <p:spPr>
           <a:xfrm rot="16200000" flipH="1">
-            <a:off x="4646196" y="2806466"/>
-            <a:ext cx="2147397" cy="462789"/>
+            <a:off x="4983097" y="2469565"/>
+            <a:ext cx="1473595" cy="462789"/>
           </a:xfrm>
           <a:prstGeom prst="bentConnector2">
-            <a:avLst/>
-          </a:prstGeom>
-          <a:ln w="12700">
-            <a:solidFill>
-              <a:schemeClr val="tx1"/>
-            </a:solidFill>
-            <a:tailEnd type="triangle"/>
-          </a:ln>
-          <a:effectLst>
-            <a:outerShdw blurRad="50800" dist="38100" dir="2700000" algn="tl" rotWithShape="0">
-              <a:prstClr val="black">
-                <a:alpha val="40000"/>
-              </a:prstClr>
-            </a:outerShdw>
-          </a:effectLst>
-        </p:spPr>
-        <p:style>
-          <a:lnRef idx="1">
-            <a:schemeClr val="accent1"/>
-          </a:lnRef>
-          <a:fillRef idx="0">
-            <a:schemeClr val="accent1"/>
-          </a:fillRef>
-          <a:effectRef idx="0">
-            <a:schemeClr val="accent1"/>
-          </a:effectRef>
-          <a:fontRef idx="minor">
-            <a:schemeClr val="tx1"/>
-          </a:fontRef>
-        </p:style>
-      </p:cxnSp>
-      <p:cxnSp>
-        <p:nvCxnSpPr>
-          <p:cNvPr id="255" name="直線矢印コネクタ 254">
-            <a:extLst>
-              <a:ext uri="{FF2B5EF4-FFF2-40B4-BE49-F238E27FC236}">
-                <a16:creationId xmlns:a16="http://schemas.microsoft.com/office/drawing/2014/main" id="{CED16EEA-4CAB-CC2F-D0EE-AEA470498728}"/>
-              </a:ext>
-            </a:extLst>
-          </p:cNvPr>
-          <p:cNvCxnSpPr>
-            <a:cxnSpLocks/>
-            <a:endCxn id="249" idx="1"/>
-          </p:cNvCxnSpPr>
-          <p:nvPr/>
-        </p:nvCxnSpPr>
-        <p:spPr>
-          <a:xfrm>
-            <a:off x="5488499" y="3437758"/>
-            <a:ext cx="462790" cy="0"/>
-          </a:xfrm>
-          <a:prstGeom prst="straightConnector1">
             <a:avLst/>
           </a:prstGeom>
           <a:ln w="12700">
@@ -15357,232 +15077,144 @@
           </a:fontRef>
         </p:style>
       </p:cxnSp>
-      <p:grpSp>
-        <p:nvGrpSpPr>
-          <p:cNvPr id="259" name="グループ化 258">
+      <p:sp>
+        <p:nvSpPr>
+          <p:cNvPr id="260" name="正方形/長方形 259">
             <a:extLst>
               <a:ext uri="{FF2B5EF4-FFF2-40B4-BE49-F238E27FC236}">
-                <a16:creationId xmlns:a16="http://schemas.microsoft.com/office/drawing/2014/main" id="{86F092F0-25DE-CFB7-8AB9-13E7643F5363}"/>
+                <a16:creationId xmlns:a16="http://schemas.microsoft.com/office/drawing/2014/main" id="{A100F1A8-CF37-2DDD-24F7-FAD30453C7A1}"/>
               </a:ext>
             </a:extLst>
           </p:cNvPr>
-          <p:cNvGrpSpPr/>
+          <p:cNvSpPr/>
           <p:nvPr/>
-        </p:nvGrpSpPr>
-        <p:grpSpPr>
+        </p:nvSpPr>
+        <p:spPr>
           <a:xfrm>
             <a:off x="8072377" y="2524649"/>
-            <a:ext cx="1026161" cy="1837250"/>
-            <a:chOff x="2762660" y="2311020"/>
-            <a:chExt cx="1150114" cy="1837250"/>
+            <a:ext cx="1026161" cy="489646"/>
           </a:xfrm>
-        </p:grpSpPr>
-        <p:sp>
-          <p:nvSpPr>
-            <p:cNvPr id="260" name="正方形/長方形 259">
-              <a:extLst>
-                <a:ext uri="{FF2B5EF4-FFF2-40B4-BE49-F238E27FC236}">
-                  <a16:creationId xmlns:a16="http://schemas.microsoft.com/office/drawing/2014/main" id="{A100F1A8-CF37-2DDD-24F7-FAD30453C7A1}"/>
-                </a:ext>
-              </a:extLst>
-            </p:cNvPr>
-            <p:cNvSpPr/>
-            <p:nvPr/>
-          </p:nvSpPr>
-          <p:spPr>
-            <a:xfrm>
-              <a:off x="2762660" y="2311020"/>
-              <a:ext cx="1150114" cy="489646"/>
-            </a:xfrm>
-            <a:prstGeom prst="rect">
-              <a:avLst/>
-            </a:prstGeom>
-            <a:solidFill>
-              <a:srgbClr val="0070C0"/>
-            </a:solidFill>
-            <a:ln w="3175">
-              <a:solidFill>
-                <a:schemeClr val="tx1"/>
-              </a:solidFill>
-            </a:ln>
-            <a:effectLst>
-              <a:outerShdw blurRad="50800" dist="38100" dir="2700000" algn="tl" rotWithShape="0">
-                <a:prstClr val="black">
-                  <a:alpha val="40000"/>
-                </a:prstClr>
-              </a:outerShdw>
-            </a:effectLst>
-          </p:spPr>
-          <p:style>
-            <a:lnRef idx="2">
-              <a:schemeClr val="accent1">
-                <a:shade val="15000"/>
-              </a:schemeClr>
-            </a:lnRef>
-            <a:fillRef idx="1">
-              <a:schemeClr val="accent1"/>
-            </a:fillRef>
-            <a:effectRef idx="0">
-              <a:schemeClr val="accent1"/>
-            </a:effectRef>
-            <a:fontRef idx="minor">
-              <a:schemeClr val="lt1"/>
-            </a:fontRef>
-          </p:style>
-          <p:txBody>
-            <a:bodyPr rtlCol="0" anchor="ctr"/>
-            <a:lstStyle/>
-            <a:p>
-              <a:pPr algn="ctr"/>
-              <a:r>
-                <a:rPr lang="en-US" altLang="ja-JP" sz="800">
-                  <a:solidFill>
-                    <a:srgbClr val="0070C0"/>
-                  </a:solidFill>
-                </a:rPr>
-                <a:t>sub.</a:t>
-              </a:r>
-              <a:r>
-                <a:rPr lang="en-US" altLang="ja-JP" sz="800"/>
-                <a:t>me.example</a:t>
-              </a:r>
-              <a:endParaRPr kumimoji="1" lang="ja-JP" altLang="en-US" sz="800"/>
-            </a:p>
-          </p:txBody>
-        </p:sp>
-        <p:sp>
-          <p:nvSpPr>
-            <p:cNvPr id="261" name="正方形/長方形 260">
-              <a:extLst>
-                <a:ext uri="{FF2B5EF4-FFF2-40B4-BE49-F238E27FC236}">
-                  <a16:creationId xmlns:a16="http://schemas.microsoft.com/office/drawing/2014/main" id="{E529CBDB-055B-63A3-1BBB-4ED3DD0A3EAF}"/>
-                </a:ext>
-              </a:extLst>
-            </p:cNvPr>
-            <p:cNvSpPr/>
-            <p:nvPr/>
-          </p:nvSpPr>
-          <p:spPr>
-            <a:xfrm>
-              <a:off x="2762660" y="2984822"/>
-              <a:ext cx="1150114" cy="489646"/>
-            </a:xfrm>
-            <a:prstGeom prst="rect">
-              <a:avLst/>
-            </a:prstGeom>
-            <a:solidFill>
-              <a:srgbClr val="0070C0"/>
-            </a:solidFill>
-            <a:ln w="3175">
-              <a:solidFill>
-                <a:schemeClr val="tx1"/>
-              </a:solidFill>
-            </a:ln>
-            <a:effectLst>
-              <a:outerShdw blurRad="50800" dist="38100" dir="2700000" algn="tl" rotWithShape="0">
-                <a:prstClr val="black">
-                  <a:alpha val="40000"/>
-                </a:prstClr>
-              </a:outerShdw>
-            </a:effectLst>
-          </p:spPr>
-          <p:style>
-            <a:lnRef idx="2">
-              <a:schemeClr val="accent1">
-                <a:shade val="15000"/>
-              </a:schemeClr>
-            </a:lnRef>
-            <a:fillRef idx="1">
-              <a:schemeClr val="accent1"/>
-            </a:fillRef>
-            <a:effectRef idx="0">
-              <a:schemeClr val="accent1"/>
-            </a:effectRef>
-            <a:fontRef idx="minor">
-              <a:schemeClr val="lt1"/>
-            </a:fontRef>
-          </p:style>
-          <p:txBody>
-            <a:bodyPr rtlCol="0" anchor="ctr"/>
-            <a:lstStyle/>
-            <a:p>
-              <a:pPr algn="ctr"/>
-              <a:r>
-                <a:rPr lang="en-US" altLang="ja-JP" sz="800"/>
-                <a:t>sub.me.example</a:t>
-              </a:r>
-              <a:endParaRPr kumimoji="1" lang="ja-JP" altLang="en-US" sz="800"/>
-            </a:p>
-          </p:txBody>
-        </p:sp>
-        <p:sp>
-          <p:nvSpPr>
-            <p:cNvPr id="262" name="正方形/長方形 261">
-              <a:extLst>
-                <a:ext uri="{FF2B5EF4-FFF2-40B4-BE49-F238E27FC236}">
-                  <a16:creationId xmlns:a16="http://schemas.microsoft.com/office/drawing/2014/main" id="{0291AB6C-8082-AC8C-0D60-F2CAD43DF45B}"/>
-                </a:ext>
-              </a:extLst>
-            </p:cNvPr>
-            <p:cNvSpPr/>
-            <p:nvPr/>
-          </p:nvSpPr>
-          <p:spPr>
-            <a:xfrm>
-              <a:off x="2762660" y="3658624"/>
-              <a:ext cx="1150114" cy="489646"/>
-            </a:xfrm>
-            <a:prstGeom prst="rect">
-              <a:avLst/>
-            </a:prstGeom>
-            <a:solidFill>
-              <a:schemeClr val="accent6">
-                <a:lumMod val="75000"/>
-              </a:schemeClr>
-            </a:solidFill>
-            <a:ln w="3175">
-              <a:solidFill>
-                <a:schemeClr val="tx1"/>
-              </a:solidFill>
-            </a:ln>
-            <a:effectLst>
-              <a:outerShdw blurRad="50800" dist="38100" dir="2700000" algn="tl" rotWithShape="0">
-                <a:prstClr val="black">
-                  <a:alpha val="40000"/>
-                </a:prstClr>
-              </a:outerShdw>
-            </a:effectLst>
-          </p:spPr>
-          <p:style>
-            <a:lnRef idx="2">
-              <a:schemeClr val="accent1">
-                <a:shade val="15000"/>
-              </a:schemeClr>
-            </a:lnRef>
-            <a:fillRef idx="1">
-              <a:schemeClr val="accent1"/>
-            </a:fillRef>
-            <a:effectRef idx="0">
-              <a:schemeClr val="accent1"/>
-            </a:effectRef>
-            <a:fontRef idx="minor">
-              <a:schemeClr val="lt1"/>
-            </a:fontRef>
-          </p:style>
-          <p:txBody>
-            <a:bodyPr rtlCol="0" anchor="ctr"/>
-            <a:lstStyle/>
-            <a:p>
-              <a:pPr algn="ctr"/>
-              <a:r>
-                <a:rPr lang="en-US" altLang="ja-JP" sz="800"/>
-                <a:t>you.example</a:t>
-              </a:r>
-              <a:endParaRPr kumimoji="1" lang="ja-JP" altLang="en-US" sz="800"/>
-            </a:p>
-          </p:txBody>
-        </p:sp>
-      </p:grpSp>
+          <a:prstGeom prst="rect">
+            <a:avLst/>
+          </a:prstGeom>
+          <a:solidFill>
+            <a:srgbClr val="0070C0"/>
+          </a:solidFill>
+          <a:ln w="3175">
+            <a:solidFill>
+              <a:schemeClr val="tx1"/>
+            </a:solidFill>
+          </a:ln>
+          <a:effectLst>
+            <a:outerShdw blurRad="50800" dist="38100" dir="2700000" algn="tl" rotWithShape="0">
+              <a:prstClr val="black">
+                <a:alpha val="40000"/>
+              </a:prstClr>
+            </a:outerShdw>
+          </a:effectLst>
+        </p:spPr>
+        <p:style>
+          <a:lnRef idx="2">
+            <a:schemeClr val="accent1">
+              <a:shade val="15000"/>
+            </a:schemeClr>
+          </a:lnRef>
+          <a:fillRef idx="1">
+            <a:schemeClr val="accent1"/>
+          </a:fillRef>
+          <a:effectRef idx="0">
+            <a:schemeClr val="accent1"/>
+          </a:effectRef>
+          <a:fontRef idx="minor">
+            <a:schemeClr val="lt1"/>
+          </a:fontRef>
+        </p:style>
+        <p:txBody>
+          <a:bodyPr rtlCol="0" anchor="ctr"/>
+          <a:lstStyle/>
+          <a:p>
+            <a:pPr algn="ctr"/>
+            <a:r>
+              <a:rPr lang="en-US" altLang="ja-JP" sz="800">
+                <a:solidFill>
+                  <a:srgbClr val="0070C0"/>
+                </a:solidFill>
+              </a:rPr>
+              <a:t>sub.</a:t>
+            </a:r>
+            <a:r>
+              <a:rPr lang="en-US" altLang="ja-JP" sz="800"/>
+              <a:t>me.example</a:t>
+            </a:r>
+            <a:endParaRPr kumimoji="1" lang="ja-JP" altLang="en-US" sz="800"/>
+          </a:p>
+        </p:txBody>
+      </p:sp>
+      <p:sp>
+        <p:nvSpPr>
+          <p:cNvPr id="261" name="正方形/長方形 260">
+            <a:extLst>
+              <a:ext uri="{FF2B5EF4-FFF2-40B4-BE49-F238E27FC236}">
+                <a16:creationId xmlns:a16="http://schemas.microsoft.com/office/drawing/2014/main" id="{E529CBDB-055B-63A3-1BBB-4ED3DD0A3EAF}"/>
+              </a:ext>
+            </a:extLst>
+          </p:cNvPr>
+          <p:cNvSpPr/>
+          <p:nvPr/>
+        </p:nvSpPr>
+        <p:spPr>
+          <a:xfrm>
+            <a:off x="8072377" y="3198451"/>
+            <a:ext cx="1026161" cy="489646"/>
+          </a:xfrm>
+          <a:prstGeom prst="rect">
+            <a:avLst/>
+          </a:prstGeom>
+          <a:solidFill>
+            <a:srgbClr val="0070C0"/>
+          </a:solidFill>
+          <a:ln w="3175">
+            <a:solidFill>
+              <a:schemeClr val="tx1"/>
+            </a:solidFill>
+          </a:ln>
+          <a:effectLst>
+            <a:outerShdw blurRad="50800" dist="38100" dir="2700000" algn="tl" rotWithShape="0">
+              <a:prstClr val="black">
+                <a:alpha val="40000"/>
+              </a:prstClr>
+            </a:outerShdw>
+          </a:effectLst>
+        </p:spPr>
+        <p:style>
+          <a:lnRef idx="2">
+            <a:schemeClr val="accent1">
+              <a:shade val="15000"/>
+            </a:schemeClr>
+          </a:lnRef>
+          <a:fillRef idx="1">
+            <a:schemeClr val="accent1"/>
+          </a:fillRef>
+          <a:effectRef idx="0">
+            <a:schemeClr val="accent1"/>
+          </a:effectRef>
+          <a:fontRef idx="minor">
+            <a:schemeClr val="lt1"/>
+          </a:fontRef>
+        </p:style>
+        <p:txBody>
+          <a:bodyPr rtlCol="0" anchor="ctr"/>
+          <a:lstStyle/>
+          <a:p>
+            <a:pPr algn="ctr"/>
+            <a:r>
+              <a:rPr lang="en-US" altLang="ja-JP" sz="800"/>
+              <a:t>sub.me.example</a:t>
+            </a:r>
+            <a:endParaRPr kumimoji="1" lang="ja-JP" altLang="en-US" sz="800"/>
+          </a:p>
+        </p:txBody>
+      </p:sp>
       <p:sp>
         <p:nvSpPr>
           <p:cNvPr id="263" name="スマイル 262">
@@ -15656,68 +15288,16 @@
           <p:cNvCxnSpPr>
             <a:cxnSpLocks/>
             <a:stCxn id="263" idx="4"/>
-            <a:endCxn id="262" idx="1"/>
+            <a:endCxn id="261" idx="1"/>
           </p:cNvCxnSpPr>
           <p:nvPr/>
         </p:nvCxnSpPr>
         <p:spPr>
           <a:xfrm rot="16200000" flipH="1">
-            <a:off x="6767284" y="2811982"/>
-            <a:ext cx="2147397" cy="462789"/>
+            <a:off x="7104185" y="2475081"/>
+            <a:ext cx="1473595" cy="462789"/>
           </a:xfrm>
           <a:prstGeom prst="bentConnector2">
-            <a:avLst/>
-          </a:prstGeom>
-          <a:ln w="12700">
-            <a:solidFill>
-              <a:schemeClr val="tx1"/>
-            </a:solidFill>
-            <a:tailEnd type="triangle"/>
-          </a:ln>
-          <a:effectLst>
-            <a:outerShdw blurRad="50800" dist="38100" dir="2700000" algn="tl" rotWithShape="0">
-              <a:prstClr val="black">
-                <a:alpha val="40000"/>
-              </a:prstClr>
-            </a:outerShdw>
-          </a:effectLst>
-        </p:spPr>
-        <p:style>
-          <a:lnRef idx="1">
-            <a:schemeClr val="accent1"/>
-          </a:lnRef>
-          <a:fillRef idx="0">
-            <a:schemeClr val="accent1"/>
-          </a:fillRef>
-          <a:effectRef idx="0">
-            <a:schemeClr val="accent1"/>
-          </a:effectRef>
-          <a:fontRef idx="minor">
-            <a:schemeClr val="tx1"/>
-          </a:fontRef>
-        </p:style>
-      </p:cxnSp>
-      <p:cxnSp>
-        <p:nvCxnSpPr>
-          <p:cNvPr id="267" name="直線矢印コネクタ 266">
-            <a:extLst>
-              <a:ext uri="{FF2B5EF4-FFF2-40B4-BE49-F238E27FC236}">
-                <a16:creationId xmlns:a16="http://schemas.microsoft.com/office/drawing/2014/main" id="{1C4C1548-8B83-988B-7374-790CD35202C1}"/>
-              </a:ext>
-            </a:extLst>
-          </p:cNvPr>
-          <p:cNvCxnSpPr>
-            <a:cxnSpLocks/>
-            <a:endCxn id="261" idx="1"/>
-          </p:cNvCxnSpPr>
-          <p:nvPr/>
-        </p:nvCxnSpPr>
-        <p:spPr>
-          <a:xfrm>
-            <a:off x="7609587" y="3443274"/>
-            <a:ext cx="462790" cy="0"/>
-          </a:xfrm>
-          <a:prstGeom prst="straightConnector1">
             <a:avLst/>
           </a:prstGeom>
           <a:ln w="12700">
@@ -15767,450 +15347,6 @@
         <p:spPr>
           <a:xfrm>
             <a:off x="7609587" y="2769472"/>
-            <a:ext cx="462790" cy="0"/>
-          </a:xfrm>
-          <a:prstGeom prst="straightConnector1">
-            <a:avLst/>
-          </a:prstGeom>
-          <a:ln w="12700">
-            <a:solidFill>
-              <a:schemeClr val="tx1"/>
-            </a:solidFill>
-            <a:tailEnd type="triangle"/>
-          </a:ln>
-          <a:effectLst>
-            <a:outerShdw blurRad="50800" dist="38100" dir="2700000" algn="tl" rotWithShape="0">
-              <a:prstClr val="black">
-                <a:alpha val="40000"/>
-              </a:prstClr>
-            </a:outerShdw>
-          </a:effectLst>
-        </p:spPr>
-        <p:style>
-          <a:lnRef idx="1">
-            <a:schemeClr val="accent1"/>
-          </a:lnRef>
-          <a:fillRef idx="0">
-            <a:schemeClr val="accent1"/>
-          </a:fillRef>
-          <a:effectRef idx="0">
-            <a:schemeClr val="accent1"/>
-          </a:effectRef>
-          <a:fontRef idx="minor">
-            <a:schemeClr val="tx1"/>
-          </a:fontRef>
-        </p:style>
-      </p:cxnSp>
-      <p:grpSp>
-        <p:nvGrpSpPr>
-          <p:cNvPr id="271" name="グループ化 270">
-            <a:extLst>
-              <a:ext uri="{FF2B5EF4-FFF2-40B4-BE49-F238E27FC236}">
-                <a16:creationId xmlns:a16="http://schemas.microsoft.com/office/drawing/2014/main" id="{EBEC8BAB-EB7E-939B-29B8-5A6E8ADC9C33}"/>
-              </a:ext>
-            </a:extLst>
-          </p:cNvPr>
-          <p:cNvGrpSpPr/>
-          <p:nvPr/>
-        </p:nvGrpSpPr>
-        <p:grpSpPr>
-          <a:xfrm>
-            <a:off x="10196651" y="2519133"/>
-            <a:ext cx="1026161" cy="1837250"/>
-            <a:chOff x="2762660" y="2311020"/>
-            <a:chExt cx="1150114" cy="1837250"/>
-          </a:xfrm>
-        </p:grpSpPr>
-        <p:sp>
-          <p:nvSpPr>
-            <p:cNvPr id="272" name="正方形/長方形 271">
-              <a:extLst>
-                <a:ext uri="{FF2B5EF4-FFF2-40B4-BE49-F238E27FC236}">
-                  <a16:creationId xmlns:a16="http://schemas.microsoft.com/office/drawing/2014/main" id="{48A70925-BD51-C250-7E85-1B1BDEE4497B}"/>
-                </a:ext>
-              </a:extLst>
-            </p:cNvPr>
-            <p:cNvSpPr/>
-            <p:nvPr/>
-          </p:nvSpPr>
-          <p:spPr>
-            <a:xfrm>
-              <a:off x="2762660" y="2311020"/>
-              <a:ext cx="1150114" cy="489646"/>
-            </a:xfrm>
-            <a:prstGeom prst="rect">
-              <a:avLst/>
-            </a:prstGeom>
-            <a:solidFill>
-              <a:srgbClr val="0070C0"/>
-            </a:solidFill>
-            <a:ln w="3175">
-              <a:solidFill>
-                <a:schemeClr val="tx1"/>
-              </a:solidFill>
-            </a:ln>
-            <a:effectLst>
-              <a:outerShdw blurRad="50800" dist="38100" dir="2700000" algn="tl" rotWithShape="0">
-                <a:prstClr val="black">
-                  <a:alpha val="40000"/>
-                </a:prstClr>
-              </a:outerShdw>
-            </a:effectLst>
-          </p:spPr>
-          <p:style>
-            <a:lnRef idx="2">
-              <a:schemeClr val="accent1">
-                <a:shade val="15000"/>
-              </a:schemeClr>
-            </a:lnRef>
-            <a:fillRef idx="1">
-              <a:schemeClr val="accent1"/>
-            </a:fillRef>
-            <a:effectRef idx="0">
-              <a:schemeClr val="accent1"/>
-            </a:effectRef>
-            <a:fontRef idx="minor">
-              <a:schemeClr val="lt1"/>
-            </a:fontRef>
-          </p:style>
-          <p:txBody>
-            <a:bodyPr rtlCol="0" anchor="ctr"/>
-            <a:lstStyle/>
-            <a:p>
-              <a:pPr algn="ctr"/>
-              <a:r>
-                <a:rPr lang="en-US" altLang="ja-JP" sz="800">
-                  <a:solidFill>
-                    <a:srgbClr val="0070C0"/>
-                  </a:solidFill>
-                </a:rPr>
-                <a:t>sub.</a:t>
-              </a:r>
-              <a:r>
-                <a:rPr lang="en-US" altLang="ja-JP" sz="800"/>
-                <a:t>me.example</a:t>
-              </a:r>
-              <a:endParaRPr kumimoji="1" lang="ja-JP" altLang="en-US" sz="800"/>
-            </a:p>
-          </p:txBody>
-        </p:sp>
-        <p:sp>
-          <p:nvSpPr>
-            <p:cNvPr id="273" name="正方形/長方形 272">
-              <a:extLst>
-                <a:ext uri="{FF2B5EF4-FFF2-40B4-BE49-F238E27FC236}">
-                  <a16:creationId xmlns:a16="http://schemas.microsoft.com/office/drawing/2014/main" id="{2240BC69-7605-7D14-B93C-E5C0A25FF44C}"/>
-                </a:ext>
-              </a:extLst>
-            </p:cNvPr>
-            <p:cNvSpPr/>
-            <p:nvPr/>
-          </p:nvSpPr>
-          <p:spPr>
-            <a:xfrm>
-              <a:off x="2762660" y="2984822"/>
-              <a:ext cx="1150114" cy="489646"/>
-            </a:xfrm>
-            <a:prstGeom prst="rect">
-              <a:avLst/>
-            </a:prstGeom>
-            <a:solidFill>
-              <a:srgbClr val="0070C0"/>
-            </a:solidFill>
-            <a:ln w="3175">
-              <a:solidFill>
-                <a:schemeClr val="tx1"/>
-              </a:solidFill>
-            </a:ln>
-            <a:effectLst>
-              <a:outerShdw blurRad="50800" dist="38100" dir="2700000" algn="tl" rotWithShape="0">
-                <a:prstClr val="black">
-                  <a:alpha val="40000"/>
-                </a:prstClr>
-              </a:outerShdw>
-            </a:effectLst>
-          </p:spPr>
-          <p:style>
-            <a:lnRef idx="2">
-              <a:schemeClr val="accent1">
-                <a:shade val="15000"/>
-              </a:schemeClr>
-            </a:lnRef>
-            <a:fillRef idx="1">
-              <a:schemeClr val="accent1"/>
-            </a:fillRef>
-            <a:effectRef idx="0">
-              <a:schemeClr val="accent1"/>
-            </a:effectRef>
-            <a:fontRef idx="minor">
-              <a:schemeClr val="lt1"/>
-            </a:fontRef>
-          </p:style>
-          <p:txBody>
-            <a:bodyPr rtlCol="0" anchor="ctr"/>
-            <a:lstStyle/>
-            <a:p>
-              <a:pPr algn="ctr"/>
-              <a:r>
-                <a:rPr lang="en-US" altLang="ja-JP" sz="800"/>
-                <a:t>sub.me.example</a:t>
-              </a:r>
-              <a:endParaRPr kumimoji="1" lang="ja-JP" altLang="en-US" sz="800"/>
-            </a:p>
-          </p:txBody>
-        </p:sp>
-        <p:sp>
-          <p:nvSpPr>
-            <p:cNvPr id="274" name="正方形/長方形 273">
-              <a:extLst>
-                <a:ext uri="{FF2B5EF4-FFF2-40B4-BE49-F238E27FC236}">
-                  <a16:creationId xmlns:a16="http://schemas.microsoft.com/office/drawing/2014/main" id="{2B11A794-E8FD-0E31-13BE-3864DDE7324C}"/>
-                </a:ext>
-              </a:extLst>
-            </p:cNvPr>
-            <p:cNvSpPr/>
-            <p:nvPr/>
-          </p:nvSpPr>
-          <p:spPr>
-            <a:xfrm>
-              <a:off x="2762660" y="3658624"/>
-              <a:ext cx="1150114" cy="489646"/>
-            </a:xfrm>
-            <a:prstGeom prst="rect">
-              <a:avLst/>
-            </a:prstGeom>
-            <a:solidFill>
-              <a:schemeClr val="accent6">
-                <a:lumMod val="75000"/>
-              </a:schemeClr>
-            </a:solidFill>
-            <a:ln w="3175">
-              <a:solidFill>
-                <a:schemeClr val="tx1"/>
-              </a:solidFill>
-            </a:ln>
-            <a:effectLst>
-              <a:outerShdw blurRad="50800" dist="38100" dir="2700000" algn="tl" rotWithShape="0">
-                <a:prstClr val="black">
-                  <a:alpha val="40000"/>
-                </a:prstClr>
-              </a:outerShdw>
-            </a:effectLst>
-          </p:spPr>
-          <p:style>
-            <a:lnRef idx="2">
-              <a:schemeClr val="accent1">
-                <a:shade val="15000"/>
-              </a:schemeClr>
-            </a:lnRef>
-            <a:fillRef idx="1">
-              <a:schemeClr val="accent1"/>
-            </a:fillRef>
-            <a:effectRef idx="0">
-              <a:schemeClr val="accent1"/>
-            </a:effectRef>
-            <a:fontRef idx="minor">
-              <a:schemeClr val="lt1"/>
-            </a:fontRef>
-          </p:style>
-          <p:txBody>
-            <a:bodyPr rtlCol="0" anchor="ctr"/>
-            <a:lstStyle/>
-            <a:p>
-              <a:pPr algn="ctr"/>
-              <a:r>
-                <a:rPr lang="en-US" altLang="ja-JP" sz="800"/>
-                <a:t>you.example</a:t>
-              </a:r>
-              <a:endParaRPr kumimoji="1" lang="ja-JP" altLang="en-US" sz="800"/>
-            </a:p>
-          </p:txBody>
-        </p:sp>
-      </p:grpSp>
-      <p:sp>
-        <p:nvSpPr>
-          <p:cNvPr id="275" name="スマイル 274">
-            <a:extLst>
-              <a:ext uri="{FF2B5EF4-FFF2-40B4-BE49-F238E27FC236}">
-                <a16:creationId xmlns:a16="http://schemas.microsoft.com/office/drawing/2014/main" id="{884B53C5-2B71-27FA-BBBC-CD465B99ABD0}"/>
-              </a:ext>
-            </a:extLst>
-          </p:cNvPr>
-          <p:cNvSpPr/>
-          <p:nvPr/>
-        </p:nvSpPr>
-        <p:spPr>
-          <a:xfrm>
-            <a:off x="9564512" y="1625463"/>
-            <a:ext cx="338700" cy="338700"/>
-          </a:xfrm>
-          <a:prstGeom prst="smileyFace">
-            <a:avLst/>
-          </a:prstGeom>
-          <a:solidFill>
-            <a:schemeClr val="tx1"/>
-          </a:solidFill>
-          <a:ln w="12700">
-            <a:solidFill>
-              <a:schemeClr val="bg1"/>
-            </a:solidFill>
-          </a:ln>
-          <a:effectLst>
-            <a:outerShdw blurRad="50800" dist="38100" dir="2700000" algn="tl" rotWithShape="0">
-              <a:prstClr val="black">
-                <a:alpha val="40000"/>
-              </a:prstClr>
-            </a:outerShdw>
-          </a:effectLst>
-        </p:spPr>
-        <p:style>
-          <a:lnRef idx="2">
-            <a:schemeClr val="accent1">
-              <a:shade val="15000"/>
-            </a:schemeClr>
-          </a:lnRef>
-          <a:fillRef idx="1">
-            <a:schemeClr val="accent1"/>
-          </a:fillRef>
-          <a:effectRef idx="0">
-            <a:schemeClr val="accent1"/>
-          </a:effectRef>
-          <a:fontRef idx="minor">
-            <a:schemeClr val="lt1"/>
-          </a:fontRef>
-        </p:style>
-        <p:txBody>
-          <a:bodyPr rtlCol="0" anchor="ctr"/>
-          <a:lstStyle/>
-          <a:p>
-            <a:pPr algn="ctr"/>
-            <a:endParaRPr kumimoji="1" lang="ja-JP" altLang="en-US" sz="800"/>
-          </a:p>
-        </p:txBody>
-      </p:sp>
-      <p:cxnSp>
-        <p:nvCxnSpPr>
-          <p:cNvPr id="277" name="コネクタ: カギ線 276">
-            <a:extLst>
-              <a:ext uri="{FF2B5EF4-FFF2-40B4-BE49-F238E27FC236}">
-                <a16:creationId xmlns:a16="http://schemas.microsoft.com/office/drawing/2014/main" id="{2286960B-FC29-8485-D6A4-323AF35FF251}"/>
-              </a:ext>
-            </a:extLst>
-          </p:cNvPr>
-          <p:cNvCxnSpPr>
-            <a:cxnSpLocks/>
-            <a:stCxn id="275" idx="4"/>
-            <a:endCxn id="274" idx="1"/>
-          </p:cNvCxnSpPr>
-          <p:nvPr/>
-        </p:nvCxnSpPr>
-        <p:spPr>
-          <a:xfrm rot="16200000" flipH="1">
-            <a:off x="8891558" y="2806466"/>
-            <a:ext cx="2147397" cy="462789"/>
-          </a:xfrm>
-          <a:prstGeom prst="bentConnector2">
-            <a:avLst/>
-          </a:prstGeom>
-          <a:ln w="12700">
-            <a:solidFill>
-              <a:schemeClr val="tx1"/>
-            </a:solidFill>
-            <a:tailEnd type="triangle"/>
-          </a:ln>
-          <a:effectLst>
-            <a:outerShdw blurRad="50800" dist="38100" dir="2700000" algn="tl" rotWithShape="0">
-              <a:prstClr val="black">
-                <a:alpha val="40000"/>
-              </a:prstClr>
-            </a:outerShdw>
-          </a:effectLst>
-        </p:spPr>
-        <p:style>
-          <a:lnRef idx="1">
-            <a:schemeClr val="accent1"/>
-          </a:lnRef>
-          <a:fillRef idx="0">
-            <a:schemeClr val="accent1"/>
-          </a:fillRef>
-          <a:effectRef idx="0">
-            <a:schemeClr val="accent1"/>
-          </a:effectRef>
-          <a:fontRef idx="minor">
-            <a:schemeClr val="tx1"/>
-          </a:fontRef>
-        </p:style>
-      </p:cxnSp>
-      <p:cxnSp>
-        <p:nvCxnSpPr>
-          <p:cNvPr id="279" name="直線矢印コネクタ 278">
-            <a:extLst>
-              <a:ext uri="{FF2B5EF4-FFF2-40B4-BE49-F238E27FC236}">
-                <a16:creationId xmlns:a16="http://schemas.microsoft.com/office/drawing/2014/main" id="{27EC4180-7CD9-C000-C035-19B14F70EBF5}"/>
-              </a:ext>
-            </a:extLst>
-          </p:cNvPr>
-          <p:cNvCxnSpPr>
-            <a:cxnSpLocks/>
-            <a:endCxn id="273" idx="1"/>
-          </p:cNvCxnSpPr>
-          <p:nvPr/>
-        </p:nvCxnSpPr>
-        <p:spPr>
-          <a:xfrm>
-            <a:off x="9733861" y="3437758"/>
-            <a:ext cx="462790" cy="0"/>
-          </a:xfrm>
-          <a:prstGeom prst="straightConnector1">
-            <a:avLst/>
-          </a:prstGeom>
-          <a:ln w="12700">
-            <a:solidFill>
-              <a:schemeClr val="tx1"/>
-            </a:solidFill>
-            <a:tailEnd type="triangle"/>
-          </a:ln>
-          <a:effectLst>
-            <a:outerShdw blurRad="50800" dist="38100" dir="2700000" algn="tl" rotWithShape="0">
-              <a:prstClr val="black">
-                <a:alpha val="40000"/>
-              </a:prstClr>
-            </a:outerShdw>
-          </a:effectLst>
-        </p:spPr>
-        <p:style>
-          <a:lnRef idx="1">
-            <a:schemeClr val="accent1"/>
-          </a:lnRef>
-          <a:fillRef idx="0">
-            <a:schemeClr val="accent1"/>
-          </a:fillRef>
-          <a:effectRef idx="0">
-            <a:schemeClr val="accent1"/>
-          </a:effectRef>
-          <a:fontRef idx="minor">
-            <a:schemeClr val="tx1"/>
-          </a:fontRef>
-        </p:style>
-      </p:cxnSp>
-      <p:cxnSp>
-        <p:nvCxnSpPr>
-          <p:cNvPr id="280" name="直線矢印コネクタ 279">
-            <a:extLst>
-              <a:ext uri="{FF2B5EF4-FFF2-40B4-BE49-F238E27FC236}">
-                <a16:creationId xmlns:a16="http://schemas.microsoft.com/office/drawing/2014/main" id="{02F983A5-57CE-7076-D70A-73BA92A953D2}"/>
-              </a:ext>
-            </a:extLst>
-          </p:cNvPr>
-          <p:cNvCxnSpPr>
-            <a:cxnSpLocks/>
-            <a:endCxn id="272" idx="1"/>
-          </p:cNvCxnSpPr>
-          <p:nvPr/>
-        </p:nvCxnSpPr>
-        <p:spPr>
-          <a:xfrm>
-            <a:off x="9733861" y="2763956"/>
             <a:ext cx="462790" cy="0"/>
           </a:xfrm>
           <a:prstGeom prst="straightConnector1">
@@ -16330,19 +15466,19 @@
           <p:cNvCxnSpPr>
             <a:cxnSpLocks/>
             <a:stCxn id="284" idx="1"/>
-            <a:endCxn id="275" idx="0"/>
+            <a:endCxn id="263" idx="0"/>
           </p:cNvCxnSpPr>
           <p:nvPr/>
         </p:nvCxnSpPr>
         <p:spPr>
           <a:xfrm rot="10800000" flipH="1">
-            <a:off x="849114" y="1625464"/>
-            <a:ext cx="8884748" cy="1138493"/>
+            <a:off x="849114" y="1630980"/>
+            <a:ext cx="6760474" cy="1132977"/>
           </a:xfrm>
           <a:prstGeom prst="bentConnector4">
             <a:avLst>
-              <a:gd name="adj1" fmla="val -2573"/>
-              <a:gd name="adj2" fmla="val 209320"/>
+              <a:gd name="adj1" fmla="val -3381"/>
+              <a:gd name="adj2" fmla="val 210570"/>
             </a:avLst>
           </a:prstGeom>
           <a:ln w="12700">
@@ -16446,58 +15582,6 @@
           <a:xfrm>
             <a:off x="5488500" y="381000"/>
             <a:ext cx="0" cy="1244463"/>
-          </a:xfrm>
-          <a:prstGeom prst="straightConnector1">
-            <a:avLst/>
-          </a:prstGeom>
-          <a:ln w="12700">
-            <a:solidFill>
-              <a:schemeClr val="tx1"/>
-            </a:solidFill>
-            <a:tailEnd type="triangle"/>
-          </a:ln>
-          <a:effectLst>
-            <a:outerShdw blurRad="50800" dist="38100" dir="2700000" algn="tl" rotWithShape="0">
-              <a:prstClr val="black">
-                <a:alpha val="40000"/>
-              </a:prstClr>
-            </a:outerShdw>
-          </a:effectLst>
-        </p:spPr>
-        <p:style>
-          <a:lnRef idx="1">
-            <a:schemeClr val="accent1"/>
-          </a:lnRef>
-          <a:fillRef idx="0">
-            <a:schemeClr val="accent1"/>
-          </a:fillRef>
-          <a:effectRef idx="0">
-            <a:schemeClr val="accent1"/>
-          </a:effectRef>
-          <a:fontRef idx="minor">
-            <a:schemeClr val="tx1"/>
-          </a:fontRef>
-        </p:style>
-      </p:cxnSp>
-      <p:cxnSp>
-        <p:nvCxnSpPr>
-          <p:cNvPr id="291" name="直線矢印コネクタ 290">
-            <a:extLst>
-              <a:ext uri="{FF2B5EF4-FFF2-40B4-BE49-F238E27FC236}">
-                <a16:creationId xmlns:a16="http://schemas.microsoft.com/office/drawing/2014/main" id="{5DD4F5BA-C63C-5E99-054A-8B0C6223FD75}"/>
-              </a:ext>
-            </a:extLst>
-          </p:cNvPr>
-          <p:cNvCxnSpPr>
-            <a:cxnSpLocks/>
-            <a:endCxn id="263" idx="0"/>
-          </p:cNvCxnSpPr>
-          <p:nvPr/>
-        </p:nvCxnSpPr>
-        <p:spPr>
-          <a:xfrm>
-            <a:off x="7609588" y="381000"/>
-            <a:ext cx="0" cy="1249979"/>
           </a:xfrm>
           <a:prstGeom prst="straightConnector1">
             <a:avLst/>
@@ -17163,219 +16247,6 @@
             <a:solidFill>
               <a:srgbClr val="0070C0"/>
             </a:solidFill>
-            <a:ln>
-              <a:noFill/>
-            </a:ln>
-          </p:spPr>
-          <p:style>
-            <a:lnRef idx="2">
-              <a:schemeClr val="accent1">
-                <a:shade val="15000"/>
-              </a:schemeClr>
-            </a:lnRef>
-            <a:fillRef idx="1">
-              <a:schemeClr val="accent1"/>
-            </a:fillRef>
-            <a:effectRef idx="0">
-              <a:schemeClr val="accent1"/>
-            </a:effectRef>
-            <a:fontRef idx="minor">
-              <a:schemeClr val="lt1"/>
-            </a:fontRef>
-          </p:style>
-          <p:txBody>
-            <a:bodyPr rtlCol="0" anchor="ctr"/>
-            <a:lstStyle/>
-            <a:p>
-              <a:pPr algn="ctr"/>
-              <a:endParaRPr kumimoji="1" lang="ja-JP" altLang="en-US"/>
-            </a:p>
-          </p:txBody>
-        </p:sp>
-      </p:grpSp>
-      <p:grpSp>
-        <p:nvGrpSpPr>
-          <p:cNvPr id="307" name="グループ化 306">
-            <a:extLst>
-              <a:ext uri="{FF2B5EF4-FFF2-40B4-BE49-F238E27FC236}">
-                <a16:creationId xmlns:a16="http://schemas.microsoft.com/office/drawing/2014/main" id="{013E22FA-938D-7C14-4B1A-4412A38E8640}"/>
-              </a:ext>
-            </a:extLst>
-          </p:cNvPr>
-          <p:cNvGrpSpPr/>
-          <p:nvPr/>
-        </p:nvGrpSpPr>
-        <p:grpSpPr>
-          <a:xfrm>
-            <a:off x="9899879" y="541091"/>
-            <a:ext cx="1429952" cy="491160"/>
-            <a:chOff x="7668586" y="756853"/>
-            <a:chExt cx="1429952" cy="491160"/>
-          </a:xfrm>
-          <a:solidFill>
-            <a:schemeClr val="accent6">
-              <a:lumMod val="75000"/>
-            </a:schemeClr>
-          </a:solidFill>
-        </p:grpSpPr>
-        <p:sp>
-          <p:nvSpPr>
-            <p:cNvPr id="308" name="二等辺三角形 307">
-              <a:extLst>
-                <a:ext uri="{FF2B5EF4-FFF2-40B4-BE49-F238E27FC236}">
-                  <a16:creationId xmlns:a16="http://schemas.microsoft.com/office/drawing/2014/main" id="{F6846623-2C48-1264-B47B-38DB41F053D9}"/>
-                </a:ext>
-              </a:extLst>
-            </p:cNvPr>
-            <p:cNvSpPr/>
-            <p:nvPr/>
-          </p:nvSpPr>
-          <p:spPr>
-            <a:xfrm rot="16200000">
-              <a:off x="7732183" y="898904"/>
-              <a:ext cx="80049" cy="207244"/>
-            </a:xfrm>
-            <a:prstGeom prst="triangle">
-              <a:avLst/>
-            </a:prstGeom>
-            <a:grpFill/>
-            <a:ln w="3175">
-              <a:solidFill>
-                <a:schemeClr val="tx1"/>
-              </a:solidFill>
-            </a:ln>
-            <a:effectLst>
-              <a:outerShdw blurRad="50800" dist="38100" dir="2700000" algn="tl" rotWithShape="0">
-                <a:prstClr val="black">
-                  <a:alpha val="40000"/>
-                </a:prstClr>
-              </a:outerShdw>
-            </a:effectLst>
-          </p:spPr>
-          <p:style>
-            <a:lnRef idx="2">
-              <a:schemeClr val="accent1">
-                <a:shade val="15000"/>
-              </a:schemeClr>
-            </a:lnRef>
-            <a:fillRef idx="1">
-              <a:schemeClr val="accent1"/>
-            </a:fillRef>
-            <a:effectRef idx="0">
-              <a:schemeClr val="accent1"/>
-            </a:effectRef>
-            <a:fontRef idx="minor">
-              <a:schemeClr val="lt1"/>
-            </a:fontRef>
-          </p:style>
-          <p:txBody>
-            <a:bodyPr rtlCol="0" anchor="ctr"/>
-            <a:lstStyle/>
-            <a:p>
-              <a:pPr algn="ctr"/>
-              <a:endParaRPr kumimoji="1" lang="ja-JP" altLang="en-US"/>
-            </a:p>
-          </p:txBody>
-        </p:sp>
-        <p:sp>
-          <p:nvSpPr>
-            <p:cNvPr id="309" name="フローチャート: 書類 308">
-              <a:extLst>
-                <a:ext uri="{FF2B5EF4-FFF2-40B4-BE49-F238E27FC236}">
-                  <a16:creationId xmlns:a16="http://schemas.microsoft.com/office/drawing/2014/main" id="{8C7ED631-089D-F60F-3EDF-54437623B9F6}"/>
-                </a:ext>
-              </a:extLst>
-            </p:cNvPr>
-            <p:cNvSpPr/>
-            <p:nvPr/>
-          </p:nvSpPr>
-          <p:spPr>
-            <a:xfrm>
-              <a:off x="7863914" y="756853"/>
-              <a:ext cx="1234624" cy="491160"/>
-            </a:xfrm>
-            <a:prstGeom prst="flowChartDocument">
-              <a:avLst/>
-            </a:prstGeom>
-            <a:grpFill/>
-            <a:ln w="3175">
-              <a:solidFill>
-                <a:schemeClr val="tx1"/>
-              </a:solidFill>
-            </a:ln>
-            <a:effectLst>
-              <a:outerShdw blurRad="50800" dist="38100" dir="2700000" algn="tl" rotWithShape="0">
-                <a:prstClr val="black">
-                  <a:alpha val="40000"/>
-                </a:prstClr>
-              </a:outerShdw>
-            </a:effectLst>
-          </p:spPr>
-          <p:style>
-            <a:lnRef idx="2">
-              <a:schemeClr val="accent1">
-                <a:shade val="15000"/>
-              </a:schemeClr>
-            </a:lnRef>
-            <a:fillRef idx="1">
-              <a:schemeClr val="accent1"/>
-            </a:fillRef>
-            <a:effectRef idx="0">
-              <a:schemeClr val="accent1"/>
-            </a:effectRef>
-            <a:fontRef idx="minor">
-              <a:schemeClr val="lt1"/>
-            </a:fontRef>
-          </p:style>
-          <p:txBody>
-            <a:bodyPr lIns="36000" tIns="36000" rIns="36000" bIns="36000" rtlCol="0" anchor="ctr"/>
-            <a:lstStyle/>
-            <a:p>
-              <a:pPr algn="ctr"/>
-              <a:r>
-                <a:rPr lang="en-US" altLang="ja-JP" sz="800"/>
-                <a:t>Domain</a:t>
-              </a:r>
-              <a:r>
-                <a:rPr lang="ja-JP" altLang="en-US" sz="800"/>
-                <a:t>＠</a:t>
-              </a:r>
-              <a:r>
-                <a:rPr kumimoji="1" lang="en-US" altLang="ja-JP" sz="800"/>
-                <a:t>Set-Cookie</a:t>
-              </a:r>
-            </a:p>
-            <a:p>
-              <a:pPr algn="ctr"/>
-              <a:r>
-                <a:rPr lang="en-US" altLang="ja-JP" sz="800"/>
-                <a:t>you.example</a:t>
-              </a:r>
-              <a:endParaRPr kumimoji="1" lang="ja-JP" altLang="en-US" sz="800"/>
-            </a:p>
-          </p:txBody>
-        </p:sp>
-        <p:sp>
-          <p:nvSpPr>
-            <p:cNvPr id="310" name="正方形/長方形 309">
-              <a:extLst>
-                <a:ext uri="{FF2B5EF4-FFF2-40B4-BE49-F238E27FC236}">
-                  <a16:creationId xmlns:a16="http://schemas.microsoft.com/office/drawing/2014/main" id="{3BD5197B-4585-5581-43D5-8D57C41E2467}"/>
-                </a:ext>
-              </a:extLst>
-            </p:cNvPr>
-            <p:cNvSpPr/>
-            <p:nvPr/>
-          </p:nvSpPr>
-          <p:spPr>
-            <a:xfrm>
-              <a:off x="7861009" y="967763"/>
-              <a:ext cx="77844" cy="69274"/>
-            </a:xfrm>
-            <a:prstGeom prst="rect">
-              <a:avLst/>
-            </a:prstGeom>
-            <a:grpFill/>
             <a:ln>
               <a:noFill/>
             </a:ln>
@@ -17535,112 +16406,6 @@
           </a:effectLst>
         </p:spPr>
       </p:pic>
-      <p:pic>
-        <p:nvPicPr>
-          <p:cNvPr id="330" name="図 329" descr="屋内, 写真, 座る, 手 が含まれている画像&#10;&#10;自動的に生成された説明">
-            <a:extLst>
-              <a:ext uri="{FF2B5EF4-FFF2-40B4-BE49-F238E27FC236}">
-                <a16:creationId xmlns:a16="http://schemas.microsoft.com/office/drawing/2014/main" id="{E551189F-AB23-D571-3D5A-2FF1A8B28529}"/>
-              </a:ext>
-            </a:extLst>
-          </p:cNvPr>
-          <p:cNvPicPr>
-            <a:picLocks noChangeAspect="1"/>
-          </p:cNvPicPr>
-          <p:nvPr/>
-        </p:nvPicPr>
-        <p:blipFill>
-          <a:blip r:embed="rId2" cstate="print">
-            <a:extLst>
-              <a:ext uri="{28A0092B-C50C-407E-A947-70E740481C1C}">
-                <a14:useLocalDpi xmlns:a14="http://schemas.microsoft.com/office/drawing/2010/main" val="0"/>
-              </a:ext>
-            </a:extLst>
-          </a:blip>
-          <a:stretch>
-            <a:fillRect/>
-          </a:stretch>
-        </p:blipFill>
-        <p:spPr>
-          <a:xfrm>
-            <a:off x="9592943" y="648195"/>
-            <a:ext cx="275466" cy="275466"/>
-          </a:xfrm>
-          <a:prstGeom prst="rect">
-            <a:avLst/>
-          </a:prstGeom>
-          <a:effectLst>
-            <a:outerShdw blurRad="50800" dist="38100" dir="2700000" algn="tl" rotWithShape="0">
-              <a:prstClr val="black">
-                <a:alpha val="40000"/>
-              </a:prstClr>
-            </a:outerShdw>
-          </a:effectLst>
-        </p:spPr>
-      </p:pic>
-      <p:sp>
-        <p:nvSpPr>
-          <p:cNvPr id="336" name="乗算記号 335">
-            <a:extLst>
-              <a:ext uri="{FF2B5EF4-FFF2-40B4-BE49-F238E27FC236}">
-                <a16:creationId xmlns:a16="http://schemas.microsoft.com/office/drawing/2014/main" id="{3086BC77-1BC2-5C0D-E780-0F9574EC54D3}"/>
-              </a:ext>
-            </a:extLst>
-          </p:cNvPr>
-          <p:cNvSpPr/>
-          <p:nvPr/>
-        </p:nvSpPr>
-        <p:spPr>
-          <a:xfrm>
-            <a:off x="9537922" y="1127826"/>
-            <a:ext cx="399156" cy="399156"/>
-          </a:xfrm>
-          <a:prstGeom prst="mathMultiply">
-            <a:avLst>
-              <a:gd name="adj1" fmla="val 12829"/>
-            </a:avLst>
-          </a:prstGeom>
-          <a:solidFill>
-            <a:srgbClr val="FF0000"/>
-          </a:solidFill>
-          <a:ln>
-            <a:solidFill>
-              <a:srgbClr val="FF0000"/>
-            </a:solidFill>
-          </a:ln>
-          <a:effectLst>
-            <a:outerShdw blurRad="50800" dist="38100" dir="2700000" algn="tl" rotWithShape="0">
-              <a:prstClr val="black">
-                <a:alpha val="40000"/>
-              </a:prstClr>
-            </a:outerShdw>
-          </a:effectLst>
-        </p:spPr>
-        <p:style>
-          <a:lnRef idx="2">
-            <a:schemeClr val="accent1">
-              <a:shade val="15000"/>
-            </a:schemeClr>
-          </a:lnRef>
-          <a:fillRef idx="1">
-            <a:schemeClr val="accent1"/>
-          </a:fillRef>
-          <a:effectRef idx="0">
-            <a:schemeClr val="accent1"/>
-          </a:effectRef>
-          <a:fontRef idx="minor">
-            <a:schemeClr val="lt1"/>
-          </a:fontRef>
-        </p:style>
-        <p:txBody>
-          <a:bodyPr rtlCol="0" anchor="ctr"/>
-          <a:lstStyle/>
-          <a:p>
-            <a:pPr algn="ctr"/>
-            <a:endParaRPr kumimoji="1" lang="ja-JP" altLang="en-US"/>
-          </a:p>
-        </p:txBody>
-      </p:sp>
       <p:sp>
         <p:nvSpPr>
           <p:cNvPr id="337" name="乗算記号 336">
@@ -18106,43 +16871,6 @@
             <a:r>
               <a:rPr kumimoji="1" lang="en-US" altLang="ja-JP" sz="1200"/>
               <a:t>1-3</a:t>
-            </a:r>
-            <a:endParaRPr kumimoji="1" lang="ja-JP" altLang="en-US" sz="1200"/>
-          </a:p>
-        </p:txBody>
-      </p:sp>
-      <p:sp>
-        <p:nvSpPr>
-          <p:cNvPr id="19" name="テキスト ボックス 18">
-            <a:extLst>
-              <a:ext uri="{FF2B5EF4-FFF2-40B4-BE49-F238E27FC236}">
-                <a16:creationId xmlns:a16="http://schemas.microsoft.com/office/drawing/2014/main" id="{14962044-AE76-F6E2-5470-34167E27841F}"/>
-              </a:ext>
-            </a:extLst>
-          </p:cNvPr>
-          <p:cNvSpPr txBox="1"/>
-          <p:nvPr/>
-        </p:nvSpPr>
-        <p:spPr>
-          <a:xfrm>
-            <a:off x="10487553" y="1182128"/>
-            <a:ext cx="444352" cy="276999"/>
-          </a:xfrm>
-          <a:prstGeom prst="rect">
-            <a:avLst/>
-          </a:prstGeom>
-          <a:noFill/>
-        </p:spPr>
-        <p:txBody>
-          <a:bodyPr wrap="none" rtlCol="0" anchor="ctr">
-            <a:spAutoFit/>
-          </a:bodyPr>
-          <a:lstStyle/>
-          <a:p>
-            <a:pPr algn="ctr"/>
-            <a:r>
-              <a:rPr kumimoji="1" lang="en-US" altLang="ja-JP" sz="1200"/>
-              <a:t>1-4</a:t>
             </a:r>
             <a:endParaRPr kumimoji="1" lang="ja-JP" altLang="en-US" sz="1200"/>
           </a:p>
@@ -24761,232 +23489,144 @@
           </a:p>
         </p:txBody>
       </p:sp>
-      <p:grpSp>
-        <p:nvGrpSpPr>
-          <p:cNvPr id="137" name="グループ化 136">
+      <p:sp>
+        <p:nvSpPr>
+          <p:cNvPr id="138" name="正方形/長方形 137">
             <a:extLst>
               <a:ext uri="{FF2B5EF4-FFF2-40B4-BE49-F238E27FC236}">
-                <a16:creationId xmlns:a16="http://schemas.microsoft.com/office/drawing/2014/main" id="{39EBC26E-3F27-0A79-5AF5-934914D73559}"/>
+                <a16:creationId xmlns:a16="http://schemas.microsoft.com/office/drawing/2014/main" id="{4C1BB788-9357-60C7-558C-355EEEFC25B1}"/>
               </a:ext>
             </a:extLst>
           </p:cNvPr>
-          <p:cNvGrpSpPr/>
+          <p:cNvSpPr/>
           <p:nvPr/>
-        </p:nvGrpSpPr>
-        <p:grpSpPr>
+        </p:nvSpPr>
+        <p:spPr>
           <a:xfrm>
             <a:off x="3830201" y="2519133"/>
-            <a:ext cx="1026161" cy="1837250"/>
-            <a:chOff x="2762660" y="2311020"/>
-            <a:chExt cx="1150114" cy="1837250"/>
+            <a:ext cx="1026161" cy="489646"/>
           </a:xfrm>
-        </p:grpSpPr>
-        <p:sp>
-          <p:nvSpPr>
-            <p:cNvPr id="138" name="正方形/長方形 137">
-              <a:extLst>
-                <a:ext uri="{FF2B5EF4-FFF2-40B4-BE49-F238E27FC236}">
-                  <a16:creationId xmlns:a16="http://schemas.microsoft.com/office/drawing/2014/main" id="{4C1BB788-9357-60C7-558C-355EEEFC25B1}"/>
-                </a:ext>
-              </a:extLst>
-            </p:cNvPr>
-            <p:cNvSpPr/>
-            <p:nvPr/>
-          </p:nvSpPr>
-          <p:spPr>
-            <a:xfrm>
-              <a:off x="2762660" y="2311020"/>
-              <a:ext cx="1150114" cy="489646"/>
-            </a:xfrm>
-            <a:prstGeom prst="rect">
-              <a:avLst/>
-            </a:prstGeom>
-            <a:solidFill>
-              <a:srgbClr val="0070C0"/>
-            </a:solidFill>
-            <a:ln w="3175">
-              <a:solidFill>
-                <a:schemeClr val="tx1"/>
-              </a:solidFill>
-            </a:ln>
-            <a:effectLst>
-              <a:outerShdw blurRad="50800" dist="38100" dir="2700000" algn="tl" rotWithShape="0">
-                <a:prstClr val="black">
-                  <a:alpha val="40000"/>
-                </a:prstClr>
-              </a:outerShdw>
-            </a:effectLst>
-          </p:spPr>
-          <p:style>
-            <a:lnRef idx="2">
-              <a:schemeClr val="accent1">
-                <a:shade val="15000"/>
-              </a:schemeClr>
-            </a:lnRef>
-            <a:fillRef idx="1">
-              <a:schemeClr val="accent1"/>
-            </a:fillRef>
-            <a:effectRef idx="0">
-              <a:schemeClr val="accent1"/>
-            </a:effectRef>
-            <a:fontRef idx="minor">
-              <a:schemeClr val="lt1"/>
-            </a:fontRef>
-          </p:style>
-          <p:txBody>
-            <a:bodyPr rtlCol="0" anchor="ctr"/>
-            <a:lstStyle/>
-            <a:p>
-              <a:pPr algn="ctr"/>
-              <a:r>
-                <a:rPr lang="en-US" altLang="ja-JP" sz="800">
-                  <a:solidFill>
-                    <a:srgbClr val="0070C0"/>
-                  </a:solidFill>
-                </a:rPr>
-                <a:t>sub.</a:t>
-              </a:r>
-              <a:r>
-                <a:rPr lang="en-US" altLang="ja-JP" sz="800"/>
-                <a:t>me.example</a:t>
-              </a:r>
-              <a:endParaRPr kumimoji="1" lang="ja-JP" altLang="en-US" sz="800"/>
-            </a:p>
-          </p:txBody>
-        </p:sp>
-        <p:sp>
-          <p:nvSpPr>
-            <p:cNvPr id="139" name="正方形/長方形 138">
-              <a:extLst>
-                <a:ext uri="{FF2B5EF4-FFF2-40B4-BE49-F238E27FC236}">
-                  <a16:creationId xmlns:a16="http://schemas.microsoft.com/office/drawing/2014/main" id="{2D44EFF0-F104-19DF-F4B0-B7F61F1B3695}"/>
-                </a:ext>
-              </a:extLst>
-            </p:cNvPr>
-            <p:cNvSpPr/>
-            <p:nvPr/>
-          </p:nvSpPr>
-          <p:spPr>
-            <a:xfrm>
-              <a:off x="2762660" y="2984822"/>
-              <a:ext cx="1150114" cy="489646"/>
-            </a:xfrm>
-            <a:prstGeom prst="rect">
-              <a:avLst/>
-            </a:prstGeom>
-            <a:solidFill>
-              <a:srgbClr val="0070C0"/>
-            </a:solidFill>
-            <a:ln w="3175">
-              <a:solidFill>
-                <a:schemeClr val="tx1"/>
-              </a:solidFill>
-            </a:ln>
-            <a:effectLst>
-              <a:outerShdw blurRad="50800" dist="38100" dir="2700000" algn="tl" rotWithShape="0">
-                <a:prstClr val="black">
-                  <a:alpha val="40000"/>
-                </a:prstClr>
-              </a:outerShdw>
-            </a:effectLst>
-          </p:spPr>
-          <p:style>
-            <a:lnRef idx="2">
-              <a:schemeClr val="accent1">
-                <a:shade val="15000"/>
-              </a:schemeClr>
-            </a:lnRef>
-            <a:fillRef idx="1">
-              <a:schemeClr val="accent1"/>
-            </a:fillRef>
-            <a:effectRef idx="0">
-              <a:schemeClr val="accent1"/>
-            </a:effectRef>
-            <a:fontRef idx="minor">
-              <a:schemeClr val="lt1"/>
-            </a:fontRef>
-          </p:style>
-          <p:txBody>
-            <a:bodyPr rtlCol="0" anchor="ctr"/>
-            <a:lstStyle/>
-            <a:p>
-              <a:pPr algn="ctr"/>
-              <a:r>
-                <a:rPr lang="en-US" altLang="ja-JP" sz="800"/>
-                <a:t>sub.me.example</a:t>
-              </a:r>
-              <a:endParaRPr kumimoji="1" lang="ja-JP" altLang="en-US" sz="800"/>
-            </a:p>
-          </p:txBody>
-        </p:sp>
-        <p:sp>
-          <p:nvSpPr>
-            <p:cNvPr id="140" name="正方形/長方形 139">
-              <a:extLst>
-                <a:ext uri="{FF2B5EF4-FFF2-40B4-BE49-F238E27FC236}">
-                  <a16:creationId xmlns:a16="http://schemas.microsoft.com/office/drawing/2014/main" id="{D308F489-FF36-1128-8238-D68DD1ABB2D8}"/>
-                </a:ext>
-              </a:extLst>
-            </p:cNvPr>
-            <p:cNvSpPr/>
-            <p:nvPr/>
-          </p:nvSpPr>
-          <p:spPr>
-            <a:xfrm>
-              <a:off x="2762660" y="3658624"/>
-              <a:ext cx="1150114" cy="489646"/>
-            </a:xfrm>
-            <a:prstGeom prst="rect">
-              <a:avLst/>
-            </a:prstGeom>
-            <a:solidFill>
-              <a:schemeClr val="accent6">
-                <a:lumMod val="75000"/>
-              </a:schemeClr>
-            </a:solidFill>
-            <a:ln w="3175">
-              <a:solidFill>
-                <a:schemeClr val="tx1"/>
-              </a:solidFill>
-            </a:ln>
-            <a:effectLst>
-              <a:outerShdw blurRad="50800" dist="38100" dir="2700000" algn="tl" rotWithShape="0">
-                <a:prstClr val="black">
-                  <a:alpha val="40000"/>
-                </a:prstClr>
-              </a:outerShdw>
-            </a:effectLst>
-          </p:spPr>
-          <p:style>
-            <a:lnRef idx="2">
-              <a:schemeClr val="accent1">
-                <a:shade val="15000"/>
-              </a:schemeClr>
-            </a:lnRef>
-            <a:fillRef idx="1">
-              <a:schemeClr val="accent1"/>
-            </a:fillRef>
-            <a:effectRef idx="0">
-              <a:schemeClr val="accent1"/>
-            </a:effectRef>
-            <a:fontRef idx="minor">
-              <a:schemeClr val="lt1"/>
-            </a:fontRef>
-          </p:style>
-          <p:txBody>
-            <a:bodyPr rtlCol="0" anchor="ctr"/>
-            <a:lstStyle/>
-            <a:p>
-              <a:pPr algn="ctr"/>
-              <a:r>
-                <a:rPr lang="en-US" altLang="ja-JP" sz="800"/>
-                <a:t>you.example</a:t>
-              </a:r>
-              <a:endParaRPr kumimoji="1" lang="ja-JP" altLang="en-US" sz="800"/>
-            </a:p>
-          </p:txBody>
-        </p:sp>
-      </p:grpSp>
+          <a:prstGeom prst="rect">
+            <a:avLst/>
+          </a:prstGeom>
+          <a:solidFill>
+            <a:srgbClr val="0070C0"/>
+          </a:solidFill>
+          <a:ln w="3175">
+            <a:solidFill>
+              <a:schemeClr val="tx1"/>
+            </a:solidFill>
+          </a:ln>
+          <a:effectLst>
+            <a:outerShdw blurRad="50800" dist="38100" dir="2700000" algn="tl" rotWithShape="0">
+              <a:prstClr val="black">
+                <a:alpha val="40000"/>
+              </a:prstClr>
+            </a:outerShdw>
+          </a:effectLst>
+        </p:spPr>
+        <p:style>
+          <a:lnRef idx="2">
+            <a:schemeClr val="accent1">
+              <a:shade val="15000"/>
+            </a:schemeClr>
+          </a:lnRef>
+          <a:fillRef idx="1">
+            <a:schemeClr val="accent1"/>
+          </a:fillRef>
+          <a:effectRef idx="0">
+            <a:schemeClr val="accent1"/>
+          </a:effectRef>
+          <a:fontRef idx="minor">
+            <a:schemeClr val="lt1"/>
+          </a:fontRef>
+        </p:style>
+        <p:txBody>
+          <a:bodyPr rtlCol="0" anchor="ctr"/>
+          <a:lstStyle/>
+          <a:p>
+            <a:pPr algn="ctr"/>
+            <a:r>
+              <a:rPr lang="en-US" altLang="ja-JP" sz="800">
+                <a:solidFill>
+                  <a:srgbClr val="0070C0"/>
+                </a:solidFill>
+              </a:rPr>
+              <a:t>sub.</a:t>
+            </a:r>
+            <a:r>
+              <a:rPr lang="en-US" altLang="ja-JP" sz="800"/>
+              <a:t>me.example</a:t>
+            </a:r>
+            <a:endParaRPr kumimoji="1" lang="ja-JP" altLang="en-US" sz="800"/>
+          </a:p>
+        </p:txBody>
+      </p:sp>
+      <p:sp>
+        <p:nvSpPr>
+          <p:cNvPr id="139" name="正方形/長方形 138">
+            <a:extLst>
+              <a:ext uri="{FF2B5EF4-FFF2-40B4-BE49-F238E27FC236}">
+                <a16:creationId xmlns:a16="http://schemas.microsoft.com/office/drawing/2014/main" id="{2D44EFF0-F104-19DF-F4B0-B7F61F1B3695}"/>
+              </a:ext>
+            </a:extLst>
+          </p:cNvPr>
+          <p:cNvSpPr/>
+          <p:nvPr/>
+        </p:nvSpPr>
+        <p:spPr>
+          <a:xfrm>
+            <a:off x="3830201" y="3192935"/>
+            <a:ext cx="1026161" cy="489646"/>
+          </a:xfrm>
+          <a:prstGeom prst="rect">
+            <a:avLst/>
+          </a:prstGeom>
+          <a:solidFill>
+            <a:srgbClr val="0070C0"/>
+          </a:solidFill>
+          <a:ln w="3175">
+            <a:solidFill>
+              <a:schemeClr val="tx1"/>
+            </a:solidFill>
+          </a:ln>
+          <a:effectLst>
+            <a:outerShdw blurRad="50800" dist="38100" dir="2700000" algn="tl" rotWithShape="0">
+              <a:prstClr val="black">
+                <a:alpha val="40000"/>
+              </a:prstClr>
+            </a:outerShdw>
+          </a:effectLst>
+        </p:spPr>
+        <p:style>
+          <a:lnRef idx="2">
+            <a:schemeClr val="accent1">
+              <a:shade val="15000"/>
+            </a:schemeClr>
+          </a:lnRef>
+          <a:fillRef idx="1">
+            <a:schemeClr val="accent1"/>
+          </a:fillRef>
+          <a:effectRef idx="0">
+            <a:schemeClr val="accent1"/>
+          </a:effectRef>
+          <a:fontRef idx="minor">
+            <a:schemeClr val="lt1"/>
+          </a:fontRef>
+        </p:style>
+        <p:txBody>
+          <a:bodyPr rtlCol="0" anchor="ctr"/>
+          <a:lstStyle/>
+          <a:p>
+            <a:pPr algn="ctr"/>
+            <a:r>
+              <a:rPr lang="en-US" altLang="ja-JP" sz="800"/>
+              <a:t>sub.me.example</a:t>
+            </a:r>
+            <a:endParaRPr kumimoji="1" lang="ja-JP" altLang="en-US" sz="800"/>
+          </a:p>
+        </p:txBody>
+      </p:sp>
       <p:sp>
         <p:nvSpPr>
           <p:cNvPr id="141" name="スマイル 140">
@@ -25103,22 +23743,22 @@
       </p:cxnSp>
       <p:cxnSp>
         <p:nvCxnSpPr>
-          <p:cNvPr id="143" name="直線矢印コネクタ 142">
+          <p:cNvPr id="145" name="直線矢印コネクタ 144">
             <a:extLst>
               <a:ext uri="{FF2B5EF4-FFF2-40B4-BE49-F238E27FC236}">
-                <a16:creationId xmlns:a16="http://schemas.microsoft.com/office/drawing/2014/main" id="{3E6928C7-F637-719A-8B2B-A6AB5DB2D3D0}"/>
+                <a16:creationId xmlns:a16="http://schemas.microsoft.com/office/drawing/2014/main" id="{92E1BD8E-5714-8296-BB40-37AE69F1E81E}"/>
               </a:ext>
             </a:extLst>
           </p:cNvPr>
           <p:cNvCxnSpPr>
             <a:cxnSpLocks/>
-            <a:endCxn id="140" idx="3"/>
+            <a:endCxn id="139" idx="3"/>
           </p:cNvCxnSpPr>
           <p:nvPr/>
         </p:nvCxnSpPr>
         <p:spPr>
           <a:xfrm flipH="1">
-            <a:off x="4856362" y="4111560"/>
+            <a:off x="4856362" y="3437758"/>
             <a:ext cx="462788" cy="0"/>
           </a:xfrm>
           <a:prstGeom prst="straightConnector1">
@@ -25153,34 +23793,33 @@
           </a:fontRef>
         </p:style>
       </p:cxnSp>
-      <p:cxnSp>
-        <p:nvCxnSpPr>
-          <p:cNvPr id="145" name="直線矢印コネクタ 144">
+      <p:sp>
+        <p:nvSpPr>
+          <p:cNvPr id="148" name="正方形/長方形 147">
             <a:extLst>
               <a:ext uri="{FF2B5EF4-FFF2-40B4-BE49-F238E27FC236}">
-                <a16:creationId xmlns:a16="http://schemas.microsoft.com/office/drawing/2014/main" id="{92E1BD8E-5714-8296-BB40-37AE69F1E81E}"/>
+                <a16:creationId xmlns:a16="http://schemas.microsoft.com/office/drawing/2014/main" id="{CF596EC6-3E11-430F-96C0-BC14365CD888}"/>
               </a:ext>
             </a:extLst>
           </p:cNvPr>
-          <p:cNvCxnSpPr>
-            <a:cxnSpLocks/>
-            <a:endCxn id="139" idx="3"/>
-          </p:cNvCxnSpPr>
+          <p:cNvSpPr/>
           <p:nvPr/>
-        </p:nvCxnSpPr>
+        </p:nvSpPr>
         <p:spPr>
-          <a:xfrm flipH="1">
-            <a:off x="4856362" y="3437758"/>
-            <a:ext cx="462788" cy="0"/>
+          <a:xfrm>
+            <a:off x="5951289" y="2519133"/>
+            <a:ext cx="1026161" cy="489646"/>
           </a:xfrm>
-          <a:prstGeom prst="straightConnector1">
+          <a:prstGeom prst="rect">
             <a:avLst/>
           </a:prstGeom>
-          <a:ln w="12700">
+          <a:solidFill>
+            <a:srgbClr val="0070C0"/>
+          </a:solidFill>
+          <a:ln w="3175">
             <a:solidFill>
               <a:schemeClr val="tx1"/>
             </a:solidFill>
-            <a:tailEnd type="triangle"/>
           </a:ln>
           <a:effectLst>
             <a:outerShdw blurRad="50800" dist="38100" dir="2700000" algn="tl" rotWithShape="0">
@@ -25191,246 +23830,107 @@
           </a:effectLst>
         </p:spPr>
         <p:style>
-          <a:lnRef idx="1">
-            <a:schemeClr val="accent1"/>
+          <a:lnRef idx="2">
+            <a:schemeClr val="accent1">
+              <a:shade val="15000"/>
+            </a:schemeClr>
           </a:lnRef>
-          <a:fillRef idx="0">
+          <a:fillRef idx="1">
             <a:schemeClr val="accent1"/>
           </a:fillRef>
           <a:effectRef idx="0">
             <a:schemeClr val="accent1"/>
           </a:effectRef>
           <a:fontRef idx="minor">
-            <a:schemeClr val="tx1"/>
+            <a:schemeClr val="lt1"/>
           </a:fontRef>
         </p:style>
-      </p:cxnSp>
-      <p:grpSp>
-        <p:nvGrpSpPr>
-          <p:cNvPr id="146" name="グループ化 145">
+        <p:txBody>
+          <a:bodyPr rtlCol="0" anchor="ctr"/>
+          <a:lstStyle/>
+          <a:p>
+            <a:pPr algn="ctr"/>
+            <a:r>
+              <a:rPr lang="en-US" altLang="ja-JP" sz="800">
+                <a:solidFill>
+                  <a:srgbClr val="0070C0"/>
+                </a:solidFill>
+              </a:rPr>
+              <a:t>sub.</a:t>
+            </a:r>
+            <a:r>
+              <a:rPr lang="en-US" altLang="ja-JP" sz="800"/>
+              <a:t>me.example</a:t>
+            </a:r>
+            <a:endParaRPr kumimoji="1" lang="ja-JP" altLang="en-US" sz="800"/>
+          </a:p>
+        </p:txBody>
+      </p:sp>
+      <p:sp>
+        <p:nvSpPr>
+          <p:cNvPr id="149" name="正方形/長方形 148">
             <a:extLst>
               <a:ext uri="{FF2B5EF4-FFF2-40B4-BE49-F238E27FC236}">
-                <a16:creationId xmlns:a16="http://schemas.microsoft.com/office/drawing/2014/main" id="{6334EB3D-F34C-360C-E05C-ADE6EEC64308}"/>
+                <a16:creationId xmlns:a16="http://schemas.microsoft.com/office/drawing/2014/main" id="{2C79EF11-3B0E-0CC1-2698-3A69CBF35171}"/>
               </a:ext>
             </a:extLst>
           </p:cNvPr>
-          <p:cNvGrpSpPr/>
+          <p:cNvSpPr/>
           <p:nvPr/>
-        </p:nvGrpSpPr>
-        <p:grpSpPr>
+        </p:nvSpPr>
+        <p:spPr>
           <a:xfrm>
-            <a:off x="5951289" y="2519133"/>
-            <a:ext cx="1026161" cy="1837250"/>
-            <a:chOff x="2762660" y="2311020"/>
-            <a:chExt cx="1150114" cy="1837250"/>
+            <a:off x="5951289" y="3192935"/>
+            <a:ext cx="1026161" cy="489646"/>
           </a:xfrm>
-        </p:grpSpPr>
-        <p:sp>
-          <p:nvSpPr>
-            <p:cNvPr id="148" name="正方形/長方形 147">
-              <a:extLst>
-                <a:ext uri="{FF2B5EF4-FFF2-40B4-BE49-F238E27FC236}">
-                  <a16:creationId xmlns:a16="http://schemas.microsoft.com/office/drawing/2014/main" id="{CF596EC6-3E11-430F-96C0-BC14365CD888}"/>
-                </a:ext>
-              </a:extLst>
-            </p:cNvPr>
-            <p:cNvSpPr/>
-            <p:nvPr/>
-          </p:nvSpPr>
-          <p:spPr>
-            <a:xfrm>
-              <a:off x="2762660" y="2311020"/>
-              <a:ext cx="1150114" cy="489646"/>
-            </a:xfrm>
-            <a:prstGeom prst="rect">
-              <a:avLst/>
-            </a:prstGeom>
-            <a:solidFill>
-              <a:srgbClr val="0070C0"/>
-            </a:solidFill>
-            <a:ln w="3175">
-              <a:solidFill>
-                <a:schemeClr val="tx1"/>
-              </a:solidFill>
-            </a:ln>
-            <a:effectLst>
-              <a:outerShdw blurRad="50800" dist="38100" dir="2700000" algn="tl" rotWithShape="0">
-                <a:prstClr val="black">
-                  <a:alpha val="40000"/>
-                </a:prstClr>
-              </a:outerShdw>
-            </a:effectLst>
-          </p:spPr>
-          <p:style>
-            <a:lnRef idx="2">
-              <a:schemeClr val="accent1">
-                <a:shade val="15000"/>
-              </a:schemeClr>
-            </a:lnRef>
-            <a:fillRef idx="1">
-              <a:schemeClr val="accent1"/>
-            </a:fillRef>
-            <a:effectRef idx="0">
-              <a:schemeClr val="accent1"/>
-            </a:effectRef>
-            <a:fontRef idx="minor">
-              <a:schemeClr val="lt1"/>
-            </a:fontRef>
-          </p:style>
-          <p:txBody>
-            <a:bodyPr rtlCol="0" anchor="ctr"/>
-            <a:lstStyle/>
-            <a:p>
-              <a:pPr algn="ctr"/>
-              <a:r>
-                <a:rPr lang="en-US" altLang="ja-JP" sz="800">
-                  <a:solidFill>
-                    <a:srgbClr val="0070C0"/>
-                  </a:solidFill>
-                </a:rPr>
-                <a:t>sub.</a:t>
-              </a:r>
-              <a:r>
-                <a:rPr lang="en-US" altLang="ja-JP" sz="800"/>
-                <a:t>me.example</a:t>
-              </a:r>
-              <a:endParaRPr kumimoji="1" lang="ja-JP" altLang="en-US" sz="800"/>
-            </a:p>
-          </p:txBody>
-        </p:sp>
-        <p:sp>
-          <p:nvSpPr>
-            <p:cNvPr id="149" name="正方形/長方形 148">
-              <a:extLst>
-                <a:ext uri="{FF2B5EF4-FFF2-40B4-BE49-F238E27FC236}">
-                  <a16:creationId xmlns:a16="http://schemas.microsoft.com/office/drawing/2014/main" id="{2C79EF11-3B0E-0CC1-2698-3A69CBF35171}"/>
-                </a:ext>
-              </a:extLst>
-            </p:cNvPr>
-            <p:cNvSpPr/>
-            <p:nvPr/>
-          </p:nvSpPr>
-          <p:spPr>
-            <a:xfrm>
-              <a:off x="2762660" y="2984822"/>
-              <a:ext cx="1150114" cy="489646"/>
-            </a:xfrm>
-            <a:prstGeom prst="rect">
-              <a:avLst/>
-            </a:prstGeom>
-            <a:solidFill>
-              <a:srgbClr val="0070C0"/>
-            </a:solidFill>
-            <a:ln w="3175">
-              <a:solidFill>
-                <a:schemeClr val="tx1"/>
-              </a:solidFill>
-            </a:ln>
-            <a:effectLst>
-              <a:outerShdw blurRad="50800" dist="38100" dir="2700000" algn="tl" rotWithShape="0">
-                <a:prstClr val="black">
-                  <a:alpha val="40000"/>
-                </a:prstClr>
-              </a:outerShdw>
-            </a:effectLst>
-          </p:spPr>
-          <p:style>
-            <a:lnRef idx="2">
-              <a:schemeClr val="accent1">
-                <a:shade val="15000"/>
-              </a:schemeClr>
-            </a:lnRef>
-            <a:fillRef idx="1">
-              <a:schemeClr val="accent1"/>
-            </a:fillRef>
-            <a:effectRef idx="0">
-              <a:schemeClr val="accent1"/>
-            </a:effectRef>
-            <a:fontRef idx="minor">
-              <a:schemeClr val="lt1"/>
-            </a:fontRef>
-          </p:style>
-          <p:txBody>
-            <a:bodyPr rtlCol="0" anchor="ctr"/>
-            <a:lstStyle/>
-            <a:p>
-              <a:pPr algn="ctr"/>
-              <a:r>
-                <a:rPr lang="en-US" altLang="ja-JP" sz="800"/>
-                <a:t>sub.me.example</a:t>
-              </a:r>
-              <a:endParaRPr kumimoji="1" lang="ja-JP" altLang="en-US" sz="800"/>
-            </a:p>
-          </p:txBody>
-        </p:sp>
-        <p:sp>
-          <p:nvSpPr>
-            <p:cNvPr id="151" name="正方形/長方形 150">
-              <a:extLst>
-                <a:ext uri="{FF2B5EF4-FFF2-40B4-BE49-F238E27FC236}">
-                  <a16:creationId xmlns:a16="http://schemas.microsoft.com/office/drawing/2014/main" id="{AB99DFE6-91B6-1830-FAB9-C4B59768B26F}"/>
-                </a:ext>
-              </a:extLst>
-            </p:cNvPr>
-            <p:cNvSpPr/>
-            <p:nvPr/>
-          </p:nvSpPr>
-          <p:spPr>
-            <a:xfrm>
-              <a:off x="2762660" y="3658624"/>
-              <a:ext cx="1150114" cy="489646"/>
-            </a:xfrm>
-            <a:prstGeom prst="rect">
-              <a:avLst/>
-            </a:prstGeom>
-            <a:solidFill>
-              <a:schemeClr val="accent6">
-                <a:lumMod val="75000"/>
-              </a:schemeClr>
-            </a:solidFill>
-            <a:ln w="3175">
-              <a:solidFill>
-                <a:schemeClr val="tx1"/>
-              </a:solidFill>
-            </a:ln>
-            <a:effectLst>
-              <a:outerShdw blurRad="50800" dist="38100" dir="2700000" algn="tl" rotWithShape="0">
-                <a:prstClr val="black">
-                  <a:alpha val="40000"/>
-                </a:prstClr>
-              </a:outerShdw>
-            </a:effectLst>
-          </p:spPr>
-          <p:style>
-            <a:lnRef idx="2">
-              <a:schemeClr val="accent1">
-                <a:shade val="15000"/>
-              </a:schemeClr>
-            </a:lnRef>
-            <a:fillRef idx="1">
-              <a:schemeClr val="accent1"/>
-            </a:fillRef>
-            <a:effectRef idx="0">
-              <a:schemeClr val="accent1"/>
-            </a:effectRef>
-            <a:fontRef idx="minor">
-              <a:schemeClr val="lt1"/>
-            </a:fontRef>
-          </p:style>
-          <p:txBody>
-            <a:bodyPr rtlCol="0" anchor="ctr"/>
-            <a:lstStyle/>
-            <a:p>
-              <a:pPr algn="ctr"/>
-              <a:r>
-                <a:rPr lang="en-US" altLang="ja-JP" sz="800"/>
-                <a:t>you.example</a:t>
-              </a:r>
-              <a:endParaRPr kumimoji="1" lang="ja-JP" altLang="en-US" sz="800"/>
-            </a:p>
-          </p:txBody>
-        </p:sp>
-      </p:grpSp>
+          <a:prstGeom prst="rect">
+            <a:avLst/>
+          </a:prstGeom>
+          <a:solidFill>
+            <a:srgbClr val="0070C0"/>
+          </a:solidFill>
+          <a:ln w="3175">
+            <a:solidFill>
+              <a:schemeClr val="tx1"/>
+            </a:solidFill>
+          </a:ln>
+          <a:effectLst>
+            <a:outerShdw blurRad="50800" dist="38100" dir="2700000" algn="tl" rotWithShape="0">
+              <a:prstClr val="black">
+                <a:alpha val="40000"/>
+              </a:prstClr>
+            </a:outerShdw>
+          </a:effectLst>
+        </p:spPr>
+        <p:style>
+          <a:lnRef idx="2">
+            <a:schemeClr val="accent1">
+              <a:shade val="15000"/>
+            </a:schemeClr>
+          </a:lnRef>
+          <a:fillRef idx="1">
+            <a:schemeClr val="accent1"/>
+          </a:fillRef>
+          <a:effectRef idx="0">
+            <a:schemeClr val="accent1"/>
+          </a:effectRef>
+          <a:fontRef idx="minor">
+            <a:schemeClr val="lt1"/>
+          </a:fontRef>
+        </p:style>
+        <p:txBody>
+          <a:bodyPr rtlCol="0" anchor="ctr"/>
+          <a:lstStyle/>
+          <a:p>
+            <a:pPr algn="ctr"/>
+            <a:r>
+              <a:rPr lang="en-US" altLang="ja-JP" sz="800"/>
+              <a:t>sub.me.example</a:t>
+            </a:r>
+            <a:endParaRPr kumimoji="1" lang="ja-JP" altLang="en-US" sz="800"/>
+          </a:p>
+        </p:txBody>
+      </p:sp>
       <p:sp>
         <p:nvSpPr>
           <p:cNvPr id="152" name="スマイル 151">
@@ -25547,22 +24047,22 @@
       </p:cxnSp>
       <p:cxnSp>
         <p:nvCxnSpPr>
-          <p:cNvPr id="155" name="直線矢印コネクタ 154">
+          <p:cNvPr id="156" name="直線矢印コネクタ 155">
             <a:extLst>
               <a:ext uri="{FF2B5EF4-FFF2-40B4-BE49-F238E27FC236}">
-                <a16:creationId xmlns:a16="http://schemas.microsoft.com/office/drawing/2014/main" id="{58DCCBEC-082F-6E86-8CD5-76BF68FC764B}"/>
+                <a16:creationId xmlns:a16="http://schemas.microsoft.com/office/drawing/2014/main" id="{DDBCD6E7-FE86-0064-830A-87946C703562}"/>
               </a:ext>
             </a:extLst>
           </p:cNvPr>
           <p:cNvCxnSpPr>
             <a:cxnSpLocks/>
-            <a:endCxn id="151" idx="3"/>
+            <a:endCxn id="149" idx="3"/>
           </p:cNvCxnSpPr>
           <p:nvPr/>
         </p:nvCxnSpPr>
         <p:spPr>
           <a:xfrm flipH="1">
-            <a:off x="6977450" y="4111560"/>
+            <a:off x="6977450" y="3437758"/>
             <a:ext cx="462788" cy="0"/>
           </a:xfrm>
           <a:prstGeom prst="straightConnector1">
@@ -25597,34 +24097,33 @@
           </a:fontRef>
         </p:style>
       </p:cxnSp>
-      <p:cxnSp>
-        <p:nvCxnSpPr>
-          <p:cNvPr id="156" name="直線矢印コネクタ 155">
+      <p:sp>
+        <p:nvSpPr>
+          <p:cNvPr id="160" name="正方形/長方形 159">
             <a:extLst>
               <a:ext uri="{FF2B5EF4-FFF2-40B4-BE49-F238E27FC236}">
-                <a16:creationId xmlns:a16="http://schemas.microsoft.com/office/drawing/2014/main" id="{DDBCD6E7-FE86-0064-830A-87946C703562}"/>
+                <a16:creationId xmlns:a16="http://schemas.microsoft.com/office/drawing/2014/main" id="{EA9F9024-F373-E926-7F1B-EB93A0F2DF4F}"/>
               </a:ext>
             </a:extLst>
           </p:cNvPr>
-          <p:cNvCxnSpPr>
-            <a:cxnSpLocks/>
-            <a:endCxn id="149" idx="3"/>
-          </p:cNvCxnSpPr>
+          <p:cNvSpPr/>
           <p:nvPr/>
-        </p:nvCxnSpPr>
+        </p:nvSpPr>
         <p:spPr>
-          <a:xfrm flipH="1">
-            <a:off x="6977450" y="3437758"/>
-            <a:ext cx="462788" cy="0"/>
+          <a:xfrm>
+            <a:off x="8072377" y="2524649"/>
+            <a:ext cx="1026161" cy="489646"/>
           </a:xfrm>
-          <a:prstGeom prst="straightConnector1">
+          <a:prstGeom prst="rect">
             <a:avLst/>
           </a:prstGeom>
-          <a:ln w="12700">
+          <a:solidFill>
+            <a:srgbClr val="0070C0"/>
+          </a:solidFill>
+          <a:ln w="3175">
             <a:solidFill>
               <a:schemeClr val="tx1"/>
             </a:solidFill>
-            <a:tailEnd type="triangle"/>
           </a:ln>
           <a:effectLst>
             <a:outerShdw blurRad="50800" dist="38100" dir="2700000" algn="tl" rotWithShape="0">
@@ -25635,246 +24134,107 @@
           </a:effectLst>
         </p:spPr>
         <p:style>
-          <a:lnRef idx="1">
-            <a:schemeClr val="accent1"/>
+          <a:lnRef idx="2">
+            <a:schemeClr val="accent1">
+              <a:shade val="15000"/>
+            </a:schemeClr>
           </a:lnRef>
-          <a:fillRef idx="0">
+          <a:fillRef idx="1">
             <a:schemeClr val="accent1"/>
           </a:fillRef>
           <a:effectRef idx="0">
             <a:schemeClr val="accent1"/>
           </a:effectRef>
           <a:fontRef idx="minor">
-            <a:schemeClr val="tx1"/>
+            <a:schemeClr val="lt1"/>
           </a:fontRef>
         </p:style>
-      </p:cxnSp>
-      <p:grpSp>
-        <p:nvGrpSpPr>
-          <p:cNvPr id="158" name="グループ化 157">
+        <p:txBody>
+          <a:bodyPr rtlCol="0" anchor="ctr"/>
+          <a:lstStyle/>
+          <a:p>
+            <a:pPr algn="ctr"/>
+            <a:r>
+              <a:rPr lang="en-US" altLang="ja-JP" sz="800">
+                <a:solidFill>
+                  <a:srgbClr val="0070C0"/>
+                </a:solidFill>
+              </a:rPr>
+              <a:t>sub.</a:t>
+            </a:r>
+            <a:r>
+              <a:rPr lang="en-US" altLang="ja-JP" sz="800"/>
+              <a:t>me.example</a:t>
+            </a:r>
+            <a:endParaRPr kumimoji="1" lang="ja-JP" altLang="en-US" sz="800"/>
+          </a:p>
+        </p:txBody>
+      </p:sp>
+      <p:sp>
+        <p:nvSpPr>
+          <p:cNvPr id="161" name="正方形/長方形 160">
             <a:extLst>
               <a:ext uri="{FF2B5EF4-FFF2-40B4-BE49-F238E27FC236}">
-                <a16:creationId xmlns:a16="http://schemas.microsoft.com/office/drawing/2014/main" id="{2AAD59C7-2E0F-D571-D659-5C5D36EAC63F}"/>
+                <a16:creationId xmlns:a16="http://schemas.microsoft.com/office/drawing/2014/main" id="{FBE323AD-52E2-54E0-54F8-3FBC435E64C5}"/>
               </a:ext>
             </a:extLst>
           </p:cNvPr>
-          <p:cNvGrpSpPr/>
+          <p:cNvSpPr/>
           <p:nvPr/>
-        </p:nvGrpSpPr>
-        <p:grpSpPr>
+        </p:nvSpPr>
+        <p:spPr>
           <a:xfrm>
-            <a:off x="8072377" y="2524649"/>
-            <a:ext cx="1026161" cy="1837250"/>
-            <a:chOff x="2762660" y="2311020"/>
-            <a:chExt cx="1150114" cy="1837250"/>
+            <a:off x="8072377" y="3198451"/>
+            <a:ext cx="1026161" cy="489646"/>
           </a:xfrm>
-        </p:grpSpPr>
-        <p:sp>
-          <p:nvSpPr>
-            <p:cNvPr id="160" name="正方形/長方形 159">
-              <a:extLst>
-                <a:ext uri="{FF2B5EF4-FFF2-40B4-BE49-F238E27FC236}">
-                  <a16:creationId xmlns:a16="http://schemas.microsoft.com/office/drawing/2014/main" id="{EA9F9024-F373-E926-7F1B-EB93A0F2DF4F}"/>
-                </a:ext>
-              </a:extLst>
-            </p:cNvPr>
-            <p:cNvSpPr/>
-            <p:nvPr/>
-          </p:nvSpPr>
-          <p:spPr>
-            <a:xfrm>
-              <a:off x="2762660" y="2311020"/>
-              <a:ext cx="1150114" cy="489646"/>
-            </a:xfrm>
-            <a:prstGeom prst="rect">
-              <a:avLst/>
-            </a:prstGeom>
-            <a:solidFill>
-              <a:srgbClr val="0070C0"/>
-            </a:solidFill>
-            <a:ln w="3175">
-              <a:solidFill>
-                <a:schemeClr val="tx1"/>
-              </a:solidFill>
-            </a:ln>
-            <a:effectLst>
-              <a:outerShdw blurRad="50800" dist="38100" dir="2700000" algn="tl" rotWithShape="0">
-                <a:prstClr val="black">
-                  <a:alpha val="40000"/>
-                </a:prstClr>
-              </a:outerShdw>
-            </a:effectLst>
-          </p:spPr>
-          <p:style>
-            <a:lnRef idx="2">
-              <a:schemeClr val="accent1">
-                <a:shade val="15000"/>
-              </a:schemeClr>
-            </a:lnRef>
-            <a:fillRef idx="1">
-              <a:schemeClr val="accent1"/>
-            </a:fillRef>
-            <a:effectRef idx="0">
-              <a:schemeClr val="accent1"/>
-            </a:effectRef>
-            <a:fontRef idx="minor">
-              <a:schemeClr val="lt1"/>
-            </a:fontRef>
-          </p:style>
-          <p:txBody>
-            <a:bodyPr rtlCol="0" anchor="ctr"/>
-            <a:lstStyle/>
-            <a:p>
-              <a:pPr algn="ctr"/>
-              <a:r>
-                <a:rPr lang="en-US" altLang="ja-JP" sz="800">
-                  <a:solidFill>
-                    <a:srgbClr val="0070C0"/>
-                  </a:solidFill>
-                </a:rPr>
-                <a:t>sub.</a:t>
-              </a:r>
-              <a:r>
-                <a:rPr lang="en-US" altLang="ja-JP" sz="800"/>
-                <a:t>me.example</a:t>
-              </a:r>
-              <a:endParaRPr kumimoji="1" lang="ja-JP" altLang="en-US" sz="800"/>
-            </a:p>
-          </p:txBody>
-        </p:sp>
-        <p:sp>
-          <p:nvSpPr>
-            <p:cNvPr id="161" name="正方形/長方形 160">
-              <a:extLst>
-                <a:ext uri="{FF2B5EF4-FFF2-40B4-BE49-F238E27FC236}">
-                  <a16:creationId xmlns:a16="http://schemas.microsoft.com/office/drawing/2014/main" id="{FBE323AD-52E2-54E0-54F8-3FBC435E64C5}"/>
-                </a:ext>
-              </a:extLst>
-            </p:cNvPr>
-            <p:cNvSpPr/>
-            <p:nvPr/>
-          </p:nvSpPr>
-          <p:spPr>
-            <a:xfrm>
-              <a:off x="2762660" y="2984822"/>
-              <a:ext cx="1150114" cy="489646"/>
-            </a:xfrm>
-            <a:prstGeom prst="rect">
-              <a:avLst/>
-            </a:prstGeom>
-            <a:solidFill>
-              <a:srgbClr val="0070C0"/>
-            </a:solidFill>
-            <a:ln w="3175">
-              <a:solidFill>
-                <a:schemeClr val="tx1"/>
-              </a:solidFill>
-            </a:ln>
-            <a:effectLst>
-              <a:outerShdw blurRad="50800" dist="38100" dir="2700000" algn="tl" rotWithShape="0">
-                <a:prstClr val="black">
-                  <a:alpha val="40000"/>
-                </a:prstClr>
-              </a:outerShdw>
-            </a:effectLst>
-          </p:spPr>
-          <p:style>
-            <a:lnRef idx="2">
-              <a:schemeClr val="accent1">
-                <a:shade val="15000"/>
-              </a:schemeClr>
-            </a:lnRef>
-            <a:fillRef idx="1">
-              <a:schemeClr val="accent1"/>
-            </a:fillRef>
-            <a:effectRef idx="0">
-              <a:schemeClr val="accent1"/>
-            </a:effectRef>
-            <a:fontRef idx="minor">
-              <a:schemeClr val="lt1"/>
-            </a:fontRef>
-          </p:style>
-          <p:txBody>
-            <a:bodyPr rtlCol="0" anchor="ctr"/>
-            <a:lstStyle/>
-            <a:p>
-              <a:pPr algn="ctr"/>
-              <a:r>
-                <a:rPr lang="en-US" altLang="ja-JP" sz="800"/>
-                <a:t>sub.me.example</a:t>
-              </a:r>
-              <a:endParaRPr kumimoji="1" lang="ja-JP" altLang="en-US" sz="800"/>
-            </a:p>
-          </p:txBody>
-        </p:sp>
-        <p:sp>
-          <p:nvSpPr>
-            <p:cNvPr id="162" name="正方形/長方形 161">
-              <a:extLst>
-                <a:ext uri="{FF2B5EF4-FFF2-40B4-BE49-F238E27FC236}">
-                  <a16:creationId xmlns:a16="http://schemas.microsoft.com/office/drawing/2014/main" id="{67C48A3A-3FA2-3F55-D845-96EC167A3632}"/>
-                </a:ext>
-              </a:extLst>
-            </p:cNvPr>
-            <p:cNvSpPr/>
-            <p:nvPr/>
-          </p:nvSpPr>
-          <p:spPr>
-            <a:xfrm>
-              <a:off x="2762660" y="3658624"/>
-              <a:ext cx="1150114" cy="489646"/>
-            </a:xfrm>
-            <a:prstGeom prst="rect">
-              <a:avLst/>
-            </a:prstGeom>
-            <a:solidFill>
-              <a:schemeClr val="accent6">
-                <a:lumMod val="75000"/>
-              </a:schemeClr>
-            </a:solidFill>
-            <a:ln w="3175">
-              <a:solidFill>
-                <a:schemeClr val="tx1"/>
-              </a:solidFill>
-            </a:ln>
-            <a:effectLst>
-              <a:outerShdw blurRad="50800" dist="38100" dir="2700000" algn="tl" rotWithShape="0">
-                <a:prstClr val="black">
-                  <a:alpha val="40000"/>
-                </a:prstClr>
-              </a:outerShdw>
-            </a:effectLst>
-          </p:spPr>
-          <p:style>
-            <a:lnRef idx="2">
-              <a:schemeClr val="accent1">
-                <a:shade val="15000"/>
-              </a:schemeClr>
-            </a:lnRef>
-            <a:fillRef idx="1">
-              <a:schemeClr val="accent1"/>
-            </a:fillRef>
-            <a:effectRef idx="0">
-              <a:schemeClr val="accent1"/>
-            </a:effectRef>
-            <a:fontRef idx="minor">
-              <a:schemeClr val="lt1"/>
-            </a:fontRef>
-          </p:style>
-          <p:txBody>
-            <a:bodyPr rtlCol="0" anchor="ctr"/>
-            <a:lstStyle/>
-            <a:p>
-              <a:pPr algn="ctr"/>
-              <a:r>
-                <a:rPr lang="en-US" altLang="ja-JP" sz="800"/>
-                <a:t>you.example</a:t>
-              </a:r>
-              <a:endParaRPr kumimoji="1" lang="ja-JP" altLang="en-US" sz="800"/>
-            </a:p>
-          </p:txBody>
-        </p:sp>
-      </p:grpSp>
+          <a:prstGeom prst="rect">
+            <a:avLst/>
+          </a:prstGeom>
+          <a:solidFill>
+            <a:srgbClr val="0070C0"/>
+          </a:solidFill>
+          <a:ln w="3175">
+            <a:solidFill>
+              <a:schemeClr val="tx1"/>
+            </a:solidFill>
+          </a:ln>
+          <a:effectLst>
+            <a:outerShdw blurRad="50800" dist="38100" dir="2700000" algn="tl" rotWithShape="0">
+              <a:prstClr val="black">
+                <a:alpha val="40000"/>
+              </a:prstClr>
+            </a:outerShdw>
+          </a:effectLst>
+        </p:spPr>
+        <p:style>
+          <a:lnRef idx="2">
+            <a:schemeClr val="accent1">
+              <a:shade val="15000"/>
+            </a:schemeClr>
+          </a:lnRef>
+          <a:fillRef idx="1">
+            <a:schemeClr val="accent1"/>
+          </a:fillRef>
+          <a:effectRef idx="0">
+            <a:schemeClr val="accent1"/>
+          </a:effectRef>
+          <a:fontRef idx="minor">
+            <a:schemeClr val="lt1"/>
+          </a:fontRef>
+        </p:style>
+        <p:txBody>
+          <a:bodyPr rtlCol="0" anchor="ctr"/>
+          <a:lstStyle/>
+          <a:p>
+            <a:pPr algn="ctr"/>
+            <a:r>
+              <a:rPr lang="en-US" altLang="ja-JP" sz="800"/>
+              <a:t>sub.me.example</a:t>
+            </a:r>
+            <a:endParaRPr kumimoji="1" lang="ja-JP" altLang="en-US" sz="800"/>
+          </a:p>
+        </p:txBody>
+      </p:sp>
       <p:sp>
         <p:nvSpPr>
           <p:cNvPr id="163" name="スマイル 162">
@@ -25991,58 +24351,6 @@
       </p:cxnSp>
       <p:cxnSp>
         <p:nvCxnSpPr>
-          <p:cNvPr id="166" name="直線矢印コネクタ 165">
-            <a:extLst>
-              <a:ext uri="{FF2B5EF4-FFF2-40B4-BE49-F238E27FC236}">
-                <a16:creationId xmlns:a16="http://schemas.microsoft.com/office/drawing/2014/main" id="{D58E6B14-4897-F9AA-5884-44136E90D488}"/>
-              </a:ext>
-            </a:extLst>
-          </p:cNvPr>
-          <p:cNvCxnSpPr>
-            <a:cxnSpLocks/>
-            <a:endCxn id="162" idx="3"/>
-          </p:cNvCxnSpPr>
-          <p:nvPr/>
-        </p:nvCxnSpPr>
-        <p:spPr>
-          <a:xfrm flipH="1">
-            <a:off x="9098538" y="4117076"/>
-            <a:ext cx="462788" cy="0"/>
-          </a:xfrm>
-          <a:prstGeom prst="straightConnector1">
-            <a:avLst/>
-          </a:prstGeom>
-          <a:ln w="12700">
-            <a:solidFill>
-              <a:schemeClr val="tx1"/>
-            </a:solidFill>
-            <a:tailEnd type="triangle"/>
-          </a:ln>
-          <a:effectLst>
-            <a:outerShdw blurRad="50800" dist="38100" dir="2700000" algn="tl" rotWithShape="0">
-              <a:prstClr val="black">
-                <a:alpha val="40000"/>
-              </a:prstClr>
-            </a:outerShdw>
-          </a:effectLst>
-        </p:spPr>
-        <p:style>
-          <a:lnRef idx="1">
-            <a:schemeClr val="accent1"/>
-          </a:lnRef>
-          <a:fillRef idx="0">
-            <a:schemeClr val="accent1"/>
-          </a:fillRef>
-          <a:effectRef idx="0">
-            <a:schemeClr val="accent1"/>
-          </a:effectRef>
-          <a:fontRef idx="minor">
-            <a:schemeClr val="tx1"/>
-          </a:fontRef>
-        </p:style>
-      </p:cxnSp>
-      <p:cxnSp>
-        <p:nvCxnSpPr>
           <p:cNvPr id="167" name="直線矢印コネクタ 166">
             <a:extLst>
               <a:ext uri="{FF2B5EF4-FFF2-40B4-BE49-F238E27FC236}">
@@ -26059,450 +24367,6 @@
         <p:spPr>
           <a:xfrm flipH="1">
             <a:off x="9098538" y="3443274"/>
-            <a:ext cx="462788" cy="0"/>
-          </a:xfrm>
-          <a:prstGeom prst="straightConnector1">
-            <a:avLst/>
-          </a:prstGeom>
-          <a:ln w="12700">
-            <a:solidFill>
-              <a:schemeClr val="tx1"/>
-            </a:solidFill>
-            <a:tailEnd type="triangle"/>
-          </a:ln>
-          <a:effectLst>
-            <a:outerShdw blurRad="50800" dist="38100" dir="2700000" algn="tl" rotWithShape="0">
-              <a:prstClr val="black">
-                <a:alpha val="40000"/>
-              </a:prstClr>
-            </a:outerShdw>
-          </a:effectLst>
-        </p:spPr>
-        <p:style>
-          <a:lnRef idx="1">
-            <a:schemeClr val="accent1"/>
-          </a:lnRef>
-          <a:fillRef idx="0">
-            <a:schemeClr val="accent1"/>
-          </a:fillRef>
-          <a:effectRef idx="0">
-            <a:schemeClr val="accent1"/>
-          </a:effectRef>
-          <a:fontRef idx="minor">
-            <a:schemeClr val="tx1"/>
-          </a:fontRef>
-        </p:style>
-      </p:cxnSp>
-      <p:grpSp>
-        <p:nvGrpSpPr>
-          <p:cNvPr id="168" name="グループ化 167">
-            <a:extLst>
-              <a:ext uri="{FF2B5EF4-FFF2-40B4-BE49-F238E27FC236}">
-                <a16:creationId xmlns:a16="http://schemas.microsoft.com/office/drawing/2014/main" id="{D14C386A-A540-DAF3-EB86-D66FEB233144}"/>
-              </a:ext>
-            </a:extLst>
-          </p:cNvPr>
-          <p:cNvGrpSpPr/>
-          <p:nvPr/>
-        </p:nvGrpSpPr>
-        <p:grpSpPr>
-          <a:xfrm>
-            <a:off x="10196651" y="2519133"/>
-            <a:ext cx="1026161" cy="1837250"/>
-            <a:chOff x="2762660" y="2311020"/>
-            <a:chExt cx="1150114" cy="1837250"/>
-          </a:xfrm>
-        </p:grpSpPr>
-        <p:sp>
-          <p:nvSpPr>
-            <p:cNvPr id="169" name="正方形/長方形 168">
-              <a:extLst>
-                <a:ext uri="{FF2B5EF4-FFF2-40B4-BE49-F238E27FC236}">
-                  <a16:creationId xmlns:a16="http://schemas.microsoft.com/office/drawing/2014/main" id="{B23AF0B9-6453-63FF-5652-960057C796FF}"/>
-                </a:ext>
-              </a:extLst>
-            </p:cNvPr>
-            <p:cNvSpPr/>
-            <p:nvPr/>
-          </p:nvSpPr>
-          <p:spPr>
-            <a:xfrm>
-              <a:off x="2762660" y="2311020"/>
-              <a:ext cx="1150114" cy="489646"/>
-            </a:xfrm>
-            <a:prstGeom prst="rect">
-              <a:avLst/>
-            </a:prstGeom>
-            <a:solidFill>
-              <a:srgbClr val="0070C0"/>
-            </a:solidFill>
-            <a:ln w="3175">
-              <a:solidFill>
-                <a:schemeClr val="tx1"/>
-              </a:solidFill>
-            </a:ln>
-            <a:effectLst>
-              <a:outerShdw blurRad="50800" dist="38100" dir="2700000" algn="tl" rotWithShape="0">
-                <a:prstClr val="black">
-                  <a:alpha val="40000"/>
-                </a:prstClr>
-              </a:outerShdw>
-            </a:effectLst>
-          </p:spPr>
-          <p:style>
-            <a:lnRef idx="2">
-              <a:schemeClr val="accent1">
-                <a:shade val="15000"/>
-              </a:schemeClr>
-            </a:lnRef>
-            <a:fillRef idx="1">
-              <a:schemeClr val="accent1"/>
-            </a:fillRef>
-            <a:effectRef idx="0">
-              <a:schemeClr val="accent1"/>
-            </a:effectRef>
-            <a:fontRef idx="minor">
-              <a:schemeClr val="lt1"/>
-            </a:fontRef>
-          </p:style>
-          <p:txBody>
-            <a:bodyPr rtlCol="0" anchor="ctr"/>
-            <a:lstStyle/>
-            <a:p>
-              <a:pPr algn="ctr"/>
-              <a:r>
-                <a:rPr lang="en-US" altLang="ja-JP" sz="800">
-                  <a:solidFill>
-                    <a:srgbClr val="0070C0"/>
-                  </a:solidFill>
-                </a:rPr>
-                <a:t>sub.</a:t>
-              </a:r>
-              <a:r>
-                <a:rPr lang="en-US" altLang="ja-JP" sz="800"/>
-                <a:t>me.example</a:t>
-              </a:r>
-              <a:endParaRPr kumimoji="1" lang="ja-JP" altLang="en-US" sz="800"/>
-            </a:p>
-          </p:txBody>
-        </p:sp>
-        <p:sp>
-          <p:nvSpPr>
-            <p:cNvPr id="171" name="正方形/長方形 170">
-              <a:extLst>
-                <a:ext uri="{FF2B5EF4-FFF2-40B4-BE49-F238E27FC236}">
-                  <a16:creationId xmlns:a16="http://schemas.microsoft.com/office/drawing/2014/main" id="{BF129702-7F7D-F96F-3A91-A6D379A3D094}"/>
-                </a:ext>
-              </a:extLst>
-            </p:cNvPr>
-            <p:cNvSpPr/>
-            <p:nvPr/>
-          </p:nvSpPr>
-          <p:spPr>
-            <a:xfrm>
-              <a:off x="2762660" y="2984822"/>
-              <a:ext cx="1150114" cy="489646"/>
-            </a:xfrm>
-            <a:prstGeom prst="rect">
-              <a:avLst/>
-            </a:prstGeom>
-            <a:solidFill>
-              <a:srgbClr val="0070C0"/>
-            </a:solidFill>
-            <a:ln w="3175">
-              <a:solidFill>
-                <a:schemeClr val="tx1"/>
-              </a:solidFill>
-            </a:ln>
-            <a:effectLst>
-              <a:outerShdw blurRad="50800" dist="38100" dir="2700000" algn="tl" rotWithShape="0">
-                <a:prstClr val="black">
-                  <a:alpha val="40000"/>
-                </a:prstClr>
-              </a:outerShdw>
-            </a:effectLst>
-          </p:spPr>
-          <p:style>
-            <a:lnRef idx="2">
-              <a:schemeClr val="accent1">
-                <a:shade val="15000"/>
-              </a:schemeClr>
-            </a:lnRef>
-            <a:fillRef idx="1">
-              <a:schemeClr val="accent1"/>
-            </a:fillRef>
-            <a:effectRef idx="0">
-              <a:schemeClr val="accent1"/>
-            </a:effectRef>
-            <a:fontRef idx="minor">
-              <a:schemeClr val="lt1"/>
-            </a:fontRef>
-          </p:style>
-          <p:txBody>
-            <a:bodyPr rtlCol="0" anchor="ctr"/>
-            <a:lstStyle/>
-            <a:p>
-              <a:pPr algn="ctr"/>
-              <a:r>
-                <a:rPr lang="en-US" altLang="ja-JP" sz="800"/>
-                <a:t>sub.me.example</a:t>
-              </a:r>
-              <a:endParaRPr kumimoji="1" lang="ja-JP" altLang="en-US" sz="800"/>
-            </a:p>
-          </p:txBody>
-        </p:sp>
-        <p:sp>
-          <p:nvSpPr>
-            <p:cNvPr id="172" name="正方形/長方形 171">
-              <a:extLst>
-                <a:ext uri="{FF2B5EF4-FFF2-40B4-BE49-F238E27FC236}">
-                  <a16:creationId xmlns:a16="http://schemas.microsoft.com/office/drawing/2014/main" id="{76EBBAA7-A8BB-966E-7FED-86C470534FC6}"/>
-                </a:ext>
-              </a:extLst>
-            </p:cNvPr>
-            <p:cNvSpPr/>
-            <p:nvPr/>
-          </p:nvSpPr>
-          <p:spPr>
-            <a:xfrm>
-              <a:off x="2762660" y="3658624"/>
-              <a:ext cx="1150114" cy="489646"/>
-            </a:xfrm>
-            <a:prstGeom prst="rect">
-              <a:avLst/>
-            </a:prstGeom>
-            <a:solidFill>
-              <a:schemeClr val="accent6">
-                <a:lumMod val="75000"/>
-              </a:schemeClr>
-            </a:solidFill>
-            <a:ln w="3175">
-              <a:solidFill>
-                <a:schemeClr val="tx1"/>
-              </a:solidFill>
-            </a:ln>
-            <a:effectLst>
-              <a:outerShdw blurRad="50800" dist="38100" dir="2700000" algn="tl" rotWithShape="0">
-                <a:prstClr val="black">
-                  <a:alpha val="40000"/>
-                </a:prstClr>
-              </a:outerShdw>
-            </a:effectLst>
-          </p:spPr>
-          <p:style>
-            <a:lnRef idx="2">
-              <a:schemeClr val="accent1">
-                <a:shade val="15000"/>
-              </a:schemeClr>
-            </a:lnRef>
-            <a:fillRef idx="1">
-              <a:schemeClr val="accent1"/>
-            </a:fillRef>
-            <a:effectRef idx="0">
-              <a:schemeClr val="accent1"/>
-            </a:effectRef>
-            <a:fontRef idx="minor">
-              <a:schemeClr val="lt1"/>
-            </a:fontRef>
-          </p:style>
-          <p:txBody>
-            <a:bodyPr rtlCol="0" anchor="ctr"/>
-            <a:lstStyle/>
-            <a:p>
-              <a:pPr algn="ctr"/>
-              <a:r>
-                <a:rPr lang="en-US" altLang="ja-JP" sz="800"/>
-                <a:t>you.example</a:t>
-              </a:r>
-              <a:endParaRPr kumimoji="1" lang="ja-JP" altLang="en-US" sz="800"/>
-            </a:p>
-          </p:txBody>
-        </p:sp>
-      </p:grpSp>
-      <p:sp>
-        <p:nvSpPr>
-          <p:cNvPr id="173" name="スマイル 172">
-            <a:extLst>
-              <a:ext uri="{FF2B5EF4-FFF2-40B4-BE49-F238E27FC236}">
-                <a16:creationId xmlns:a16="http://schemas.microsoft.com/office/drawing/2014/main" id="{589CC4C5-278C-D55C-4110-B1A6755D6752}"/>
-              </a:ext>
-            </a:extLst>
-          </p:cNvPr>
-          <p:cNvSpPr/>
-          <p:nvPr/>
-        </p:nvSpPr>
-        <p:spPr>
-          <a:xfrm>
-            <a:off x="11516250" y="4912188"/>
-            <a:ext cx="338700" cy="338700"/>
-          </a:xfrm>
-          <a:prstGeom prst="smileyFace">
-            <a:avLst/>
-          </a:prstGeom>
-          <a:solidFill>
-            <a:schemeClr val="tx1"/>
-          </a:solidFill>
-          <a:ln w="12700">
-            <a:solidFill>
-              <a:schemeClr val="bg1"/>
-            </a:solidFill>
-          </a:ln>
-          <a:effectLst>
-            <a:outerShdw blurRad="50800" dist="38100" dir="2700000" algn="tl" rotWithShape="0">
-              <a:prstClr val="black">
-                <a:alpha val="40000"/>
-              </a:prstClr>
-            </a:outerShdw>
-          </a:effectLst>
-        </p:spPr>
-        <p:style>
-          <a:lnRef idx="2">
-            <a:schemeClr val="accent1">
-              <a:shade val="15000"/>
-            </a:schemeClr>
-          </a:lnRef>
-          <a:fillRef idx="1">
-            <a:schemeClr val="accent1"/>
-          </a:fillRef>
-          <a:effectRef idx="0">
-            <a:schemeClr val="accent1"/>
-          </a:effectRef>
-          <a:fontRef idx="minor">
-            <a:schemeClr val="lt1"/>
-          </a:fontRef>
-        </p:style>
-        <p:txBody>
-          <a:bodyPr rtlCol="0" anchor="ctr"/>
-          <a:lstStyle/>
-          <a:p>
-            <a:pPr algn="ctr"/>
-            <a:endParaRPr kumimoji="1" lang="ja-JP" altLang="en-US" sz="800"/>
-          </a:p>
-        </p:txBody>
-      </p:sp>
-      <p:cxnSp>
-        <p:nvCxnSpPr>
-          <p:cNvPr id="174" name="コネクタ: カギ線 173">
-            <a:extLst>
-              <a:ext uri="{FF2B5EF4-FFF2-40B4-BE49-F238E27FC236}">
-                <a16:creationId xmlns:a16="http://schemas.microsoft.com/office/drawing/2014/main" id="{49DF4362-2DFB-213C-6041-321AD418C4ED}"/>
-              </a:ext>
-            </a:extLst>
-          </p:cNvPr>
-          <p:cNvCxnSpPr>
-            <a:cxnSpLocks/>
-            <a:stCxn id="173" idx="0"/>
-            <a:endCxn id="169" idx="3"/>
-          </p:cNvCxnSpPr>
-          <p:nvPr/>
-        </p:nvCxnSpPr>
-        <p:spPr>
-          <a:xfrm rot="16200000" flipV="1">
-            <a:off x="10380090" y="3606678"/>
-            <a:ext cx="2148232" cy="462788"/>
-          </a:xfrm>
-          <a:prstGeom prst="bentConnector2">
-            <a:avLst/>
-          </a:prstGeom>
-          <a:ln w="12700">
-            <a:solidFill>
-              <a:schemeClr val="tx1"/>
-            </a:solidFill>
-            <a:tailEnd type="triangle"/>
-          </a:ln>
-          <a:effectLst>
-            <a:outerShdw blurRad="50800" dist="38100" dir="2700000" algn="tl" rotWithShape="0">
-              <a:prstClr val="black">
-                <a:alpha val="40000"/>
-              </a:prstClr>
-            </a:outerShdw>
-          </a:effectLst>
-        </p:spPr>
-        <p:style>
-          <a:lnRef idx="1">
-            <a:schemeClr val="accent1"/>
-          </a:lnRef>
-          <a:fillRef idx="0">
-            <a:schemeClr val="accent1"/>
-          </a:fillRef>
-          <a:effectRef idx="0">
-            <a:schemeClr val="accent1"/>
-          </a:effectRef>
-          <a:fontRef idx="minor">
-            <a:schemeClr val="tx1"/>
-          </a:fontRef>
-        </p:style>
-      </p:cxnSp>
-      <p:cxnSp>
-        <p:nvCxnSpPr>
-          <p:cNvPr id="175" name="直線矢印コネクタ 174">
-            <a:extLst>
-              <a:ext uri="{FF2B5EF4-FFF2-40B4-BE49-F238E27FC236}">
-                <a16:creationId xmlns:a16="http://schemas.microsoft.com/office/drawing/2014/main" id="{0559F2F8-C0FC-5455-5495-70877BE0BD22}"/>
-              </a:ext>
-            </a:extLst>
-          </p:cNvPr>
-          <p:cNvCxnSpPr>
-            <a:cxnSpLocks/>
-            <a:endCxn id="172" idx="3"/>
-          </p:cNvCxnSpPr>
-          <p:nvPr/>
-        </p:nvCxnSpPr>
-        <p:spPr>
-          <a:xfrm flipH="1">
-            <a:off x="11222812" y="4111560"/>
-            <a:ext cx="462788" cy="0"/>
-          </a:xfrm>
-          <a:prstGeom prst="straightConnector1">
-            <a:avLst/>
-          </a:prstGeom>
-          <a:ln w="12700">
-            <a:solidFill>
-              <a:schemeClr val="tx1"/>
-            </a:solidFill>
-            <a:tailEnd type="triangle"/>
-          </a:ln>
-          <a:effectLst>
-            <a:outerShdw blurRad="50800" dist="38100" dir="2700000" algn="tl" rotWithShape="0">
-              <a:prstClr val="black">
-                <a:alpha val="40000"/>
-              </a:prstClr>
-            </a:outerShdw>
-          </a:effectLst>
-        </p:spPr>
-        <p:style>
-          <a:lnRef idx="1">
-            <a:schemeClr val="accent1"/>
-          </a:lnRef>
-          <a:fillRef idx="0">
-            <a:schemeClr val="accent1"/>
-          </a:fillRef>
-          <a:effectRef idx="0">
-            <a:schemeClr val="accent1"/>
-          </a:effectRef>
-          <a:fontRef idx="minor">
-            <a:schemeClr val="tx1"/>
-          </a:fontRef>
-        </p:style>
-      </p:cxnSp>
-      <p:cxnSp>
-        <p:nvCxnSpPr>
-          <p:cNvPr id="176" name="直線矢印コネクタ 175">
-            <a:extLst>
-              <a:ext uri="{FF2B5EF4-FFF2-40B4-BE49-F238E27FC236}">
-                <a16:creationId xmlns:a16="http://schemas.microsoft.com/office/drawing/2014/main" id="{F0ED8B56-45F6-2AEA-178A-C9E53FEA448F}"/>
-              </a:ext>
-            </a:extLst>
-          </p:cNvPr>
-          <p:cNvCxnSpPr>
-            <a:cxnSpLocks/>
-            <a:endCxn id="171" idx="3"/>
-          </p:cNvCxnSpPr>
-          <p:nvPr/>
-        </p:nvCxnSpPr>
-        <p:spPr>
-          <a:xfrm flipH="1">
-            <a:off x="11222812" y="3437758"/>
             <a:ext cx="462788" cy="0"/>
           </a:xfrm>
           <a:prstGeom prst="straightConnector1">
@@ -26614,19 +24478,19 @@
           <p:cNvCxnSpPr>
             <a:cxnSpLocks/>
             <a:stCxn id="177" idx="1"/>
-            <a:endCxn id="173" idx="4"/>
+            <a:endCxn id="163" idx="4"/>
           </p:cNvCxnSpPr>
           <p:nvPr/>
         </p:nvCxnSpPr>
         <p:spPr>
           <a:xfrm rot="10800000" flipH="1" flipV="1">
             <a:off x="849114" y="3437758"/>
-            <a:ext cx="10836486" cy="1813130"/>
+            <a:ext cx="8712212" cy="1818646"/>
           </a:xfrm>
           <a:prstGeom prst="bentConnector4">
             <a:avLst>
-              <a:gd name="adj1" fmla="val -2110"/>
-              <a:gd name="adj2" fmla="val 169694"/>
+              <a:gd name="adj1" fmla="val -2624"/>
+              <a:gd name="adj2" fmla="val 168883"/>
             </a:avLst>
           </a:prstGeom>
           <a:ln w="12700">
@@ -26730,58 +24594,6 @@
           <a:xfrm flipV="1">
             <a:off x="7440238" y="5250888"/>
             <a:ext cx="0" cy="1257862"/>
-          </a:xfrm>
-          <a:prstGeom prst="straightConnector1">
-            <a:avLst/>
-          </a:prstGeom>
-          <a:ln w="12700">
-            <a:solidFill>
-              <a:schemeClr val="tx1"/>
-            </a:solidFill>
-            <a:tailEnd type="triangle"/>
-          </a:ln>
-          <a:effectLst>
-            <a:outerShdw blurRad="50800" dist="38100" dir="2700000" algn="tl" rotWithShape="0">
-              <a:prstClr val="black">
-                <a:alpha val="40000"/>
-              </a:prstClr>
-            </a:outerShdw>
-          </a:effectLst>
-        </p:spPr>
-        <p:style>
-          <a:lnRef idx="1">
-            <a:schemeClr val="accent1"/>
-          </a:lnRef>
-          <a:fillRef idx="0">
-            <a:schemeClr val="accent1"/>
-          </a:fillRef>
-          <a:effectRef idx="0">
-            <a:schemeClr val="accent1"/>
-          </a:effectRef>
-          <a:fontRef idx="minor">
-            <a:schemeClr val="tx1"/>
-          </a:fontRef>
-        </p:style>
-      </p:cxnSp>
-      <p:cxnSp>
-        <p:nvCxnSpPr>
-          <p:cNvPr id="181" name="直線矢印コネクタ 180">
-            <a:extLst>
-              <a:ext uri="{FF2B5EF4-FFF2-40B4-BE49-F238E27FC236}">
-                <a16:creationId xmlns:a16="http://schemas.microsoft.com/office/drawing/2014/main" id="{0388C036-A816-FDA1-B24B-CD146C459C13}"/>
-              </a:ext>
-            </a:extLst>
-          </p:cNvPr>
-          <p:cNvCxnSpPr>
-            <a:cxnSpLocks/>
-            <a:endCxn id="163" idx="4"/>
-          </p:cNvCxnSpPr>
-          <p:nvPr/>
-        </p:nvCxnSpPr>
-        <p:spPr>
-          <a:xfrm flipV="1">
-            <a:off x="9561326" y="5256404"/>
-            <a:ext cx="0" cy="1252346"/>
           </a:xfrm>
           <a:prstGeom prst="straightConnector1">
             <a:avLst/>
@@ -27447,219 +25259,6 @@
             <a:solidFill>
               <a:srgbClr val="0070C0"/>
             </a:solidFill>
-            <a:ln>
-              <a:noFill/>
-            </a:ln>
-          </p:spPr>
-          <p:style>
-            <a:lnRef idx="2">
-              <a:schemeClr val="accent1">
-                <a:shade val="15000"/>
-              </a:schemeClr>
-            </a:lnRef>
-            <a:fillRef idx="1">
-              <a:schemeClr val="accent1"/>
-            </a:fillRef>
-            <a:effectRef idx="0">
-              <a:schemeClr val="accent1"/>
-            </a:effectRef>
-            <a:fontRef idx="minor">
-              <a:schemeClr val="lt1"/>
-            </a:fontRef>
-          </p:style>
-          <p:txBody>
-            <a:bodyPr rtlCol="0" anchor="ctr"/>
-            <a:lstStyle/>
-            <a:p>
-              <a:pPr algn="ctr"/>
-              <a:endParaRPr kumimoji="1" lang="ja-JP" altLang="en-US"/>
-            </a:p>
-          </p:txBody>
-        </p:sp>
-      </p:grpSp>
-      <p:grpSp>
-        <p:nvGrpSpPr>
-          <p:cNvPr id="194" name="グループ化 193">
-            <a:extLst>
-              <a:ext uri="{FF2B5EF4-FFF2-40B4-BE49-F238E27FC236}">
-                <a16:creationId xmlns:a16="http://schemas.microsoft.com/office/drawing/2014/main" id="{35EA4320-B04A-2C08-8726-8A79B506EBC6}"/>
-              </a:ext>
-            </a:extLst>
-          </p:cNvPr>
-          <p:cNvGrpSpPr/>
-          <p:nvPr/>
-        </p:nvGrpSpPr>
-        <p:grpSpPr>
-          <a:xfrm>
-            <a:off x="10093316" y="5811700"/>
-            <a:ext cx="1441868" cy="491160"/>
-            <a:chOff x="3724721" y="5825716"/>
-            <a:chExt cx="1441868" cy="491160"/>
-          </a:xfrm>
-          <a:solidFill>
-            <a:schemeClr val="accent6">
-              <a:lumMod val="75000"/>
-            </a:schemeClr>
-          </a:solidFill>
-        </p:grpSpPr>
-        <p:sp>
-          <p:nvSpPr>
-            <p:cNvPr id="195" name="フローチャート: 書類 194">
-              <a:extLst>
-                <a:ext uri="{FF2B5EF4-FFF2-40B4-BE49-F238E27FC236}">
-                  <a16:creationId xmlns:a16="http://schemas.microsoft.com/office/drawing/2014/main" id="{310D8DAB-71E0-632A-247C-56F9D7783247}"/>
-                </a:ext>
-              </a:extLst>
-            </p:cNvPr>
-            <p:cNvSpPr/>
-            <p:nvPr/>
-          </p:nvSpPr>
-          <p:spPr>
-            <a:xfrm>
-              <a:off x="3724721" y="5825716"/>
-              <a:ext cx="1234624" cy="491160"/>
-            </a:xfrm>
-            <a:prstGeom prst="flowChartDocument">
-              <a:avLst/>
-            </a:prstGeom>
-            <a:grpFill/>
-            <a:ln w="3175">
-              <a:solidFill>
-                <a:schemeClr val="tx1"/>
-              </a:solidFill>
-            </a:ln>
-            <a:effectLst>
-              <a:outerShdw blurRad="50800" dist="38100" dir="2700000" algn="tl" rotWithShape="0">
-                <a:prstClr val="black">
-                  <a:alpha val="40000"/>
-                </a:prstClr>
-              </a:outerShdw>
-            </a:effectLst>
-          </p:spPr>
-          <p:style>
-            <a:lnRef idx="2">
-              <a:schemeClr val="accent1">
-                <a:shade val="15000"/>
-              </a:schemeClr>
-            </a:lnRef>
-            <a:fillRef idx="1">
-              <a:schemeClr val="accent1"/>
-            </a:fillRef>
-            <a:effectRef idx="0">
-              <a:schemeClr val="accent1"/>
-            </a:effectRef>
-            <a:fontRef idx="minor">
-              <a:schemeClr val="lt1"/>
-            </a:fontRef>
-          </p:style>
-          <p:txBody>
-            <a:bodyPr lIns="36000" tIns="36000" rIns="36000" bIns="36000" rtlCol="0" anchor="ctr"/>
-            <a:lstStyle/>
-            <a:p>
-              <a:pPr algn="ctr"/>
-              <a:r>
-                <a:rPr lang="en-US" altLang="ja-JP" sz="800"/>
-                <a:t>Domain</a:t>
-              </a:r>
-              <a:r>
-                <a:rPr lang="ja-JP" altLang="en-US" sz="800"/>
-                <a:t>＠</a:t>
-              </a:r>
-              <a:r>
-                <a:rPr kumimoji="1" lang="en-US" altLang="ja-JP" sz="800"/>
-                <a:t>Set-Cookie</a:t>
-              </a:r>
-            </a:p>
-            <a:p>
-              <a:pPr algn="ctr"/>
-              <a:r>
-                <a:rPr lang="en-US" altLang="ja-JP" sz="800"/>
-                <a:t>you.example</a:t>
-              </a:r>
-              <a:endParaRPr kumimoji="1" lang="ja-JP" altLang="en-US" sz="800"/>
-            </a:p>
-          </p:txBody>
-        </p:sp>
-        <p:sp>
-          <p:nvSpPr>
-            <p:cNvPr id="196" name="二等辺三角形 195">
-              <a:extLst>
-                <a:ext uri="{FF2B5EF4-FFF2-40B4-BE49-F238E27FC236}">
-                  <a16:creationId xmlns:a16="http://schemas.microsoft.com/office/drawing/2014/main" id="{07791E7A-8040-4E08-9743-D64E483A4615}"/>
-                </a:ext>
-              </a:extLst>
-            </p:cNvPr>
-            <p:cNvSpPr/>
-            <p:nvPr/>
-          </p:nvSpPr>
-          <p:spPr>
-            <a:xfrm rot="5400000">
-              <a:off x="5022942" y="5959674"/>
-              <a:ext cx="80049" cy="207244"/>
-            </a:xfrm>
-            <a:prstGeom prst="triangle">
-              <a:avLst/>
-            </a:prstGeom>
-            <a:grpFill/>
-            <a:ln w="3175">
-              <a:solidFill>
-                <a:schemeClr val="tx1"/>
-              </a:solidFill>
-            </a:ln>
-            <a:effectLst>
-              <a:outerShdw blurRad="50800" dist="38100" dir="2700000" algn="tl" rotWithShape="0">
-                <a:prstClr val="black">
-                  <a:alpha val="40000"/>
-                </a:prstClr>
-              </a:outerShdw>
-            </a:effectLst>
-          </p:spPr>
-          <p:style>
-            <a:lnRef idx="2">
-              <a:schemeClr val="accent1">
-                <a:shade val="15000"/>
-              </a:schemeClr>
-            </a:lnRef>
-            <a:fillRef idx="1">
-              <a:schemeClr val="accent1"/>
-            </a:fillRef>
-            <a:effectRef idx="0">
-              <a:schemeClr val="accent1"/>
-            </a:effectRef>
-            <a:fontRef idx="minor">
-              <a:schemeClr val="lt1"/>
-            </a:fontRef>
-          </p:style>
-          <p:txBody>
-            <a:bodyPr rtlCol="0" anchor="ctr"/>
-            <a:lstStyle/>
-            <a:p>
-              <a:pPr algn="ctr"/>
-              <a:endParaRPr kumimoji="1" lang="ja-JP" altLang="en-US"/>
-            </a:p>
-          </p:txBody>
-        </p:sp>
-        <p:sp>
-          <p:nvSpPr>
-            <p:cNvPr id="197" name="正方形/長方形 196">
-              <a:extLst>
-                <a:ext uri="{FF2B5EF4-FFF2-40B4-BE49-F238E27FC236}">
-                  <a16:creationId xmlns:a16="http://schemas.microsoft.com/office/drawing/2014/main" id="{3D7666E2-E0F3-67CB-5B00-0DDB0870C2EC}"/>
-                </a:ext>
-              </a:extLst>
-            </p:cNvPr>
-            <p:cNvSpPr/>
-            <p:nvPr/>
-          </p:nvSpPr>
-          <p:spPr>
-            <a:xfrm>
-              <a:off x="4887676" y="6036626"/>
-              <a:ext cx="77844" cy="69274"/>
-            </a:xfrm>
-            <a:prstGeom prst="rect">
-              <a:avLst/>
-            </a:prstGeom>
-            <a:grpFill/>
             <a:ln>
               <a:noFill/>
             </a:ln>
@@ -27819,112 +25418,6 @@
           </a:effectLst>
         </p:spPr>
       </p:pic>
-      <p:pic>
-        <p:nvPicPr>
-          <p:cNvPr id="203" name="図 202" descr="屋内, 写真, 座る, 手 が含まれている画像&#10;&#10;自動的に生成された説明">
-            <a:extLst>
-              <a:ext uri="{FF2B5EF4-FFF2-40B4-BE49-F238E27FC236}">
-                <a16:creationId xmlns:a16="http://schemas.microsoft.com/office/drawing/2014/main" id="{63922720-16E7-4CBF-1BB6-2A01627D878F}"/>
-              </a:ext>
-            </a:extLst>
-          </p:cNvPr>
-          <p:cNvPicPr>
-            <a:picLocks noChangeAspect="1"/>
-          </p:cNvPicPr>
-          <p:nvPr/>
-        </p:nvPicPr>
-        <p:blipFill>
-          <a:blip r:embed="rId2" cstate="print">
-            <a:extLst>
-              <a:ext uri="{28A0092B-C50C-407E-A947-70E740481C1C}">
-                <a14:useLocalDpi xmlns:a14="http://schemas.microsoft.com/office/drawing/2010/main" val="0"/>
-              </a:ext>
-            </a:extLst>
-          </a:blip>
-          <a:stretch>
-            <a:fillRect/>
-          </a:stretch>
-        </p:blipFill>
-        <p:spPr>
-          <a:xfrm>
-            <a:off x="11538584" y="5914856"/>
-            <a:ext cx="275466" cy="275466"/>
-          </a:xfrm>
-          <a:prstGeom prst="rect">
-            <a:avLst/>
-          </a:prstGeom>
-          <a:effectLst>
-            <a:outerShdw blurRad="50800" dist="38100" dir="2700000" algn="tl" rotWithShape="0">
-              <a:prstClr val="black">
-                <a:alpha val="40000"/>
-              </a:prstClr>
-            </a:outerShdw>
-          </a:effectLst>
-        </p:spPr>
-      </p:pic>
-      <p:sp>
-        <p:nvSpPr>
-          <p:cNvPr id="204" name="乗算記号 203">
-            <a:extLst>
-              <a:ext uri="{FF2B5EF4-FFF2-40B4-BE49-F238E27FC236}">
-                <a16:creationId xmlns:a16="http://schemas.microsoft.com/office/drawing/2014/main" id="{34794580-AA29-1F50-70D2-76A398EB4C68}"/>
-              </a:ext>
-            </a:extLst>
-          </p:cNvPr>
-          <p:cNvSpPr/>
-          <p:nvPr/>
-        </p:nvSpPr>
-        <p:spPr>
-          <a:xfrm>
-            <a:off x="11483563" y="5342404"/>
-            <a:ext cx="399156" cy="399156"/>
-          </a:xfrm>
-          <a:prstGeom prst="mathMultiply">
-            <a:avLst>
-              <a:gd name="adj1" fmla="val 12829"/>
-            </a:avLst>
-          </a:prstGeom>
-          <a:solidFill>
-            <a:srgbClr val="FF0000"/>
-          </a:solidFill>
-          <a:ln>
-            <a:solidFill>
-              <a:srgbClr val="FF0000"/>
-            </a:solidFill>
-          </a:ln>
-          <a:effectLst>
-            <a:outerShdw blurRad="50800" dist="38100" dir="2700000" algn="tl" rotWithShape="0">
-              <a:prstClr val="black">
-                <a:alpha val="40000"/>
-              </a:prstClr>
-            </a:outerShdw>
-          </a:effectLst>
-        </p:spPr>
-        <p:style>
-          <a:lnRef idx="2">
-            <a:schemeClr val="accent1">
-              <a:shade val="15000"/>
-            </a:schemeClr>
-          </a:lnRef>
-          <a:fillRef idx="1">
-            <a:schemeClr val="accent1"/>
-          </a:fillRef>
-          <a:effectRef idx="0">
-            <a:schemeClr val="accent1"/>
-          </a:effectRef>
-          <a:fontRef idx="minor">
-            <a:schemeClr val="lt1"/>
-          </a:fontRef>
-        </p:style>
-        <p:txBody>
-          <a:bodyPr rtlCol="0" anchor="ctr"/>
-          <a:lstStyle/>
-          <a:p>
-            <a:pPr algn="ctr"/>
-            <a:endParaRPr kumimoji="1" lang="ja-JP" altLang="en-US"/>
-          </a:p>
-        </p:txBody>
-      </p:sp>
       <p:pic>
         <p:nvPicPr>
           <p:cNvPr id="205" name="図 204" descr="屋内, 写真, 座る, 手 が含まれている画像&#10;&#10;自動的に生成された説明">
@@ -28412,47 +25905,6 @@
           </a:p>
         </p:txBody>
       </p:sp>
-      <p:sp>
-        <p:nvSpPr>
-          <p:cNvPr id="20" name="テキスト ボックス 19">
-            <a:extLst>
-              <a:ext uri="{FF2B5EF4-FFF2-40B4-BE49-F238E27FC236}">
-                <a16:creationId xmlns:a16="http://schemas.microsoft.com/office/drawing/2014/main" id="{B90A7E8C-2C81-D942-44E6-825E39895DD2}"/>
-              </a:ext>
-            </a:extLst>
-          </p:cNvPr>
-          <p:cNvSpPr txBox="1"/>
-          <p:nvPr/>
-        </p:nvSpPr>
-        <p:spPr>
-          <a:xfrm>
-            <a:off x="10487552" y="5388966"/>
-            <a:ext cx="444352" cy="276999"/>
-          </a:xfrm>
-          <a:prstGeom prst="rect">
-            <a:avLst/>
-          </a:prstGeom>
-          <a:noFill/>
-        </p:spPr>
-        <p:txBody>
-          <a:bodyPr wrap="none" rtlCol="0" anchor="ctr">
-            <a:spAutoFit/>
-          </a:bodyPr>
-          <a:lstStyle/>
-          <a:p>
-            <a:pPr algn="ctr"/>
-            <a:r>
-              <a:rPr lang="en-US" altLang="ja-JP" sz="1200"/>
-              <a:t>2</a:t>
-            </a:r>
-            <a:r>
-              <a:rPr kumimoji="1" lang="en-US" altLang="ja-JP" sz="1200"/>
-              <a:t>-4</a:t>
-            </a:r>
-            <a:endParaRPr kumimoji="1" lang="ja-JP" altLang="en-US" sz="1200"/>
-          </a:p>
-        </p:txBody>
-      </p:sp>
     </p:spTree>
     <p:extLst>
       <p:ext uri="{BB962C8B-B14F-4D97-AF65-F5344CB8AC3E}">
@@ -35135,232 +32587,144 @@
           </a:p>
         </p:txBody>
       </p:sp>
-      <p:grpSp>
-        <p:nvGrpSpPr>
-          <p:cNvPr id="137" name="グループ化 136">
+      <p:sp>
+        <p:nvSpPr>
+          <p:cNvPr id="138" name="正方形/長方形 137">
             <a:extLst>
               <a:ext uri="{FF2B5EF4-FFF2-40B4-BE49-F238E27FC236}">
-                <a16:creationId xmlns:a16="http://schemas.microsoft.com/office/drawing/2014/main" id="{39EBC26E-3F27-0A79-5AF5-934914D73559}"/>
+                <a16:creationId xmlns:a16="http://schemas.microsoft.com/office/drawing/2014/main" id="{4C1BB788-9357-60C7-558C-355EEEFC25B1}"/>
               </a:ext>
             </a:extLst>
           </p:cNvPr>
-          <p:cNvGrpSpPr/>
+          <p:cNvSpPr/>
           <p:nvPr/>
-        </p:nvGrpSpPr>
-        <p:grpSpPr>
+        </p:nvSpPr>
+        <p:spPr>
           <a:xfrm>
             <a:off x="3830201" y="2519133"/>
-            <a:ext cx="1026161" cy="1837250"/>
-            <a:chOff x="2762660" y="2311020"/>
-            <a:chExt cx="1150114" cy="1837250"/>
+            <a:ext cx="1026161" cy="489646"/>
           </a:xfrm>
-        </p:grpSpPr>
-        <p:sp>
-          <p:nvSpPr>
-            <p:cNvPr id="138" name="正方形/長方形 137">
-              <a:extLst>
-                <a:ext uri="{FF2B5EF4-FFF2-40B4-BE49-F238E27FC236}">
-                  <a16:creationId xmlns:a16="http://schemas.microsoft.com/office/drawing/2014/main" id="{4C1BB788-9357-60C7-558C-355EEEFC25B1}"/>
-                </a:ext>
-              </a:extLst>
-            </p:cNvPr>
-            <p:cNvSpPr/>
-            <p:nvPr/>
-          </p:nvSpPr>
-          <p:spPr>
-            <a:xfrm>
-              <a:off x="2762660" y="2311020"/>
-              <a:ext cx="1150114" cy="489646"/>
-            </a:xfrm>
-            <a:prstGeom prst="rect">
-              <a:avLst/>
-            </a:prstGeom>
-            <a:solidFill>
-              <a:srgbClr val="0070C0"/>
-            </a:solidFill>
-            <a:ln w="3175">
-              <a:solidFill>
-                <a:schemeClr val="tx1"/>
-              </a:solidFill>
-            </a:ln>
-            <a:effectLst>
-              <a:outerShdw blurRad="50800" dist="38100" dir="2700000" algn="tl" rotWithShape="0">
-                <a:prstClr val="black">
-                  <a:alpha val="40000"/>
-                </a:prstClr>
-              </a:outerShdw>
-            </a:effectLst>
-          </p:spPr>
-          <p:style>
-            <a:lnRef idx="2">
-              <a:schemeClr val="accent1">
-                <a:shade val="15000"/>
-              </a:schemeClr>
-            </a:lnRef>
-            <a:fillRef idx="1">
-              <a:schemeClr val="accent1"/>
-            </a:fillRef>
-            <a:effectRef idx="0">
-              <a:schemeClr val="accent1"/>
-            </a:effectRef>
-            <a:fontRef idx="minor">
-              <a:schemeClr val="lt1"/>
-            </a:fontRef>
-          </p:style>
-          <p:txBody>
-            <a:bodyPr rtlCol="0" anchor="ctr"/>
-            <a:lstStyle/>
-            <a:p>
-              <a:pPr algn="ctr"/>
-              <a:r>
-                <a:rPr lang="en-US" altLang="ja-JP" sz="800">
-                  <a:solidFill>
-                    <a:srgbClr val="0070C0"/>
-                  </a:solidFill>
-                </a:rPr>
-                <a:t>sub.</a:t>
-              </a:r>
-              <a:r>
-                <a:rPr lang="en-US" altLang="ja-JP" sz="800"/>
-                <a:t>me.example</a:t>
-              </a:r>
-              <a:endParaRPr kumimoji="1" lang="ja-JP" altLang="en-US" sz="800"/>
-            </a:p>
-          </p:txBody>
-        </p:sp>
-        <p:sp>
-          <p:nvSpPr>
-            <p:cNvPr id="139" name="正方形/長方形 138">
-              <a:extLst>
-                <a:ext uri="{FF2B5EF4-FFF2-40B4-BE49-F238E27FC236}">
-                  <a16:creationId xmlns:a16="http://schemas.microsoft.com/office/drawing/2014/main" id="{2D44EFF0-F104-19DF-F4B0-B7F61F1B3695}"/>
-                </a:ext>
-              </a:extLst>
-            </p:cNvPr>
-            <p:cNvSpPr/>
-            <p:nvPr/>
-          </p:nvSpPr>
-          <p:spPr>
-            <a:xfrm>
-              <a:off x="2762660" y="2984822"/>
-              <a:ext cx="1150114" cy="489646"/>
-            </a:xfrm>
-            <a:prstGeom prst="rect">
-              <a:avLst/>
-            </a:prstGeom>
-            <a:solidFill>
-              <a:srgbClr val="0070C0"/>
-            </a:solidFill>
-            <a:ln w="3175">
-              <a:solidFill>
-                <a:schemeClr val="tx1"/>
-              </a:solidFill>
-            </a:ln>
-            <a:effectLst>
-              <a:outerShdw blurRad="50800" dist="38100" dir="2700000" algn="tl" rotWithShape="0">
-                <a:prstClr val="black">
-                  <a:alpha val="40000"/>
-                </a:prstClr>
-              </a:outerShdw>
-            </a:effectLst>
-          </p:spPr>
-          <p:style>
-            <a:lnRef idx="2">
-              <a:schemeClr val="accent1">
-                <a:shade val="15000"/>
-              </a:schemeClr>
-            </a:lnRef>
-            <a:fillRef idx="1">
-              <a:schemeClr val="accent1"/>
-            </a:fillRef>
-            <a:effectRef idx="0">
-              <a:schemeClr val="accent1"/>
-            </a:effectRef>
-            <a:fontRef idx="minor">
-              <a:schemeClr val="lt1"/>
-            </a:fontRef>
-          </p:style>
-          <p:txBody>
-            <a:bodyPr rtlCol="0" anchor="ctr"/>
-            <a:lstStyle/>
-            <a:p>
-              <a:pPr algn="ctr"/>
-              <a:r>
-                <a:rPr lang="en-US" altLang="ja-JP" sz="800"/>
-                <a:t>sub.me.example</a:t>
-              </a:r>
-              <a:endParaRPr kumimoji="1" lang="ja-JP" altLang="en-US" sz="800"/>
-            </a:p>
-          </p:txBody>
-        </p:sp>
-        <p:sp>
-          <p:nvSpPr>
-            <p:cNvPr id="140" name="正方形/長方形 139">
-              <a:extLst>
-                <a:ext uri="{FF2B5EF4-FFF2-40B4-BE49-F238E27FC236}">
-                  <a16:creationId xmlns:a16="http://schemas.microsoft.com/office/drawing/2014/main" id="{D308F489-FF36-1128-8238-D68DD1ABB2D8}"/>
-                </a:ext>
-              </a:extLst>
-            </p:cNvPr>
-            <p:cNvSpPr/>
-            <p:nvPr/>
-          </p:nvSpPr>
-          <p:spPr>
-            <a:xfrm>
-              <a:off x="2762660" y="3658624"/>
-              <a:ext cx="1150114" cy="489646"/>
-            </a:xfrm>
-            <a:prstGeom prst="rect">
-              <a:avLst/>
-            </a:prstGeom>
-            <a:solidFill>
-              <a:schemeClr val="accent6">
-                <a:lumMod val="75000"/>
-              </a:schemeClr>
-            </a:solidFill>
-            <a:ln w="3175">
-              <a:solidFill>
-                <a:schemeClr val="tx1"/>
-              </a:solidFill>
-            </a:ln>
-            <a:effectLst>
-              <a:outerShdw blurRad="50800" dist="38100" dir="2700000" algn="tl" rotWithShape="0">
-                <a:prstClr val="black">
-                  <a:alpha val="40000"/>
-                </a:prstClr>
-              </a:outerShdw>
-            </a:effectLst>
-          </p:spPr>
-          <p:style>
-            <a:lnRef idx="2">
-              <a:schemeClr val="accent1">
-                <a:shade val="15000"/>
-              </a:schemeClr>
-            </a:lnRef>
-            <a:fillRef idx="1">
-              <a:schemeClr val="accent1"/>
-            </a:fillRef>
-            <a:effectRef idx="0">
-              <a:schemeClr val="accent1"/>
-            </a:effectRef>
-            <a:fontRef idx="minor">
-              <a:schemeClr val="lt1"/>
-            </a:fontRef>
-          </p:style>
-          <p:txBody>
-            <a:bodyPr rtlCol="0" anchor="ctr"/>
-            <a:lstStyle/>
-            <a:p>
-              <a:pPr algn="ctr"/>
-              <a:r>
-                <a:rPr lang="en-US" altLang="ja-JP" sz="800"/>
-                <a:t>you.example</a:t>
-              </a:r>
-              <a:endParaRPr kumimoji="1" lang="ja-JP" altLang="en-US" sz="800"/>
-            </a:p>
-          </p:txBody>
-        </p:sp>
-      </p:grpSp>
+          <a:prstGeom prst="rect">
+            <a:avLst/>
+          </a:prstGeom>
+          <a:solidFill>
+            <a:srgbClr val="0070C0"/>
+          </a:solidFill>
+          <a:ln w="3175">
+            <a:solidFill>
+              <a:schemeClr val="tx1"/>
+            </a:solidFill>
+          </a:ln>
+          <a:effectLst>
+            <a:outerShdw blurRad="50800" dist="38100" dir="2700000" algn="tl" rotWithShape="0">
+              <a:prstClr val="black">
+                <a:alpha val="40000"/>
+              </a:prstClr>
+            </a:outerShdw>
+          </a:effectLst>
+        </p:spPr>
+        <p:style>
+          <a:lnRef idx="2">
+            <a:schemeClr val="accent1">
+              <a:shade val="15000"/>
+            </a:schemeClr>
+          </a:lnRef>
+          <a:fillRef idx="1">
+            <a:schemeClr val="accent1"/>
+          </a:fillRef>
+          <a:effectRef idx="0">
+            <a:schemeClr val="accent1"/>
+          </a:effectRef>
+          <a:fontRef idx="minor">
+            <a:schemeClr val="lt1"/>
+          </a:fontRef>
+        </p:style>
+        <p:txBody>
+          <a:bodyPr rtlCol="0" anchor="ctr"/>
+          <a:lstStyle/>
+          <a:p>
+            <a:pPr algn="ctr"/>
+            <a:r>
+              <a:rPr lang="en-US" altLang="ja-JP" sz="800">
+                <a:solidFill>
+                  <a:srgbClr val="0070C0"/>
+                </a:solidFill>
+              </a:rPr>
+              <a:t>sub.</a:t>
+            </a:r>
+            <a:r>
+              <a:rPr lang="en-US" altLang="ja-JP" sz="800"/>
+              <a:t>me.example</a:t>
+            </a:r>
+            <a:endParaRPr kumimoji="1" lang="ja-JP" altLang="en-US" sz="800"/>
+          </a:p>
+        </p:txBody>
+      </p:sp>
+      <p:sp>
+        <p:nvSpPr>
+          <p:cNvPr id="139" name="正方形/長方形 138">
+            <a:extLst>
+              <a:ext uri="{FF2B5EF4-FFF2-40B4-BE49-F238E27FC236}">
+                <a16:creationId xmlns:a16="http://schemas.microsoft.com/office/drawing/2014/main" id="{2D44EFF0-F104-19DF-F4B0-B7F61F1B3695}"/>
+              </a:ext>
+            </a:extLst>
+          </p:cNvPr>
+          <p:cNvSpPr/>
+          <p:nvPr/>
+        </p:nvSpPr>
+        <p:spPr>
+          <a:xfrm>
+            <a:off x="3830201" y="3192935"/>
+            <a:ext cx="1026161" cy="489646"/>
+          </a:xfrm>
+          <a:prstGeom prst="rect">
+            <a:avLst/>
+          </a:prstGeom>
+          <a:solidFill>
+            <a:srgbClr val="0070C0"/>
+          </a:solidFill>
+          <a:ln w="3175">
+            <a:solidFill>
+              <a:schemeClr val="tx1"/>
+            </a:solidFill>
+          </a:ln>
+          <a:effectLst>
+            <a:outerShdw blurRad="50800" dist="38100" dir="2700000" algn="tl" rotWithShape="0">
+              <a:prstClr val="black">
+                <a:alpha val="40000"/>
+              </a:prstClr>
+            </a:outerShdw>
+          </a:effectLst>
+        </p:spPr>
+        <p:style>
+          <a:lnRef idx="2">
+            <a:schemeClr val="accent1">
+              <a:shade val="15000"/>
+            </a:schemeClr>
+          </a:lnRef>
+          <a:fillRef idx="1">
+            <a:schemeClr val="accent1"/>
+          </a:fillRef>
+          <a:effectRef idx="0">
+            <a:schemeClr val="accent1"/>
+          </a:effectRef>
+          <a:fontRef idx="minor">
+            <a:schemeClr val="lt1"/>
+          </a:fontRef>
+        </p:style>
+        <p:txBody>
+          <a:bodyPr rtlCol="0" anchor="ctr"/>
+          <a:lstStyle/>
+          <a:p>
+            <a:pPr algn="ctr"/>
+            <a:r>
+              <a:rPr lang="en-US" altLang="ja-JP" sz="800"/>
+              <a:t>sub.me.example</a:t>
+            </a:r>
+            <a:endParaRPr kumimoji="1" lang="ja-JP" altLang="en-US" sz="800"/>
+          </a:p>
+        </p:txBody>
+      </p:sp>
       <p:sp>
         <p:nvSpPr>
           <p:cNvPr id="141" name="スマイル 140">
@@ -35477,22 +32841,22 @@
       </p:cxnSp>
       <p:cxnSp>
         <p:nvCxnSpPr>
-          <p:cNvPr id="143" name="直線矢印コネクタ 142">
+          <p:cNvPr id="145" name="直線矢印コネクタ 144">
             <a:extLst>
               <a:ext uri="{FF2B5EF4-FFF2-40B4-BE49-F238E27FC236}">
-                <a16:creationId xmlns:a16="http://schemas.microsoft.com/office/drawing/2014/main" id="{3E6928C7-F637-719A-8B2B-A6AB5DB2D3D0}"/>
+                <a16:creationId xmlns:a16="http://schemas.microsoft.com/office/drawing/2014/main" id="{92E1BD8E-5714-8296-BB40-37AE69F1E81E}"/>
               </a:ext>
             </a:extLst>
           </p:cNvPr>
           <p:cNvCxnSpPr>
             <a:cxnSpLocks/>
-            <a:endCxn id="140" idx="3"/>
+            <a:endCxn id="139" idx="3"/>
           </p:cNvCxnSpPr>
           <p:nvPr/>
         </p:nvCxnSpPr>
         <p:spPr>
           <a:xfrm flipH="1">
-            <a:off x="4856362" y="4111560"/>
+            <a:off x="4856362" y="3437758"/>
             <a:ext cx="462788" cy="0"/>
           </a:xfrm>
           <a:prstGeom prst="straightConnector1">
@@ -35527,34 +32891,33 @@
           </a:fontRef>
         </p:style>
       </p:cxnSp>
-      <p:cxnSp>
-        <p:nvCxnSpPr>
-          <p:cNvPr id="145" name="直線矢印コネクタ 144">
+      <p:sp>
+        <p:nvSpPr>
+          <p:cNvPr id="148" name="正方形/長方形 147">
             <a:extLst>
               <a:ext uri="{FF2B5EF4-FFF2-40B4-BE49-F238E27FC236}">
-                <a16:creationId xmlns:a16="http://schemas.microsoft.com/office/drawing/2014/main" id="{92E1BD8E-5714-8296-BB40-37AE69F1E81E}"/>
+                <a16:creationId xmlns:a16="http://schemas.microsoft.com/office/drawing/2014/main" id="{CF596EC6-3E11-430F-96C0-BC14365CD888}"/>
               </a:ext>
             </a:extLst>
           </p:cNvPr>
-          <p:cNvCxnSpPr>
-            <a:cxnSpLocks/>
-            <a:endCxn id="139" idx="3"/>
-          </p:cNvCxnSpPr>
+          <p:cNvSpPr/>
           <p:nvPr/>
-        </p:nvCxnSpPr>
+        </p:nvSpPr>
         <p:spPr>
-          <a:xfrm flipH="1">
-            <a:off x="4856362" y="3437758"/>
-            <a:ext cx="462788" cy="0"/>
+          <a:xfrm>
+            <a:off x="5951289" y="2519133"/>
+            <a:ext cx="1026161" cy="489646"/>
           </a:xfrm>
-          <a:prstGeom prst="straightConnector1">
+          <a:prstGeom prst="rect">
             <a:avLst/>
           </a:prstGeom>
-          <a:ln w="12700">
+          <a:solidFill>
+            <a:srgbClr val="0070C0"/>
+          </a:solidFill>
+          <a:ln w="3175">
             <a:solidFill>
               <a:schemeClr val="tx1"/>
             </a:solidFill>
-            <a:tailEnd type="triangle"/>
           </a:ln>
           <a:effectLst>
             <a:outerShdw blurRad="50800" dist="38100" dir="2700000" algn="tl" rotWithShape="0">
@@ -35565,246 +32928,107 @@
           </a:effectLst>
         </p:spPr>
         <p:style>
-          <a:lnRef idx="1">
-            <a:schemeClr val="accent1"/>
+          <a:lnRef idx="2">
+            <a:schemeClr val="accent1">
+              <a:shade val="15000"/>
+            </a:schemeClr>
           </a:lnRef>
-          <a:fillRef idx="0">
+          <a:fillRef idx="1">
             <a:schemeClr val="accent1"/>
           </a:fillRef>
           <a:effectRef idx="0">
             <a:schemeClr val="accent1"/>
           </a:effectRef>
           <a:fontRef idx="minor">
-            <a:schemeClr val="tx1"/>
+            <a:schemeClr val="lt1"/>
           </a:fontRef>
         </p:style>
-      </p:cxnSp>
-      <p:grpSp>
-        <p:nvGrpSpPr>
-          <p:cNvPr id="146" name="グループ化 145">
+        <p:txBody>
+          <a:bodyPr rtlCol="0" anchor="ctr"/>
+          <a:lstStyle/>
+          <a:p>
+            <a:pPr algn="ctr"/>
+            <a:r>
+              <a:rPr lang="en-US" altLang="ja-JP" sz="800">
+                <a:solidFill>
+                  <a:srgbClr val="0070C0"/>
+                </a:solidFill>
+              </a:rPr>
+              <a:t>sub.</a:t>
+            </a:r>
+            <a:r>
+              <a:rPr lang="en-US" altLang="ja-JP" sz="800"/>
+              <a:t>me.example</a:t>
+            </a:r>
+            <a:endParaRPr kumimoji="1" lang="ja-JP" altLang="en-US" sz="800"/>
+          </a:p>
+        </p:txBody>
+      </p:sp>
+      <p:sp>
+        <p:nvSpPr>
+          <p:cNvPr id="149" name="正方形/長方形 148">
             <a:extLst>
               <a:ext uri="{FF2B5EF4-FFF2-40B4-BE49-F238E27FC236}">
-                <a16:creationId xmlns:a16="http://schemas.microsoft.com/office/drawing/2014/main" id="{6334EB3D-F34C-360C-E05C-ADE6EEC64308}"/>
+                <a16:creationId xmlns:a16="http://schemas.microsoft.com/office/drawing/2014/main" id="{2C79EF11-3B0E-0CC1-2698-3A69CBF35171}"/>
               </a:ext>
             </a:extLst>
           </p:cNvPr>
-          <p:cNvGrpSpPr/>
+          <p:cNvSpPr/>
           <p:nvPr/>
-        </p:nvGrpSpPr>
-        <p:grpSpPr>
+        </p:nvSpPr>
+        <p:spPr>
           <a:xfrm>
-            <a:off x="5951289" y="2519133"/>
-            <a:ext cx="1026161" cy="1837250"/>
-            <a:chOff x="2762660" y="2311020"/>
-            <a:chExt cx="1150114" cy="1837250"/>
+            <a:off x="5951289" y="3192935"/>
+            <a:ext cx="1026161" cy="489646"/>
           </a:xfrm>
-        </p:grpSpPr>
-        <p:sp>
-          <p:nvSpPr>
-            <p:cNvPr id="148" name="正方形/長方形 147">
-              <a:extLst>
-                <a:ext uri="{FF2B5EF4-FFF2-40B4-BE49-F238E27FC236}">
-                  <a16:creationId xmlns:a16="http://schemas.microsoft.com/office/drawing/2014/main" id="{CF596EC6-3E11-430F-96C0-BC14365CD888}"/>
-                </a:ext>
-              </a:extLst>
-            </p:cNvPr>
-            <p:cNvSpPr/>
-            <p:nvPr/>
-          </p:nvSpPr>
-          <p:spPr>
-            <a:xfrm>
-              <a:off x="2762660" y="2311020"/>
-              <a:ext cx="1150114" cy="489646"/>
-            </a:xfrm>
-            <a:prstGeom prst="rect">
-              <a:avLst/>
-            </a:prstGeom>
-            <a:solidFill>
-              <a:srgbClr val="0070C0"/>
-            </a:solidFill>
-            <a:ln w="3175">
-              <a:solidFill>
-                <a:schemeClr val="tx1"/>
-              </a:solidFill>
-            </a:ln>
-            <a:effectLst>
-              <a:outerShdw blurRad="50800" dist="38100" dir="2700000" algn="tl" rotWithShape="0">
-                <a:prstClr val="black">
-                  <a:alpha val="40000"/>
-                </a:prstClr>
-              </a:outerShdw>
-            </a:effectLst>
-          </p:spPr>
-          <p:style>
-            <a:lnRef idx="2">
-              <a:schemeClr val="accent1">
-                <a:shade val="15000"/>
-              </a:schemeClr>
-            </a:lnRef>
-            <a:fillRef idx="1">
-              <a:schemeClr val="accent1"/>
-            </a:fillRef>
-            <a:effectRef idx="0">
-              <a:schemeClr val="accent1"/>
-            </a:effectRef>
-            <a:fontRef idx="minor">
-              <a:schemeClr val="lt1"/>
-            </a:fontRef>
-          </p:style>
-          <p:txBody>
-            <a:bodyPr rtlCol="0" anchor="ctr"/>
-            <a:lstStyle/>
-            <a:p>
-              <a:pPr algn="ctr"/>
-              <a:r>
-                <a:rPr lang="en-US" altLang="ja-JP" sz="800">
-                  <a:solidFill>
-                    <a:srgbClr val="0070C0"/>
-                  </a:solidFill>
-                </a:rPr>
-                <a:t>sub.</a:t>
-              </a:r>
-              <a:r>
-                <a:rPr lang="en-US" altLang="ja-JP" sz="800"/>
-                <a:t>me.example</a:t>
-              </a:r>
-              <a:endParaRPr kumimoji="1" lang="ja-JP" altLang="en-US" sz="800"/>
-            </a:p>
-          </p:txBody>
-        </p:sp>
-        <p:sp>
-          <p:nvSpPr>
-            <p:cNvPr id="149" name="正方形/長方形 148">
-              <a:extLst>
-                <a:ext uri="{FF2B5EF4-FFF2-40B4-BE49-F238E27FC236}">
-                  <a16:creationId xmlns:a16="http://schemas.microsoft.com/office/drawing/2014/main" id="{2C79EF11-3B0E-0CC1-2698-3A69CBF35171}"/>
-                </a:ext>
-              </a:extLst>
-            </p:cNvPr>
-            <p:cNvSpPr/>
-            <p:nvPr/>
-          </p:nvSpPr>
-          <p:spPr>
-            <a:xfrm>
-              <a:off x="2762660" y="2984822"/>
-              <a:ext cx="1150114" cy="489646"/>
-            </a:xfrm>
-            <a:prstGeom prst="rect">
-              <a:avLst/>
-            </a:prstGeom>
-            <a:solidFill>
-              <a:srgbClr val="0070C0"/>
-            </a:solidFill>
-            <a:ln w="3175">
-              <a:solidFill>
-                <a:schemeClr val="tx1"/>
-              </a:solidFill>
-            </a:ln>
-            <a:effectLst>
-              <a:outerShdw blurRad="50800" dist="38100" dir="2700000" algn="tl" rotWithShape="0">
-                <a:prstClr val="black">
-                  <a:alpha val="40000"/>
-                </a:prstClr>
-              </a:outerShdw>
-            </a:effectLst>
-          </p:spPr>
-          <p:style>
-            <a:lnRef idx="2">
-              <a:schemeClr val="accent1">
-                <a:shade val="15000"/>
-              </a:schemeClr>
-            </a:lnRef>
-            <a:fillRef idx="1">
-              <a:schemeClr val="accent1"/>
-            </a:fillRef>
-            <a:effectRef idx="0">
-              <a:schemeClr val="accent1"/>
-            </a:effectRef>
-            <a:fontRef idx="minor">
-              <a:schemeClr val="lt1"/>
-            </a:fontRef>
-          </p:style>
-          <p:txBody>
-            <a:bodyPr rtlCol="0" anchor="ctr"/>
-            <a:lstStyle/>
-            <a:p>
-              <a:pPr algn="ctr"/>
-              <a:r>
-                <a:rPr lang="en-US" altLang="ja-JP" sz="800"/>
-                <a:t>sub.me.example</a:t>
-              </a:r>
-              <a:endParaRPr kumimoji="1" lang="ja-JP" altLang="en-US" sz="800"/>
-            </a:p>
-          </p:txBody>
-        </p:sp>
-        <p:sp>
-          <p:nvSpPr>
-            <p:cNvPr id="151" name="正方形/長方形 150">
-              <a:extLst>
-                <a:ext uri="{FF2B5EF4-FFF2-40B4-BE49-F238E27FC236}">
-                  <a16:creationId xmlns:a16="http://schemas.microsoft.com/office/drawing/2014/main" id="{AB99DFE6-91B6-1830-FAB9-C4B59768B26F}"/>
-                </a:ext>
-              </a:extLst>
-            </p:cNvPr>
-            <p:cNvSpPr/>
-            <p:nvPr/>
-          </p:nvSpPr>
-          <p:spPr>
-            <a:xfrm>
-              <a:off x="2762660" y="3658624"/>
-              <a:ext cx="1150114" cy="489646"/>
-            </a:xfrm>
-            <a:prstGeom prst="rect">
-              <a:avLst/>
-            </a:prstGeom>
-            <a:solidFill>
-              <a:schemeClr val="accent6">
-                <a:lumMod val="75000"/>
-              </a:schemeClr>
-            </a:solidFill>
-            <a:ln w="3175">
-              <a:solidFill>
-                <a:schemeClr val="tx1"/>
-              </a:solidFill>
-            </a:ln>
-            <a:effectLst>
-              <a:outerShdw blurRad="50800" dist="38100" dir="2700000" algn="tl" rotWithShape="0">
-                <a:prstClr val="black">
-                  <a:alpha val="40000"/>
-                </a:prstClr>
-              </a:outerShdw>
-            </a:effectLst>
-          </p:spPr>
-          <p:style>
-            <a:lnRef idx="2">
-              <a:schemeClr val="accent1">
-                <a:shade val="15000"/>
-              </a:schemeClr>
-            </a:lnRef>
-            <a:fillRef idx="1">
-              <a:schemeClr val="accent1"/>
-            </a:fillRef>
-            <a:effectRef idx="0">
-              <a:schemeClr val="accent1"/>
-            </a:effectRef>
-            <a:fontRef idx="minor">
-              <a:schemeClr val="lt1"/>
-            </a:fontRef>
-          </p:style>
-          <p:txBody>
-            <a:bodyPr rtlCol="0" anchor="ctr"/>
-            <a:lstStyle/>
-            <a:p>
-              <a:pPr algn="ctr"/>
-              <a:r>
-                <a:rPr lang="en-US" altLang="ja-JP" sz="800"/>
-                <a:t>you.example</a:t>
-              </a:r>
-              <a:endParaRPr kumimoji="1" lang="ja-JP" altLang="en-US" sz="800"/>
-            </a:p>
-          </p:txBody>
-        </p:sp>
-      </p:grpSp>
+          <a:prstGeom prst="rect">
+            <a:avLst/>
+          </a:prstGeom>
+          <a:solidFill>
+            <a:srgbClr val="0070C0"/>
+          </a:solidFill>
+          <a:ln w="3175">
+            <a:solidFill>
+              <a:schemeClr val="tx1"/>
+            </a:solidFill>
+          </a:ln>
+          <a:effectLst>
+            <a:outerShdw blurRad="50800" dist="38100" dir="2700000" algn="tl" rotWithShape="0">
+              <a:prstClr val="black">
+                <a:alpha val="40000"/>
+              </a:prstClr>
+            </a:outerShdw>
+          </a:effectLst>
+        </p:spPr>
+        <p:style>
+          <a:lnRef idx="2">
+            <a:schemeClr val="accent1">
+              <a:shade val="15000"/>
+            </a:schemeClr>
+          </a:lnRef>
+          <a:fillRef idx="1">
+            <a:schemeClr val="accent1"/>
+          </a:fillRef>
+          <a:effectRef idx="0">
+            <a:schemeClr val="accent1"/>
+          </a:effectRef>
+          <a:fontRef idx="minor">
+            <a:schemeClr val="lt1"/>
+          </a:fontRef>
+        </p:style>
+        <p:txBody>
+          <a:bodyPr rtlCol="0" anchor="ctr"/>
+          <a:lstStyle/>
+          <a:p>
+            <a:pPr algn="ctr"/>
+            <a:r>
+              <a:rPr lang="en-US" altLang="ja-JP" sz="800"/>
+              <a:t>sub.me.example</a:t>
+            </a:r>
+            <a:endParaRPr kumimoji="1" lang="ja-JP" altLang="en-US" sz="800"/>
+          </a:p>
+        </p:txBody>
+      </p:sp>
       <p:sp>
         <p:nvSpPr>
           <p:cNvPr id="152" name="スマイル 151">
@@ -35921,22 +33145,22 @@
       </p:cxnSp>
       <p:cxnSp>
         <p:nvCxnSpPr>
-          <p:cNvPr id="155" name="直線矢印コネクタ 154">
+          <p:cNvPr id="156" name="直線矢印コネクタ 155">
             <a:extLst>
               <a:ext uri="{FF2B5EF4-FFF2-40B4-BE49-F238E27FC236}">
-                <a16:creationId xmlns:a16="http://schemas.microsoft.com/office/drawing/2014/main" id="{58DCCBEC-082F-6E86-8CD5-76BF68FC764B}"/>
+                <a16:creationId xmlns:a16="http://schemas.microsoft.com/office/drawing/2014/main" id="{DDBCD6E7-FE86-0064-830A-87946C703562}"/>
               </a:ext>
             </a:extLst>
           </p:cNvPr>
           <p:cNvCxnSpPr>
             <a:cxnSpLocks/>
-            <a:endCxn id="151" idx="3"/>
+            <a:endCxn id="149" idx="3"/>
           </p:cNvCxnSpPr>
           <p:nvPr/>
         </p:nvCxnSpPr>
         <p:spPr>
           <a:xfrm flipH="1">
-            <a:off x="6977450" y="4111560"/>
+            <a:off x="6977450" y="3437758"/>
             <a:ext cx="462788" cy="0"/>
           </a:xfrm>
           <a:prstGeom prst="straightConnector1">
@@ -35971,34 +33195,33 @@
           </a:fontRef>
         </p:style>
       </p:cxnSp>
-      <p:cxnSp>
-        <p:nvCxnSpPr>
-          <p:cNvPr id="156" name="直線矢印コネクタ 155">
+      <p:sp>
+        <p:nvSpPr>
+          <p:cNvPr id="160" name="正方形/長方形 159">
             <a:extLst>
               <a:ext uri="{FF2B5EF4-FFF2-40B4-BE49-F238E27FC236}">
-                <a16:creationId xmlns:a16="http://schemas.microsoft.com/office/drawing/2014/main" id="{DDBCD6E7-FE86-0064-830A-87946C703562}"/>
+                <a16:creationId xmlns:a16="http://schemas.microsoft.com/office/drawing/2014/main" id="{EA9F9024-F373-E926-7F1B-EB93A0F2DF4F}"/>
               </a:ext>
             </a:extLst>
           </p:cNvPr>
-          <p:cNvCxnSpPr>
-            <a:cxnSpLocks/>
-            <a:endCxn id="149" idx="3"/>
-          </p:cNvCxnSpPr>
+          <p:cNvSpPr/>
           <p:nvPr/>
-        </p:nvCxnSpPr>
+        </p:nvSpPr>
         <p:spPr>
-          <a:xfrm flipH="1">
-            <a:off x="6977450" y="3437758"/>
-            <a:ext cx="462788" cy="0"/>
+          <a:xfrm>
+            <a:off x="8072377" y="2524649"/>
+            <a:ext cx="1026161" cy="489646"/>
           </a:xfrm>
-          <a:prstGeom prst="straightConnector1">
+          <a:prstGeom prst="rect">
             <a:avLst/>
           </a:prstGeom>
-          <a:ln w="12700">
+          <a:solidFill>
+            <a:srgbClr val="0070C0"/>
+          </a:solidFill>
+          <a:ln w="3175">
             <a:solidFill>
               <a:schemeClr val="tx1"/>
             </a:solidFill>
-            <a:tailEnd type="triangle"/>
           </a:ln>
           <a:effectLst>
             <a:outerShdw blurRad="50800" dist="38100" dir="2700000" algn="tl" rotWithShape="0">
@@ -36009,246 +33232,107 @@
           </a:effectLst>
         </p:spPr>
         <p:style>
-          <a:lnRef idx="1">
-            <a:schemeClr val="accent1"/>
+          <a:lnRef idx="2">
+            <a:schemeClr val="accent1">
+              <a:shade val="15000"/>
+            </a:schemeClr>
           </a:lnRef>
-          <a:fillRef idx="0">
+          <a:fillRef idx="1">
             <a:schemeClr val="accent1"/>
           </a:fillRef>
           <a:effectRef idx="0">
             <a:schemeClr val="accent1"/>
           </a:effectRef>
           <a:fontRef idx="minor">
-            <a:schemeClr val="tx1"/>
+            <a:schemeClr val="lt1"/>
           </a:fontRef>
         </p:style>
-      </p:cxnSp>
-      <p:grpSp>
-        <p:nvGrpSpPr>
-          <p:cNvPr id="158" name="グループ化 157">
+        <p:txBody>
+          <a:bodyPr rtlCol="0" anchor="ctr"/>
+          <a:lstStyle/>
+          <a:p>
+            <a:pPr algn="ctr"/>
+            <a:r>
+              <a:rPr lang="en-US" altLang="ja-JP" sz="800">
+                <a:solidFill>
+                  <a:srgbClr val="0070C0"/>
+                </a:solidFill>
+              </a:rPr>
+              <a:t>sub.</a:t>
+            </a:r>
+            <a:r>
+              <a:rPr lang="en-US" altLang="ja-JP" sz="800"/>
+              <a:t>me.example</a:t>
+            </a:r>
+            <a:endParaRPr kumimoji="1" lang="ja-JP" altLang="en-US" sz="800"/>
+          </a:p>
+        </p:txBody>
+      </p:sp>
+      <p:sp>
+        <p:nvSpPr>
+          <p:cNvPr id="161" name="正方形/長方形 160">
             <a:extLst>
               <a:ext uri="{FF2B5EF4-FFF2-40B4-BE49-F238E27FC236}">
-                <a16:creationId xmlns:a16="http://schemas.microsoft.com/office/drawing/2014/main" id="{2AAD59C7-2E0F-D571-D659-5C5D36EAC63F}"/>
+                <a16:creationId xmlns:a16="http://schemas.microsoft.com/office/drawing/2014/main" id="{FBE323AD-52E2-54E0-54F8-3FBC435E64C5}"/>
               </a:ext>
             </a:extLst>
           </p:cNvPr>
-          <p:cNvGrpSpPr/>
+          <p:cNvSpPr/>
           <p:nvPr/>
-        </p:nvGrpSpPr>
-        <p:grpSpPr>
+        </p:nvSpPr>
+        <p:spPr>
           <a:xfrm>
-            <a:off x="8072377" y="2524649"/>
-            <a:ext cx="1026161" cy="1837250"/>
-            <a:chOff x="2762660" y="2311020"/>
-            <a:chExt cx="1150114" cy="1837250"/>
+            <a:off x="8072377" y="3198451"/>
+            <a:ext cx="1026161" cy="489646"/>
           </a:xfrm>
-        </p:grpSpPr>
-        <p:sp>
-          <p:nvSpPr>
-            <p:cNvPr id="160" name="正方形/長方形 159">
-              <a:extLst>
-                <a:ext uri="{FF2B5EF4-FFF2-40B4-BE49-F238E27FC236}">
-                  <a16:creationId xmlns:a16="http://schemas.microsoft.com/office/drawing/2014/main" id="{EA9F9024-F373-E926-7F1B-EB93A0F2DF4F}"/>
-                </a:ext>
-              </a:extLst>
-            </p:cNvPr>
-            <p:cNvSpPr/>
-            <p:nvPr/>
-          </p:nvSpPr>
-          <p:spPr>
-            <a:xfrm>
-              <a:off x="2762660" y="2311020"/>
-              <a:ext cx="1150114" cy="489646"/>
-            </a:xfrm>
-            <a:prstGeom prst="rect">
-              <a:avLst/>
-            </a:prstGeom>
-            <a:solidFill>
-              <a:srgbClr val="0070C0"/>
-            </a:solidFill>
-            <a:ln w="3175">
-              <a:solidFill>
-                <a:schemeClr val="tx1"/>
-              </a:solidFill>
-            </a:ln>
-            <a:effectLst>
-              <a:outerShdw blurRad="50800" dist="38100" dir="2700000" algn="tl" rotWithShape="0">
-                <a:prstClr val="black">
-                  <a:alpha val="40000"/>
-                </a:prstClr>
-              </a:outerShdw>
-            </a:effectLst>
-          </p:spPr>
-          <p:style>
-            <a:lnRef idx="2">
-              <a:schemeClr val="accent1">
-                <a:shade val="15000"/>
-              </a:schemeClr>
-            </a:lnRef>
-            <a:fillRef idx="1">
-              <a:schemeClr val="accent1"/>
-            </a:fillRef>
-            <a:effectRef idx="0">
-              <a:schemeClr val="accent1"/>
-            </a:effectRef>
-            <a:fontRef idx="minor">
-              <a:schemeClr val="lt1"/>
-            </a:fontRef>
-          </p:style>
-          <p:txBody>
-            <a:bodyPr rtlCol="0" anchor="ctr"/>
-            <a:lstStyle/>
-            <a:p>
-              <a:pPr algn="ctr"/>
-              <a:r>
-                <a:rPr lang="en-US" altLang="ja-JP" sz="800">
-                  <a:solidFill>
-                    <a:srgbClr val="0070C0"/>
-                  </a:solidFill>
-                </a:rPr>
-                <a:t>sub.</a:t>
-              </a:r>
-              <a:r>
-                <a:rPr lang="en-US" altLang="ja-JP" sz="800"/>
-                <a:t>me.example</a:t>
-              </a:r>
-              <a:endParaRPr kumimoji="1" lang="ja-JP" altLang="en-US" sz="800"/>
-            </a:p>
-          </p:txBody>
-        </p:sp>
-        <p:sp>
-          <p:nvSpPr>
-            <p:cNvPr id="161" name="正方形/長方形 160">
-              <a:extLst>
-                <a:ext uri="{FF2B5EF4-FFF2-40B4-BE49-F238E27FC236}">
-                  <a16:creationId xmlns:a16="http://schemas.microsoft.com/office/drawing/2014/main" id="{FBE323AD-52E2-54E0-54F8-3FBC435E64C5}"/>
-                </a:ext>
-              </a:extLst>
-            </p:cNvPr>
-            <p:cNvSpPr/>
-            <p:nvPr/>
-          </p:nvSpPr>
-          <p:spPr>
-            <a:xfrm>
-              <a:off x="2762660" y="2984822"/>
-              <a:ext cx="1150114" cy="489646"/>
-            </a:xfrm>
-            <a:prstGeom prst="rect">
-              <a:avLst/>
-            </a:prstGeom>
-            <a:solidFill>
-              <a:srgbClr val="0070C0"/>
-            </a:solidFill>
-            <a:ln w="3175">
-              <a:solidFill>
-                <a:schemeClr val="tx1"/>
-              </a:solidFill>
-            </a:ln>
-            <a:effectLst>
-              <a:outerShdw blurRad="50800" dist="38100" dir="2700000" algn="tl" rotWithShape="0">
-                <a:prstClr val="black">
-                  <a:alpha val="40000"/>
-                </a:prstClr>
-              </a:outerShdw>
-            </a:effectLst>
-          </p:spPr>
-          <p:style>
-            <a:lnRef idx="2">
-              <a:schemeClr val="accent1">
-                <a:shade val="15000"/>
-              </a:schemeClr>
-            </a:lnRef>
-            <a:fillRef idx="1">
-              <a:schemeClr val="accent1"/>
-            </a:fillRef>
-            <a:effectRef idx="0">
-              <a:schemeClr val="accent1"/>
-            </a:effectRef>
-            <a:fontRef idx="minor">
-              <a:schemeClr val="lt1"/>
-            </a:fontRef>
-          </p:style>
-          <p:txBody>
-            <a:bodyPr rtlCol="0" anchor="ctr"/>
-            <a:lstStyle/>
-            <a:p>
-              <a:pPr algn="ctr"/>
-              <a:r>
-                <a:rPr lang="en-US" altLang="ja-JP" sz="800"/>
-                <a:t>sub.me.example</a:t>
-              </a:r>
-              <a:endParaRPr kumimoji="1" lang="ja-JP" altLang="en-US" sz="800"/>
-            </a:p>
-          </p:txBody>
-        </p:sp>
-        <p:sp>
-          <p:nvSpPr>
-            <p:cNvPr id="162" name="正方形/長方形 161">
-              <a:extLst>
-                <a:ext uri="{FF2B5EF4-FFF2-40B4-BE49-F238E27FC236}">
-                  <a16:creationId xmlns:a16="http://schemas.microsoft.com/office/drawing/2014/main" id="{67C48A3A-3FA2-3F55-D845-96EC167A3632}"/>
-                </a:ext>
-              </a:extLst>
-            </p:cNvPr>
-            <p:cNvSpPr/>
-            <p:nvPr/>
-          </p:nvSpPr>
-          <p:spPr>
-            <a:xfrm>
-              <a:off x="2762660" y="3658624"/>
-              <a:ext cx="1150114" cy="489646"/>
-            </a:xfrm>
-            <a:prstGeom prst="rect">
-              <a:avLst/>
-            </a:prstGeom>
-            <a:solidFill>
-              <a:schemeClr val="accent6">
-                <a:lumMod val="75000"/>
-              </a:schemeClr>
-            </a:solidFill>
-            <a:ln w="3175">
-              <a:solidFill>
-                <a:schemeClr val="tx1"/>
-              </a:solidFill>
-            </a:ln>
-            <a:effectLst>
-              <a:outerShdw blurRad="50800" dist="38100" dir="2700000" algn="tl" rotWithShape="0">
-                <a:prstClr val="black">
-                  <a:alpha val="40000"/>
-                </a:prstClr>
-              </a:outerShdw>
-            </a:effectLst>
-          </p:spPr>
-          <p:style>
-            <a:lnRef idx="2">
-              <a:schemeClr val="accent1">
-                <a:shade val="15000"/>
-              </a:schemeClr>
-            </a:lnRef>
-            <a:fillRef idx="1">
-              <a:schemeClr val="accent1"/>
-            </a:fillRef>
-            <a:effectRef idx="0">
-              <a:schemeClr val="accent1"/>
-            </a:effectRef>
-            <a:fontRef idx="minor">
-              <a:schemeClr val="lt1"/>
-            </a:fontRef>
-          </p:style>
-          <p:txBody>
-            <a:bodyPr rtlCol="0" anchor="ctr"/>
-            <a:lstStyle/>
-            <a:p>
-              <a:pPr algn="ctr"/>
-              <a:r>
-                <a:rPr lang="en-US" altLang="ja-JP" sz="800"/>
-                <a:t>you.example</a:t>
-              </a:r>
-              <a:endParaRPr kumimoji="1" lang="ja-JP" altLang="en-US" sz="800"/>
-            </a:p>
-          </p:txBody>
-        </p:sp>
-      </p:grpSp>
+          <a:prstGeom prst="rect">
+            <a:avLst/>
+          </a:prstGeom>
+          <a:solidFill>
+            <a:srgbClr val="0070C0"/>
+          </a:solidFill>
+          <a:ln w="3175">
+            <a:solidFill>
+              <a:schemeClr val="tx1"/>
+            </a:solidFill>
+          </a:ln>
+          <a:effectLst>
+            <a:outerShdw blurRad="50800" dist="38100" dir="2700000" algn="tl" rotWithShape="0">
+              <a:prstClr val="black">
+                <a:alpha val="40000"/>
+              </a:prstClr>
+            </a:outerShdw>
+          </a:effectLst>
+        </p:spPr>
+        <p:style>
+          <a:lnRef idx="2">
+            <a:schemeClr val="accent1">
+              <a:shade val="15000"/>
+            </a:schemeClr>
+          </a:lnRef>
+          <a:fillRef idx="1">
+            <a:schemeClr val="accent1"/>
+          </a:fillRef>
+          <a:effectRef idx="0">
+            <a:schemeClr val="accent1"/>
+          </a:effectRef>
+          <a:fontRef idx="minor">
+            <a:schemeClr val="lt1"/>
+          </a:fontRef>
+        </p:style>
+        <p:txBody>
+          <a:bodyPr rtlCol="0" anchor="ctr"/>
+          <a:lstStyle/>
+          <a:p>
+            <a:pPr algn="ctr"/>
+            <a:r>
+              <a:rPr lang="en-US" altLang="ja-JP" sz="800"/>
+              <a:t>sub.me.example</a:t>
+            </a:r>
+            <a:endParaRPr kumimoji="1" lang="ja-JP" altLang="en-US" sz="800"/>
+          </a:p>
+        </p:txBody>
+      </p:sp>
       <p:sp>
         <p:nvSpPr>
           <p:cNvPr id="163" name="スマイル 162">
@@ -36332,58 +33416,6 @@
             <a:ext cx="2148232" cy="462788"/>
           </a:xfrm>
           <a:prstGeom prst="bentConnector2">
-            <a:avLst/>
-          </a:prstGeom>
-          <a:ln w="12700">
-            <a:solidFill>
-              <a:schemeClr val="tx1"/>
-            </a:solidFill>
-            <a:tailEnd type="triangle"/>
-          </a:ln>
-          <a:effectLst>
-            <a:outerShdw blurRad="50800" dist="38100" dir="2700000" algn="tl" rotWithShape="0">
-              <a:prstClr val="black">
-                <a:alpha val="40000"/>
-              </a:prstClr>
-            </a:outerShdw>
-          </a:effectLst>
-        </p:spPr>
-        <p:style>
-          <a:lnRef idx="1">
-            <a:schemeClr val="accent1"/>
-          </a:lnRef>
-          <a:fillRef idx="0">
-            <a:schemeClr val="accent1"/>
-          </a:fillRef>
-          <a:effectRef idx="0">
-            <a:schemeClr val="accent1"/>
-          </a:effectRef>
-          <a:fontRef idx="minor">
-            <a:schemeClr val="tx1"/>
-          </a:fontRef>
-        </p:style>
-      </p:cxnSp>
-      <p:cxnSp>
-        <p:nvCxnSpPr>
-          <p:cNvPr id="166" name="直線矢印コネクタ 165">
-            <a:extLst>
-              <a:ext uri="{FF2B5EF4-FFF2-40B4-BE49-F238E27FC236}">
-                <a16:creationId xmlns:a16="http://schemas.microsoft.com/office/drawing/2014/main" id="{D58E6B14-4897-F9AA-5884-44136E90D488}"/>
-              </a:ext>
-            </a:extLst>
-          </p:cNvPr>
-          <p:cNvCxnSpPr>
-            <a:cxnSpLocks/>
-            <a:endCxn id="162" idx="3"/>
-          </p:cNvCxnSpPr>
-          <p:nvPr/>
-        </p:nvCxnSpPr>
-        <p:spPr>
-          <a:xfrm flipH="1">
-            <a:off x="9098538" y="4117076"/>
-            <a:ext cx="462788" cy="0"/>
-          </a:xfrm>
-          <a:prstGeom prst="straightConnector1">
             <a:avLst/>
           </a:prstGeom>
           <a:ln w="12700">
@@ -38044,66 +35076,16 @@
           <p:cNvCxnSpPr>
             <a:cxnSpLocks/>
             <a:stCxn id="48" idx="4"/>
+            <a:endCxn id="149" idx="1"/>
           </p:cNvCxnSpPr>
           <p:nvPr/>
         </p:nvCxnSpPr>
         <p:spPr>
           <a:xfrm rot="16200000" flipH="1">
-            <a:off x="4646196" y="2800481"/>
-            <a:ext cx="2147397" cy="462789"/>
+            <a:off x="4980104" y="2466573"/>
+            <a:ext cx="1479580" cy="462789"/>
           </a:xfrm>
           <a:prstGeom prst="bentConnector2">
-            <a:avLst/>
-          </a:prstGeom>
-          <a:ln w="12700">
-            <a:solidFill>
-              <a:schemeClr val="tx1"/>
-            </a:solidFill>
-            <a:tailEnd type="triangle"/>
-          </a:ln>
-          <a:effectLst>
-            <a:outerShdw blurRad="50800" dist="38100" dir="2700000" algn="tl" rotWithShape="0">
-              <a:prstClr val="black">
-                <a:alpha val="40000"/>
-              </a:prstClr>
-            </a:outerShdw>
-          </a:effectLst>
-        </p:spPr>
-        <p:style>
-          <a:lnRef idx="1">
-            <a:schemeClr val="accent1"/>
-          </a:lnRef>
-          <a:fillRef idx="0">
-            <a:schemeClr val="accent1"/>
-          </a:fillRef>
-          <a:effectRef idx="0">
-            <a:schemeClr val="accent1"/>
-          </a:effectRef>
-          <a:fontRef idx="minor">
-            <a:schemeClr val="tx1"/>
-          </a:fontRef>
-        </p:style>
-      </p:cxnSp>
-      <p:cxnSp>
-        <p:nvCxnSpPr>
-          <p:cNvPr id="78" name="直線矢印コネクタ 77">
-            <a:extLst>
-              <a:ext uri="{FF2B5EF4-FFF2-40B4-BE49-F238E27FC236}">
-                <a16:creationId xmlns:a16="http://schemas.microsoft.com/office/drawing/2014/main" id="{8EDABF88-A3EA-4AF1-4452-B1C21302D3EA}"/>
-              </a:ext>
-            </a:extLst>
-          </p:cNvPr>
-          <p:cNvCxnSpPr>
-            <a:cxnSpLocks/>
-          </p:cNvCxnSpPr>
-          <p:nvPr/>
-        </p:nvCxnSpPr>
-        <p:spPr>
-          <a:xfrm>
-            <a:off x="5488499" y="3431773"/>
-            <a:ext cx="462790" cy="0"/>
-          </a:xfrm>
-          <a:prstGeom prst="straightConnector1">
             <a:avLst/>
           </a:prstGeom>
           <a:ln w="12700">
